--- a/docs/slides/lesson_09.pptx
+++ b/docs/slides/lesson_09.pptx
@@ -5,7 +5,7 @@
     <p:sldMasterId id="2147483648" r:id="rId1"/>
   </p:sldMasterIdLst>
   <p:notesMasterIdLst>
-    <p:notesMasterId r:id="rId58"/>
+    <p:notesMasterId r:id="rId60"/>
   </p:notesMasterIdLst>
   <p:sldIdLst>
     <p:sldId id="256" r:id="rId2"/>
@@ -64,6 +64,8 @@
     <p:sldId id="311" r:id="rId55"/>
     <p:sldId id="312" r:id="rId56"/>
     <p:sldId id="313" r:id="rId57"/>
+    <p:sldId id="314" r:id="rId58"/>
+    <p:sldId id="315" r:id="rId59"/>
   </p:sldIdLst>
   <p:sldSz cx="12192000" cy="6858000"/>
   <p:notesSz cx="6858000" cy="9144000"/>
@@ -223,6 +225,8 @@
             <p14:sldId id="311"/>
             <p14:sldId id="312"/>
             <p14:sldId id="313"/>
+            <p14:sldId id="314"/>
+            <p14:sldId id="315"/>
           </p14:sldIdLst>
         </p14:section>
       </p14:sectionLst>
@@ -328,7 +332,7 @@
           <a:p>
             <a:fld id="{9B5B52BA-3295-0343-9E28-A260A811DD10}" type="datetimeFigureOut">
               <a:rPr lang="en-US" smtClean="0"/>
-              <a:t>14-Mar-19</a:t>
+              <a:t>18-Feb-20</a:t>
             </a:fld>
             <a:endParaRPr lang="en-US"/>
           </a:p>
@@ -811,7 +815,7 @@
           <a:p>
             <a:fld id="{04F1D4A2-813C-F741-B481-C92B3A596030}" type="datetimeFigureOut">
               <a:rPr lang="en-US" smtClean="0"/>
-              <a:t>14-Mar-19</a:t>
+              <a:t>18-Feb-20</a:t>
             </a:fld>
             <a:endParaRPr lang="en-US"/>
           </a:p>
@@ -981,7 +985,7 @@
           <a:p>
             <a:fld id="{04F1D4A2-813C-F741-B481-C92B3A596030}" type="datetimeFigureOut">
               <a:rPr lang="en-US" smtClean="0"/>
-              <a:t>14-Mar-19</a:t>
+              <a:t>18-Feb-20</a:t>
             </a:fld>
             <a:endParaRPr lang="en-US"/>
           </a:p>
@@ -1161,7 +1165,7 @@
           <a:p>
             <a:fld id="{04F1D4A2-813C-F741-B481-C92B3A596030}" type="datetimeFigureOut">
               <a:rPr lang="en-US" smtClean="0"/>
-              <a:t>14-Mar-19</a:t>
+              <a:t>18-Feb-20</a:t>
             </a:fld>
             <a:endParaRPr lang="en-US"/>
           </a:p>
@@ -1342,7 +1346,7 @@
           <a:p>
             <a:fld id="{04F1D4A2-813C-F741-B481-C92B3A596030}" type="datetimeFigureOut">
               <a:rPr lang="en-US" smtClean="0"/>
-              <a:t>14-Mar-19</a:t>
+              <a:t>18-Feb-20</a:t>
             </a:fld>
             <a:endParaRPr lang="en-US"/>
           </a:p>
@@ -1588,7 +1592,7 @@
           <a:p>
             <a:fld id="{04F1D4A2-813C-F741-B481-C92B3A596030}" type="datetimeFigureOut">
               <a:rPr lang="en-US" smtClean="0"/>
-              <a:t>14-Mar-19</a:t>
+              <a:t>18-Feb-20</a:t>
             </a:fld>
             <a:endParaRPr lang="en-US"/>
           </a:p>
@@ -1820,7 +1824,7 @@
           <a:p>
             <a:fld id="{04F1D4A2-813C-F741-B481-C92B3A596030}" type="datetimeFigureOut">
               <a:rPr lang="en-US" smtClean="0"/>
-              <a:t>14-Mar-19</a:t>
+              <a:t>18-Feb-20</a:t>
             </a:fld>
             <a:endParaRPr lang="en-US"/>
           </a:p>
@@ -2187,7 +2191,7 @@
           <a:p>
             <a:fld id="{04F1D4A2-813C-F741-B481-C92B3A596030}" type="datetimeFigureOut">
               <a:rPr lang="en-US" smtClean="0"/>
-              <a:t>14-Mar-19</a:t>
+              <a:t>18-Feb-20</a:t>
             </a:fld>
             <a:endParaRPr lang="en-US"/>
           </a:p>
@@ -2305,7 +2309,7 @@
           <a:p>
             <a:fld id="{04F1D4A2-813C-F741-B481-C92B3A596030}" type="datetimeFigureOut">
               <a:rPr lang="en-US" smtClean="0"/>
-              <a:t>14-Mar-19</a:t>
+              <a:t>18-Feb-20</a:t>
             </a:fld>
             <a:endParaRPr lang="en-US"/>
           </a:p>
@@ -2400,7 +2404,7 @@
           <a:p>
             <a:fld id="{04F1D4A2-813C-F741-B481-C92B3A596030}" type="datetimeFigureOut">
               <a:rPr lang="en-US" smtClean="0"/>
-              <a:t>14-Mar-19</a:t>
+              <a:t>18-Feb-20</a:t>
             </a:fld>
             <a:endParaRPr lang="en-US"/>
           </a:p>
@@ -2677,7 +2681,7 @@
           <a:p>
             <a:fld id="{04F1D4A2-813C-F741-B481-C92B3A596030}" type="datetimeFigureOut">
               <a:rPr lang="en-US" smtClean="0"/>
-              <a:t>14-Mar-19</a:t>
+              <a:t>18-Feb-20</a:t>
             </a:fld>
             <a:endParaRPr lang="en-US"/>
           </a:p>
@@ -2930,7 +2934,7 @@
           <a:p>
             <a:fld id="{04F1D4A2-813C-F741-B481-C92B3A596030}" type="datetimeFigureOut">
               <a:rPr lang="en-US" smtClean="0"/>
-              <a:t>14-Mar-19</a:t>
+              <a:t>18-Feb-20</a:t>
             </a:fld>
             <a:endParaRPr lang="en-US"/>
           </a:p>
@@ -3143,7 +3147,7 @@
           <a:p>
             <a:fld id="{04F1D4A2-813C-F741-B481-C92B3A596030}" type="datetimeFigureOut">
               <a:rPr lang="en-US" smtClean="0"/>
-              <a:t>14-Mar-19</a:t>
+              <a:t>18-Feb-20</a:t>
             </a:fld>
             <a:endParaRPr lang="en-US"/>
           </a:p>
@@ -4573,25 +4577,6 @@
           </a:p>
         </p:txBody>
       </p:sp>
-      <p:sp>
-        <p:nvSpPr>
-          <p:cNvPr id="5" name="Text Placeholder 4"/>
-          <p:cNvSpPr>
-            <a:spLocks noGrp="1"/>
-          </p:cNvSpPr>
-          <p:nvPr>
-            <p:ph type="body" idx="1"/>
-          </p:nvPr>
-        </p:nvSpPr>
-        <p:spPr/>
-        <p:txBody>
-          <a:bodyPr/>
-          <a:lstStyle/>
-          <a:p>
-            <a:endParaRPr lang="en-US"/>
-          </a:p>
-        </p:txBody>
-      </p:sp>
     </p:spTree>
     <p:extLst>
       <p:ext uri="{BB962C8B-B14F-4D97-AF65-F5344CB8AC3E}">
@@ -5450,7 +5435,7 @@
               <a:t>Understand what is the problem that </a:t>
             </a:r>
             <a:r>
-              <a:rPr lang="en-US" dirty="0" err="1" smtClean="0"/>
+              <a:rPr lang="en-US" i="1" dirty="0" err="1" smtClean="0"/>
               <a:t>WebSockets</a:t>
             </a:r>
             <a:r>
@@ -5464,15 +5449,19 @@
               <a:t>Learn how to add </a:t>
             </a:r>
             <a:r>
-              <a:rPr lang="en-US" dirty="0" err="1" smtClean="0"/>
+              <a:rPr lang="en-US" i="1" dirty="0" err="1" smtClean="0"/>
               <a:t>WebSocket</a:t>
             </a:r>
             <a:r>
               <a:rPr lang="en-US" dirty="0" smtClean="0"/>
-              <a:t> support to a React/</a:t>
-            </a:r>
-            <a:r>
-              <a:rPr lang="en-US" dirty="0" err="1" smtClean="0"/>
+              <a:t> support to a </a:t>
+            </a:r>
+            <a:r>
+              <a:rPr lang="en-US" i="1" dirty="0" smtClean="0"/>
+              <a:t>React/</a:t>
+            </a:r>
+            <a:r>
+              <a:rPr lang="en-US" i="1" dirty="0" err="1" smtClean="0"/>
               <a:t>NodeJS</a:t>
             </a:r>
             <a:r>
@@ -5495,7 +5484,15 @@
           <a:p>
             <a:r>
               <a:rPr lang="en-US" dirty="0" smtClean="0"/>
-              <a:t>Understand how libraries/frameworks like React help to prevent some XSS, </a:t>
+              <a:t>Understand how libraries/frameworks like </a:t>
+            </a:r>
+            <a:r>
+              <a:rPr lang="en-US" i="1" dirty="0" smtClean="0"/>
+              <a:t>React</a:t>
+            </a:r>
+            <a:r>
+              <a:rPr lang="en-US" dirty="0" smtClean="0"/>
+              <a:t> help to prevent some XSS, </a:t>
             </a:r>
             <a:r>
               <a:rPr lang="en-US" b="1" dirty="0" smtClean="0"/>
@@ -7189,25 +7186,6 @@
           </a:p>
         </p:txBody>
       </p:sp>
-      <p:sp>
-        <p:nvSpPr>
-          <p:cNvPr id="5" name="Text Placeholder 4"/>
-          <p:cNvSpPr>
-            <a:spLocks noGrp="1"/>
-          </p:cNvSpPr>
-          <p:nvPr>
-            <p:ph type="body" idx="1"/>
-          </p:nvPr>
-        </p:nvSpPr>
-        <p:spPr/>
-        <p:txBody>
-          <a:bodyPr/>
-          <a:lstStyle/>
-          <a:p>
-            <a:endParaRPr lang="en-US"/>
-          </a:p>
-        </p:txBody>
-      </p:sp>
     </p:spTree>
     <p:extLst>
       <p:ext uri="{BB962C8B-B14F-4D97-AF65-F5344CB8AC3E}">
@@ -7370,15 +7348,7 @@
             <a:pPr lvl="1"/>
             <a:r>
               <a:rPr lang="en-US" dirty="0" smtClean="0"/>
-              <a:t>recall, attacker can use social engineering to trick </a:t>
-            </a:r>
-            <a:r>
-              <a:rPr lang="en-US" dirty="0" smtClean="0"/>
-              <a:t>a user </a:t>
-            </a:r>
-            <a:r>
-              <a:rPr lang="en-US" dirty="0" smtClean="0"/>
-              <a:t>to click on a link</a:t>
+              <a:t>recall, attacker can use social engineering to trick a user to click on a link</a:t>
             </a:r>
           </a:p>
           <a:p>
@@ -9990,25 +9960,6 @@
           </a:p>
         </p:txBody>
       </p:sp>
-      <p:sp>
-        <p:nvSpPr>
-          <p:cNvPr id="5" name="Text Placeholder 4"/>
-          <p:cNvSpPr>
-            <a:spLocks noGrp="1"/>
-          </p:cNvSpPr>
-          <p:nvPr>
-            <p:ph type="body" idx="1"/>
-          </p:nvPr>
-        </p:nvSpPr>
-        <p:spPr/>
-        <p:txBody>
-          <a:bodyPr/>
-          <a:lstStyle/>
-          <a:p>
-            <a:endParaRPr lang="en-US" dirty="0"/>
-          </a:p>
-        </p:txBody>
-      </p:sp>
     </p:spTree>
     <p:extLst>
       <p:ext uri="{BB962C8B-B14F-4D97-AF65-F5344CB8AC3E}">
@@ -10086,13 +10037,8 @@
           <a:p>
             <a:r>
               <a:rPr lang="en-US" dirty="0" smtClean="0"/>
-              <a:t>XSS is such a huge problem that many libraries/frameworks for HTML DOM manipulation do some form of input sanitization by </a:t>
-            </a:r>
-            <a:r>
-              <a:rPr lang="en-US" dirty="0" smtClean="0"/>
-              <a:t>default</a:t>
-            </a:r>
-            <a:endParaRPr lang="en-US" dirty="0" smtClean="0"/>
+              <a:t>XSS is such a huge problem that many libraries/frameworks for HTML DOM manipulation do some form of input sanitization by default</a:t>
+            </a:r>
           </a:p>
           <a:p>
             <a:r>
@@ -10175,7 +10121,6 @@
               <a:rPr lang="en-US" dirty="0" smtClean="0"/>
               <a:t> when rendering the HTML</a:t>
             </a:r>
-            <a:endParaRPr lang="en-US" dirty="0" smtClean="0"/>
           </a:p>
           <a:p>
             <a:r>
@@ -11269,7 +11214,7 @@
         </p:spPr>
         <p:txBody>
           <a:bodyPr>
-            <a:normAutofit lnSpcReduction="10000"/>
+            <a:normAutofit fontScale="92500" lnSpcReduction="10000"/>
           </a:bodyPr>
           <a:lstStyle/>
           <a:p>
@@ -11298,8 +11243,40 @@
             </a:r>
             <a:r>
               <a:rPr lang="en-US" dirty="0" smtClean="0"/>
-              <a:t>” protocol in the links</a:t>
-            </a:r>
+              <a:t>” protocol in the </a:t>
+            </a:r>
+            <a:r>
+              <a:rPr lang="en-US" dirty="0" smtClean="0"/>
+              <a:t>links</a:t>
+            </a:r>
+          </a:p>
+          <a:p>
+            <a:pPr lvl="1"/>
+            <a:r>
+              <a:rPr lang="en-US" dirty="0"/>
+              <a:t>2020 </a:t>
+            </a:r>
+            <a:r>
+              <a:rPr lang="en-US" dirty="0" smtClean="0"/>
+              <a:t>note</a:t>
+            </a:r>
+            <a:r>
+              <a:rPr lang="en-US" dirty="0"/>
+              <a:t>: future versions of </a:t>
+            </a:r>
+            <a:r>
+              <a:rPr lang="en-US" i="1" dirty="0"/>
+              <a:t>React</a:t>
+            </a:r>
+            <a:r>
+              <a:rPr lang="en-US" dirty="0"/>
+              <a:t> will block </a:t>
+            </a:r>
+            <a:r>
+              <a:rPr lang="en-US" dirty="0" smtClean="0"/>
+              <a:t>it</a:t>
+            </a:r>
+            <a:endParaRPr lang="en-US" dirty="0" smtClean="0"/>
           </a:p>
           <a:p>
             <a:r>
@@ -11385,7 +11362,11 @@
             </a:r>
             <a:r>
               <a:rPr lang="en-US" b="1" dirty="0"/>
-              <a:t>/html;base64,PHNjcmlwdD5hbGVydCgiV2VsY29tZSB0byBYU1MhIik7PC9zY3JpcHQ+</a:t>
+              <a:t>/html;base64,PHNjcmlwdD5hbGVydCgiV2VsY29tZSB0byBYU1MhIik7PC9zY3JpcHQ</a:t>
+            </a:r>
+            <a:r>
+              <a:rPr lang="en-US" b="1" dirty="0" smtClean="0"/>
+              <a:t>+</a:t>
             </a:r>
           </a:p>
         </p:txBody>
@@ -11680,6 +11661,320 @@
   <p:clrMapOvr>
     <a:masterClrMapping/>
   </p:clrMapOvr>
+  <p:timing>
+    <p:tnLst>
+      <p:par>
+        <p:cTn id="1" dur="indefinite" restart="never" nodeType="tmRoot"/>
+      </p:par>
+    </p:tnLst>
+  </p:timing>
+</p:sld>
+</file>
+
+<file path=ppt/slides/slide57.xml><?xml version="1.0" encoding="utf-8"?>
+<p:sld xmlns:a="http://schemas.openxmlformats.org/drawingml/2006/main" xmlns:r="http://schemas.openxmlformats.org/officeDocument/2006/relationships" xmlns:p="http://schemas.openxmlformats.org/presentationml/2006/main">
+  <p:cSld>
+    <p:spTree>
+      <p:nvGrpSpPr>
+        <p:cNvPr id="1" name=""/>
+        <p:cNvGrpSpPr/>
+        <p:nvPr/>
+      </p:nvGrpSpPr>
+      <p:grpSpPr>
+        <a:xfrm>
+          <a:off x="0" y="0"/>
+          <a:ext cx="0" cy="0"/>
+          <a:chOff x="0" y="0"/>
+          <a:chExt cx="0" cy="0"/>
+        </a:xfrm>
+      </p:grpSpPr>
+      <p:sp>
+        <p:nvSpPr>
+          <p:cNvPr id="2" name="Title 1"/>
+          <p:cNvSpPr>
+            <a:spLocks noGrp="1"/>
+          </p:cNvSpPr>
+          <p:nvPr>
+            <p:ph type="title"/>
+          </p:nvPr>
+        </p:nvSpPr>
+        <p:spPr/>
+        <p:txBody>
+          <a:bodyPr/>
+          <a:lstStyle/>
+          <a:p>
+            <a:r>
+              <a:rPr lang="en-US" dirty="0" smtClean="0"/>
+              <a:t>User vs Developer</a:t>
+            </a:r>
+            <a:endParaRPr lang="en-US" dirty="0"/>
+          </a:p>
+        </p:txBody>
+      </p:sp>
+      <p:sp>
+        <p:nvSpPr>
+          <p:cNvPr id="3" name="Content Placeholder 2"/>
+          <p:cNvSpPr>
+            <a:spLocks noGrp="1"/>
+          </p:cNvSpPr>
+          <p:nvPr>
+            <p:ph idx="1"/>
+          </p:nvPr>
+        </p:nvSpPr>
+        <p:spPr>
+          <a:xfrm>
+            <a:off x="183776" y="1825624"/>
+            <a:ext cx="11887200" cy="4906869"/>
+          </a:xfrm>
+        </p:spPr>
+        <p:txBody>
+          <a:bodyPr/>
+          <a:lstStyle/>
+          <a:p>
+            <a:r>
+              <a:rPr lang="en-US" i="1" dirty="0" smtClean="0"/>
+              <a:t>As a user</a:t>
+            </a:r>
+            <a:r>
+              <a:rPr lang="en-US" dirty="0" smtClean="0"/>
+              <a:t>: </a:t>
+            </a:r>
+            <a:r>
+              <a:rPr lang="en-US" b="1" dirty="0" smtClean="0"/>
+              <a:t>ALWAYS UPDATE TO LATEST BROWSER VERSION</a:t>
+            </a:r>
+          </a:p>
+          <a:p>
+            <a:pPr lvl="1"/>
+            <a:r>
+              <a:rPr lang="en-US" dirty="0" smtClean="0"/>
+              <a:t>it will protect you from many known attacks</a:t>
+            </a:r>
+          </a:p>
+          <a:p>
+            <a:pPr lvl="1"/>
+            <a:endParaRPr lang="en-US" dirty="0"/>
+          </a:p>
+          <a:p>
+            <a:r>
+              <a:rPr lang="en-US" i="1" dirty="0" smtClean="0"/>
+              <a:t>As a developer</a:t>
+            </a:r>
+            <a:r>
+              <a:rPr lang="en-US" dirty="0" smtClean="0"/>
+              <a:t>: many of your clients will still use old browsers…</a:t>
+            </a:r>
+          </a:p>
+          <a:p>
+            <a:pPr lvl="1"/>
+            <a:r>
+              <a:rPr lang="en-US" dirty="0" smtClean="0"/>
+              <a:t>so you might still need to add extra layers of protection in your applications, even for attacks that would not be possible on recent browsers </a:t>
+            </a:r>
+            <a:endParaRPr lang="en-US" dirty="0"/>
+          </a:p>
+        </p:txBody>
+      </p:sp>
+    </p:spTree>
+    <p:extLst>
+      <p:ext uri="{BB962C8B-B14F-4D97-AF65-F5344CB8AC3E}">
+        <p14:creationId xmlns:p14="http://schemas.microsoft.com/office/powerpoint/2010/main" val="3254174509"/>
+      </p:ext>
+    </p:extLst>
+  </p:cSld>
+  <p:clrMapOvr>
+    <a:masterClrMapping/>
+  </p:clrMapOvr>
+  <p:timing>
+    <p:tnLst>
+      <p:par>
+        <p:cTn id="1" dur="indefinite" restart="never" nodeType="tmRoot"/>
+      </p:par>
+    </p:tnLst>
+  </p:timing>
+</p:sld>
+</file>
+
+<file path=ppt/slides/slide58.xml><?xml version="1.0" encoding="utf-8"?>
+<p:sld xmlns:a="http://schemas.openxmlformats.org/drawingml/2006/main" xmlns:r="http://schemas.openxmlformats.org/officeDocument/2006/relationships" xmlns:p="http://schemas.openxmlformats.org/presentationml/2006/main">
+  <p:cSld>
+    <p:spTree>
+      <p:nvGrpSpPr>
+        <p:cNvPr id="1" name=""/>
+        <p:cNvGrpSpPr/>
+        <p:nvPr/>
+      </p:nvGrpSpPr>
+      <p:grpSpPr>
+        <a:xfrm>
+          <a:off x="0" y="0"/>
+          <a:ext cx="0" cy="0"/>
+          <a:chOff x="0" y="0"/>
+          <a:chExt cx="0" cy="0"/>
+        </a:xfrm>
+      </p:grpSpPr>
+      <p:sp>
+        <p:nvSpPr>
+          <p:cNvPr id="3" name="Content Placeholder 2"/>
+          <p:cNvSpPr>
+            <a:spLocks noGrp="1"/>
+          </p:cNvSpPr>
+          <p:nvPr>
+            <p:ph idx="1"/>
+          </p:nvPr>
+        </p:nvSpPr>
+        <p:spPr>
+          <a:xfrm>
+            <a:off x="112058" y="99919"/>
+            <a:ext cx="7687235" cy="6094693"/>
+          </a:xfrm>
+        </p:spPr>
+        <p:txBody>
+          <a:bodyPr/>
+          <a:lstStyle/>
+          <a:p>
+            <a:r>
+              <a:rPr lang="en-US" dirty="0" smtClean="0"/>
+              <a:t>2020: </a:t>
+            </a:r>
+            <a:r>
+              <a:rPr lang="en-US" b="1" dirty="0" smtClean="0"/>
+              <a:t>Internet Explorer</a:t>
+            </a:r>
+            <a:r>
+              <a:rPr lang="en-US" dirty="0" smtClean="0"/>
+              <a:t> still has a </a:t>
+            </a:r>
+            <a:r>
+              <a:rPr lang="en-US" b="1" dirty="0" smtClean="0"/>
+              <a:t>1.7%</a:t>
+            </a:r>
+            <a:r>
+              <a:rPr lang="en-US" dirty="0" smtClean="0"/>
+              <a:t> market share</a:t>
+            </a:r>
+          </a:p>
+          <a:p>
+            <a:pPr lvl="1"/>
+            <a:r>
+              <a:rPr lang="en-US" dirty="0" smtClean="0"/>
+              <a:t>2.1% in Norway</a:t>
+            </a:r>
+          </a:p>
+          <a:p>
+            <a:pPr lvl="1"/>
+            <a:r>
+              <a:rPr lang="en-US" dirty="0" smtClean="0"/>
+              <a:t>In “theory” replaced by </a:t>
+            </a:r>
+            <a:r>
+              <a:rPr lang="en-US" b="1" dirty="0" smtClean="0"/>
+              <a:t>Edge</a:t>
+            </a:r>
+            <a:r>
+              <a:rPr lang="en-US" dirty="0" smtClean="0"/>
+              <a:t> in 2015…</a:t>
+            </a:r>
+          </a:p>
+          <a:p>
+            <a:r>
+              <a:rPr lang="en-US" dirty="0" smtClean="0"/>
+              <a:t>2019: Edge was rebuilt in Chromium</a:t>
+            </a:r>
+          </a:p>
+          <a:p>
+            <a:r>
+              <a:rPr lang="en-US" dirty="0" smtClean="0"/>
+              <a:t>Legacy Edge in 2020</a:t>
+            </a:r>
+          </a:p>
+          <a:p>
+            <a:pPr lvl="1"/>
+            <a:r>
+              <a:rPr lang="en-US" dirty="0" smtClean="0"/>
+              <a:t>Global: 2.2%</a:t>
+            </a:r>
+          </a:p>
+          <a:p>
+            <a:pPr lvl="1"/>
+            <a:r>
+              <a:rPr lang="en-US" dirty="0" smtClean="0"/>
+              <a:t>Norway: 3.7%</a:t>
+            </a:r>
+          </a:p>
+          <a:p>
+            <a:r>
+              <a:rPr lang="en-US" dirty="0"/>
+              <a:t>See https</a:t>
+            </a:r>
+            <a:r>
+              <a:rPr lang="en-US" dirty="0" smtClean="0"/>
+              <a:t>://gs.statcounter.com</a:t>
+            </a:r>
+            <a:r>
+              <a:rPr lang="en-US" dirty="0"/>
+              <a:t>/</a:t>
+            </a:r>
+          </a:p>
+        </p:txBody>
+      </p:sp>
+      <p:pic>
+        <p:nvPicPr>
+          <p:cNvPr id="1026" name="Picture 2" descr="Image result for twitter every now and then i am devloper"/>
+          <p:cNvPicPr>
+            <a:picLocks noChangeAspect="1" noChangeArrowheads="1"/>
+          </p:cNvPicPr>
+          <p:nvPr/>
+        </p:nvPicPr>
+        <p:blipFill>
+          <a:blip r:embed="rId2">
+            <a:extLst>
+              <a:ext uri="{28A0092B-C50C-407E-A947-70E740481C1C}">
+                <a14:useLocalDpi xmlns:a14="http://schemas.microsoft.com/office/drawing/2010/main" val="0"/>
+              </a:ext>
+            </a:extLst>
+          </a:blip>
+          <a:srcRect/>
+          <a:stretch>
+            <a:fillRect/>
+          </a:stretch>
+        </p:blipFill>
+        <p:spPr bwMode="auto">
+          <a:xfrm>
+            <a:off x="7682225" y="3016623"/>
+            <a:ext cx="4447022" cy="4349187"/>
+          </a:xfrm>
+          <a:prstGeom prst="rect">
+            <a:avLst/>
+          </a:prstGeom>
+          <a:noFill/>
+          <a:extLst>
+            <a:ext uri="{909E8E84-426E-40DD-AFC4-6F175D3DCCD1}">
+              <a14:hiddenFill xmlns:a14="http://schemas.microsoft.com/office/drawing/2010/main">
+                <a:solidFill>
+                  <a:srgbClr val="FFFFFF"/>
+                </a:solidFill>
+              </a14:hiddenFill>
+            </a:ext>
+          </a:extLst>
+        </p:spPr>
+      </p:pic>
+    </p:spTree>
+    <p:extLst>
+      <p:ext uri="{BB962C8B-B14F-4D97-AF65-F5344CB8AC3E}">
+        <p14:creationId xmlns:p14="http://schemas.microsoft.com/office/powerpoint/2010/main" val="3636487519"/>
+      </p:ext>
+    </p:extLst>
+  </p:cSld>
+  <p:clrMapOvr>
+    <a:masterClrMapping/>
+  </p:clrMapOvr>
+  <p:timing>
+    <p:tnLst>
+      <p:par>
+        <p:cTn id="1" dur="indefinite" restart="never" nodeType="tmRoot"/>
+      </p:par>
+    </p:tnLst>
+  </p:timing>
 </p:sld>
 </file>
 

--- a/docs/slides/lesson_09.pptx
+++ b/docs/slides/lesson_09.pptx
@@ -332,7 +332,7 @@
           <a:p>
             <a:fld id="{9B5B52BA-3295-0343-9E28-A260A811DD10}" type="datetimeFigureOut">
               <a:rPr lang="en-US" smtClean="0"/>
-              <a:t>18-Feb-20</a:t>
+              <a:t>3/25/20</a:t>
             </a:fld>
             <a:endParaRPr lang="en-US"/>
           </a:p>
@@ -396,38 +396,37 @@
           <a:p>
             <a:pPr lvl="0"/>
             <a:r>
-              <a:rPr lang="en-US" smtClean="0"/>
+              <a:rPr lang="en-US"/>
               <a:t>Click to edit Master text styles</a:t>
             </a:r>
           </a:p>
           <a:p>
             <a:pPr lvl="1"/>
             <a:r>
-              <a:rPr lang="en-US" smtClean="0"/>
+              <a:rPr lang="en-US"/>
               <a:t>Second level</a:t>
             </a:r>
           </a:p>
           <a:p>
             <a:pPr lvl="2"/>
             <a:r>
-              <a:rPr lang="en-US" smtClean="0"/>
+              <a:rPr lang="en-US"/>
               <a:t>Third level</a:t>
             </a:r>
           </a:p>
           <a:p>
             <a:pPr lvl="3"/>
             <a:r>
-              <a:rPr lang="en-US" smtClean="0"/>
+              <a:rPr lang="en-US"/>
               <a:t>Fourth level</a:t>
             </a:r>
           </a:p>
           <a:p>
             <a:pPr lvl="4"/>
             <a:r>
-              <a:rPr lang="en-US" smtClean="0"/>
+              <a:rPr lang="en-US"/>
               <a:t>Fifth level</a:t>
             </a:r>
-            <a:endParaRPr lang="en-US"/>
           </a:p>
         </p:txBody>
       </p:sp>
@@ -726,10 +725,9 @@
           </a:lstStyle>
           <a:p>
             <a:r>
-              <a:rPr lang="en-US" dirty="0" smtClean="0"/>
+              <a:rPr lang="en-US" dirty="0"/>
               <a:t>Click to edit Master title style</a:t>
             </a:r>
-            <a:endParaRPr lang="en-US" dirty="0"/>
           </a:p>
         </p:txBody>
       </p:sp>
@@ -791,10 +789,9 @@
           </a:lstStyle>
           <a:p>
             <a:r>
-              <a:rPr lang="en-US" dirty="0" smtClean="0"/>
+              <a:rPr lang="en-US" dirty="0"/>
               <a:t>Click to edit Master subtitle style</a:t>
             </a:r>
-            <a:endParaRPr lang="en-US" dirty="0"/>
           </a:p>
         </p:txBody>
       </p:sp>
@@ -815,7 +812,7 @@
           <a:p>
             <a:fld id="{04F1D4A2-813C-F741-B481-C92B3A596030}" type="datetimeFigureOut">
               <a:rPr lang="en-US" smtClean="0"/>
-              <a:t>18-Feb-20</a:t>
+              <a:t>3/25/20</a:t>
             </a:fld>
             <a:endParaRPr lang="en-US"/>
           </a:p>
@@ -909,10 +906,9 @@
           <a:lstStyle/>
           <a:p>
             <a:r>
-              <a:rPr lang="en-US" smtClean="0"/>
+              <a:rPr lang="en-US"/>
               <a:t>Click to edit Master title style</a:t>
             </a:r>
-            <a:endParaRPr lang="en-US"/>
           </a:p>
         </p:txBody>
       </p:sp>
@@ -933,38 +929,37 @@
           <a:p>
             <a:pPr lvl="0"/>
             <a:r>
-              <a:rPr lang="en-US" smtClean="0"/>
+              <a:rPr lang="en-US"/>
               <a:t>Click to edit Master text styles</a:t>
             </a:r>
           </a:p>
           <a:p>
             <a:pPr lvl="1"/>
             <a:r>
-              <a:rPr lang="en-US" smtClean="0"/>
+              <a:rPr lang="en-US"/>
               <a:t>Second level</a:t>
             </a:r>
           </a:p>
           <a:p>
             <a:pPr lvl="2"/>
             <a:r>
-              <a:rPr lang="en-US" smtClean="0"/>
+              <a:rPr lang="en-US"/>
               <a:t>Third level</a:t>
             </a:r>
           </a:p>
           <a:p>
             <a:pPr lvl="3"/>
             <a:r>
-              <a:rPr lang="en-US" smtClean="0"/>
+              <a:rPr lang="en-US"/>
               <a:t>Fourth level</a:t>
             </a:r>
           </a:p>
           <a:p>
             <a:pPr lvl="4"/>
             <a:r>
-              <a:rPr lang="en-US" smtClean="0"/>
+              <a:rPr lang="en-US"/>
               <a:t>Fifth level</a:t>
             </a:r>
-            <a:endParaRPr lang="en-US"/>
           </a:p>
         </p:txBody>
       </p:sp>
@@ -985,7 +980,7 @@
           <a:p>
             <a:fld id="{04F1D4A2-813C-F741-B481-C92B3A596030}" type="datetimeFigureOut">
               <a:rPr lang="en-US" smtClean="0"/>
-              <a:t>18-Feb-20</a:t>
+              <a:t>3/25/20</a:t>
             </a:fld>
             <a:endParaRPr lang="en-US"/>
           </a:p>
@@ -1084,10 +1079,9 @@
           <a:lstStyle/>
           <a:p>
             <a:r>
-              <a:rPr lang="en-US" smtClean="0"/>
+              <a:rPr lang="en-US"/>
               <a:t>Click to edit Master title style</a:t>
             </a:r>
-            <a:endParaRPr lang="en-US"/>
           </a:p>
         </p:txBody>
       </p:sp>
@@ -1113,38 +1107,37 @@
           <a:p>
             <a:pPr lvl="0"/>
             <a:r>
-              <a:rPr lang="en-US" smtClean="0"/>
+              <a:rPr lang="en-US"/>
               <a:t>Click to edit Master text styles</a:t>
             </a:r>
           </a:p>
           <a:p>
             <a:pPr lvl="1"/>
             <a:r>
-              <a:rPr lang="en-US" smtClean="0"/>
+              <a:rPr lang="en-US"/>
               <a:t>Second level</a:t>
             </a:r>
           </a:p>
           <a:p>
             <a:pPr lvl="2"/>
             <a:r>
-              <a:rPr lang="en-US" smtClean="0"/>
+              <a:rPr lang="en-US"/>
               <a:t>Third level</a:t>
             </a:r>
           </a:p>
           <a:p>
             <a:pPr lvl="3"/>
             <a:r>
-              <a:rPr lang="en-US" smtClean="0"/>
+              <a:rPr lang="en-US"/>
               <a:t>Fourth level</a:t>
             </a:r>
           </a:p>
           <a:p>
             <a:pPr lvl="4"/>
             <a:r>
-              <a:rPr lang="en-US" smtClean="0"/>
+              <a:rPr lang="en-US"/>
               <a:t>Fifth level</a:t>
             </a:r>
-            <a:endParaRPr lang="en-US"/>
           </a:p>
         </p:txBody>
       </p:sp>
@@ -1165,7 +1158,7 @@
           <a:p>
             <a:fld id="{04F1D4A2-813C-F741-B481-C92B3A596030}" type="datetimeFigureOut">
               <a:rPr lang="en-US" smtClean="0"/>
-              <a:t>18-Feb-20</a:t>
+              <a:t>3/25/20</a:t>
             </a:fld>
             <a:endParaRPr lang="en-US"/>
           </a:p>
@@ -1263,10 +1256,9 @@
           </a:lstStyle>
           <a:p>
             <a:r>
-              <a:rPr lang="en-US" dirty="0" smtClean="0"/>
+              <a:rPr lang="en-US" dirty="0"/>
               <a:t>Click to edit Master title style</a:t>
             </a:r>
-            <a:endParaRPr lang="en-US" dirty="0"/>
           </a:p>
         </p:txBody>
       </p:sp>
@@ -1294,38 +1286,37 @@
           <a:p>
             <a:pPr lvl="0"/>
             <a:r>
-              <a:rPr lang="en-US" dirty="0" smtClean="0"/>
+              <a:rPr lang="en-US" dirty="0"/>
               <a:t>Click to edit Master text styles</a:t>
             </a:r>
           </a:p>
           <a:p>
             <a:pPr lvl="1"/>
             <a:r>
-              <a:rPr lang="en-US" dirty="0" smtClean="0"/>
+              <a:rPr lang="en-US" dirty="0"/>
               <a:t>Second level</a:t>
             </a:r>
           </a:p>
           <a:p>
             <a:pPr lvl="2"/>
             <a:r>
-              <a:rPr lang="en-US" dirty="0" smtClean="0"/>
+              <a:rPr lang="en-US" dirty="0"/>
               <a:t>Third level</a:t>
             </a:r>
           </a:p>
           <a:p>
             <a:pPr lvl="3"/>
             <a:r>
-              <a:rPr lang="en-US" dirty="0" smtClean="0"/>
+              <a:rPr lang="en-US" dirty="0"/>
               <a:t>Fourth level</a:t>
             </a:r>
           </a:p>
           <a:p>
             <a:pPr lvl="4"/>
             <a:r>
-              <a:rPr lang="en-US" dirty="0" smtClean="0"/>
+              <a:rPr lang="en-US" dirty="0"/>
               <a:t>Fifth level</a:t>
             </a:r>
-            <a:endParaRPr lang="en-US" dirty="0"/>
           </a:p>
         </p:txBody>
       </p:sp>
@@ -1346,7 +1337,7 @@
           <a:p>
             <a:fld id="{04F1D4A2-813C-F741-B481-C92B3A596030}" type="datetimeFigureOut">
               <a:rPr lang="en-US" smtClean="0"/>
-              <a:t>18-Feb-20</a:t>
+              <a:t>3/25/20</a:t>
             </a:fld>
             <a:endParaRPr lang="en-US"/>
           </a:p>
@@ -1449,10 +1440,9 @@
           </a:lstStyle>
           <a:p>
             <a:r>
-              <a:rPr lang="en-US" smtClean="0"/>
+              <a:rPr lang="en-US"/>
               <a:t>Click to edit Master title style</a:t>
             </a:r>
-            <a:endParaRPr lang="en-US"/>
           </a:p>
         </p:txBody>
       </p:sp>
@@ -1569,7 +1559,7 @@
           <a:p>
             <a:pPr lvl="0"/>
             <a:r>
-              <a:rPr lang="en-US" smtClean="0"/>
+              <a:rPr lang="en-US"/>
               <a:t>Click to edit Master text styles</a:t>
             </a:r>
           </a:p>
@@ -1592,7 +1582,7 @@
           <a:p>
             <a:fld id="{04F1D4A2-813C-F741-B481-C92B3A596030}" type="datetimeFigureOut">
               <a:rPr lang="en-US" smtClean="0"/>
-              <a:t>18-Feb-20</a:t>
+              <a:t>3/25/20</a:t>
             </a:fld>
             <a:endParaRPr lang="en-US"/>
           </a:p>
@@ -1686,10 +1676,9 @@
           <a:lstStyle/>
           <a:p>
             <a:r>
-              <a:rPr lang="en-US" smtClean="0"/>
+              <a:rPr lang="en-US"/>
               <a:t>Click to edit Master title style</a:t>
             </a:r>
-            <a:endParaRPr lang="en-US"/>
           </a:p>
         </p:txBody>
       </p:sp>
@@ -1715,38 +1704,37 @@
           <a:p>
             <a:pPr lvl="0"/>
             <a:r>
-              <a:rPr lang="en-US" smtClean="0"/>
+              <a:rPr lang="en-US"/>
               <a:t>Click to edit Master text styles</a:t>
             </a:r>
           </a:p>
           <a:p>
             <a:pPr lvl="1"/>
             <a:r>
-              <a:rPr lang="en-US" smtClean="0"/>
+              <a:rPr lang="en-US"/>
               <a:t>Second level</a:t>
             </a:r>
           </a:p>
           <a:p>
             <a:pPr lvl="2"/>
             <a:r>
-              <a:rPr lang="en-US" smtClean="0"/>
+              <a:rPr lang="en-US"/>
               <a:t>Third level</a:t>
             </a:r>
           </a:p>
           <a:p>
             <a:pPr lvl="3"/>
             <a:r>
-              <a:rPr lang="en-US" smtClean="0"/>
+              <a:rPr lang="en-US"/>
               <a:t>Fourth level</a:t>
             </a:r>
           </a:p>
           <a:p>
             <a:pPr lvl="4"/>
             <a:r>
-              <a:rPr lang="en-US" smtClean="0"/>
+              <a:rPr lang="en-US"/>
               <a:t>Fifth level</a:t>
             </a:r>
-            <a:endParaRPr lang="en-US"/>
           </a:p>
         </p:txBody>
       </p:sp>
@@ -1772,38 +1760,37 @@
           <a:p>
             <a:pPr lvl="0"/>
             <a:r>
-              <a:rPr lang="en-US" smtClean="0"/>
+              <a:rPr lang="en-US"/>
               <a:t>Click to edit Master text styles</a:t>
             </a:r>
           </a:p>
           <a:p>
             <a:pPr lvl="1"/>
             <a:r>
-              <a:rPr lang="en-US" smtClean="0"/>
+              <a:rPr lang="en-US"/>
               <a:t>Second level</a:t>
             </a:r>
           </a:p>
           <a:p>
             <a:pPr lvl="2"/>
             <a:r>
-              <a:rPr lang="en-US" smtClean="0"/>
+              <a:rPr lang="en-US"/>
               <a:t>Third level</a:t>
             </a:r>
           </a:p>
           <a:p>
             <a:pPr lvl="3"/>
             <a:r>
-              <a:rPr lang="en-US" smtClean="0"/>
+              <a:rPr lang="en-US"/>
               <a:t>Fourth level</a:t>
             </a:r>
           </a:p>
           <a:p>
             <a:pPr lvl="4"/>
             <a:r>
-              <a:rPr lang="en-US" smtClean="0"/>
+              <a:rPr lang="en-US"/>
               <a:t>Fifth level</a:t>
             </a:r>
-            <a:endParaRPr lang="en-US"/>
           </a:p>
         </p:txBody>
       </p:sp>
@@ -1824,7 +1811,7 @@
           <a:p>
             <a:fld id="{04F1D4A2-813C-F741-B481-C92B3A596030}" type="datetimeFigureOut">
               <a:rPr lang="en-US" smtClean="0"/>
-              <a:t>18-Feb-20</a:t>
+              <a:t>3/25/20</a:t>
             </a:fld>
             <a:endParaRPr lang="en-US"/>
           </a:p>
@@ -1923,10 +1910,9 @@
           <a:lstStyle/>
           <a:p>
             <a:r>
-              <a:rPr lang="en-US" smtClean="0"/>
+              <a:rPr lang="en-US"/>
               <a:t>Click to edit Master title style</a:t>
             </a:r>
-            <a:endParaRPr lang="en-US"/>
           </a:p>
         </p:txBody>
       </p:sp>
@@ -1989,7 +1975,7 @@
           <a:p>
             <a:pPr lvl="0"/>
             <a:r>
-              <a:rPr lang="en-US" smtClean="0"/>
+              <a:rPr lang="en-US"/>
               <a:t>Click to edit Master text styles</a:t>
             </a:r>
           </a:p>
@@ -2017,38 +2003,37 @@
           <a:p>
             <a:pPr lvl="0"/>
             <a:r>
-              <a:rPr lang="en-US" smtClean="0"/>
+              <a:rPr lang="en-US"/>
               <a:t>Click to edit Master text styles</a:t>
             </a:r>
           </a:p>
           <a:p>
             <a:pPr lvl="1"/>
             <a:r>
-              <a:rPr lang="en-US" smtClean="0"/>
+              <a:rPr lang="en-US"/>
               <a:t>Second level</a:t>
             </a:r>
           </a:p>
           <a:p>
             <a:pPr lvl="2"/>
             <a:r>
-              <a:rPr lang="en-US" smtClean="0"/>
+              <a:rPr lang="en-US"/>
               <a:t>Third level</a:t>
             </a:r>
           </a:p>
           <a:p>
             <a:pPr lvl="3"/>
             <a:r>
-              <a:rPr lang="en-US" smtClean="0"/>
+              <a:rPr lang="en-US"/>
               <a:t>Fourth level</a:t>
             </a:r>
           </a:p>
           <a:p>
             <a:pPr lvl="4"/>
             <a:r>
-              <a:rPr lang="en-US" smtClean="0"/>
+              <a:rPr lang="en-US"/>
               <a:t>Fifth level</a:t>
             </a:r>
-            <a:endParaRPr lang="en-US"/>
           </a:p>
         </p:txBody>
       </p:sp>
@@ -2111,7 +2096,7 @@
           <a:p>
             <a:pPr lvl="0"/>
             <a:r>
-              <a:rPr lang="en-US" smtClean="0"/>
+              <a:rPr lang="en-US"/>
               <a:t>Click to edit Master text styles</a:t>
             </a:r>
           </a:p>
@@ -2139,38 +2124,37 @@
           <a:p>
             <a:pPr lvl="0"/>
             <a:r>
-              <a:rPr lang="en-US" smtClean="0"/>
+              <a:rPr lang="en-US"/>
               <a:t>Click to edit Master text styles</a:t>
             </a:r>
           </a:p>
           <a:p>
             <a:pPr lvl="1"/>
             <a:r>
-              <a:rPr lang="en-US" smtClean="0"/>
+              <a:rPr lang="en-US"/>
               <a:t>Second level</a:t>
             </a:r>
           </a:p>
           <a:p>
             <a:pPr lvl="2"/>
             <a:r>
-              <a:rPr lang="en-US" smtClean="0"/>
+              <a:rPr lang="en-US"/>
               <a:t>Third level</a:t>
             </a:r>
           </a:p>
           <a:p>
             <a:pPr lvl="3"/>
             <a:r>
-              <a:rPr lang="en-US" smtClean="0"/>
+              <a:rPr lang="en-US"/>
               <a:t>Fourth level</a:t>
             </a:r>
           </a:p>
           <a:p>
             <a:pPr lvl="4"/>
             <a:r>
-              <a:rPr lang="en-US" smtClean="0"/>
+              <a:rPr lang="en-US"/>
               <a:t>Fifth level</a:t>
             </a:r>
-            <a:endParaRPr lang="en-US"/>
           </a:p>
         </p:txBody>
       </p:sp>
@@ -2191,7 +2175,7 @@
           <a:p>
             <a:fld id="{04F1D4A2-813C-F741-B481-C92B3A596030}" type="datetimeFigureOut">
               <a:rPr lang="en-US" smtClean="0"/>
-              <a:t>18-Feb-20</a:t>
+              <a:t>3/25/20</a:t>
             </a:fld>
             <a:endParaRPr lang="en-US"/>
           </a:p>
@@ -2285,10 +2269,9 @@
           <a:lstStyle/>
           <a:p>
             <a:r>
-              <a:rPr lang="en-US" smtClean="0"/>
+              <a:rPr lang="en-US"/>
               <a:t>Click to edit Master title style</a:t>
             </a:r>
-            <a:endParaRPr lang="en-US"/>
           </a:p>
         </p:txBody>
       </p:sp>
@@ -2309,7 +2292,7 @@
           <a:p>
             <a:fld id="{04F1D4A2-813C-F741-B481-C92B3A596030}" type="datetimeFigureOut">
               <a:rPr lang="en-US" smtClean="0"/>
-              <a:t>18-Feb-20</a:t>
+              <a:t>3/25/20</a:t>
             </a:fld>
             <a:endParaRPr lang="en-US"/>
           </a:p>
@@ -2404,7 +2387,7 @@
           <a:p>
             <a:fld id="{04F1D4A2-813C-F741-B481-C92B3A596030}" type="datetimeFigureOut">
               <a:rPr lang="en-US" smtClean="0"/>
-              <a:t>18-Feb-20</a:t>
+              <a:t>3/25/20</a:t>
             </a:fld>
             <a:endParaRPr lang="en-US"/>
           </a:p>
@@ -2507,10 +2490,9 @@
           </a:lstStyle>
           <a:p>
             <a:r>
-              <a:rPr lang="en-US" smtClean="0"/>
+              <a:rPr lang="en-US"/>
               <a:t>Click to edit Master title style</a:t>
             </a:r>
-            <a:endParaRPr lang="en-US"/>
           </a:p>
         </p:txBody>
       </p:sp>
@@ -2564,38 +2546,37 @@
           <a:p>
             <a:pPr lvl="0"/>
             <a:r>
-              <a:rPr lang="en-US" smtClean="0"/>
+              <a:rPr lang="en-US"/>
               <a:t>Click to edit Master text styles</a:t>
             </a:r>
           </a:p>
           <a:p>
             <a:pPr lvl="1"/>
             <a:r>
-              <a:rPr lang="en-US" smtClean="0"/>
+              <a:rPr lang="en-US"/>
               <a:t>Second level</a:t>
             </a:r>
           </a:p>
           <a:p>
             <a:pPr lvl="2"/>
             <a:r>
-              <a:rPr lang="en-US" smtClean="0"/>
+              <a:rPr lang="en-US"/>
               <a:t>Third level</a:t>
             </a:r>
           </a:p>
           <a:p>
             <a:pPr lvl="3"/>
             <a:r>
-              <a:rPr lang="en-US" smtClean="0"/>
+              <a:rPr lang="en-US"/>
               <a:t>Fourth level</a:t>
             </a:r>
           </a:p>
           <a:p>
             <a:pPr lvl="4"/>
             <a:r>
-              <a:rPr lang="en-US" smtClean="0"/>
+              <a:rPr lang="en-US"/>
               <a:t>Fifth level</a:t>
             </a:r>
-            <a:endParaRPr lang="en-US"/>
           </a:p>
         </p:txBody>
       </p:sp>
@@ -2658,7 +2639,7 @@
           <a:p>
             <a:pPr lvl="0"/>
             <a:r>
-              <a:rPr lang="en-US" smtClean="0"/>
+              <a:rPr lang="en-US"/>
               <a:t>Click to edit Master text styles</a:t>
             </a:r>
           </a:p>
@@ -2681,7 +2662,7 @@
           <a:p>
             <a:fld id="{04F1D4A2-813C-F741-B481-C92B3A596030}" type="datetimeFigureOut">
               <a:rPr lang="en-US" smtClean="0"/>
-              <a:t>18-Feb-20</a:t>
+              <a:t>3/25/20</a:t>
             </a:fld>
             <a:endParaRPr lang="en-US"/>
           </a:p>
@@ -2784,10 +2765,9 @@
           </a:lstStyle>
           <a:p>
             <a:r>
-              <a:rPr lang="en-US" smtClean="0"/>
+              <a:rPr lang="en-US"/>
               <a:t>Click to edit Master title style</a:t>
             </a:r>
-            <a:endParaRPr lang="en-US"/>
           </a:p>
         </p:txBody>
       </p:sp>
@@ -2911,7 +2891,7 @@
           <a:p>
             <a:pPr lvl="0"/>
             <a:r>
-              <a:rPr lang="en-US" smtClean="0"/>
+              <a:rPr lang="en-US"/>
               <a:t>Click to edit Master text styles</a:t>
             </a:r>
           </a:p>
@@ -2934,7 +2914,7 @@
           <a:p>
             <a:fld id="{04F1D4A2-813C-F741-B481-C92B3A596030}" type="datetimeFigureOut">
               <a:rPr lang="en-US" smtClean="0"/>
-              <a:t>18-Feb-20</a:t>
+              <a:t>3/25/20</a:t>
             </a:fld>
             <a:endParaRPr lang="en-US"/>
           </a:p>
@@ -3043,10 +3023,9 @@
           <a:lstStyle/>
           <a:p>
             <a:r>
-              <a:rPr lang="en-US" dirty="0" smtClean="0"/>
+              <a:rPr lang="en-US" dirty="0"/>
               <a:t>Click to edit Master title style</a:t>
             </a:r>
-            <a:endParaRPr lang="en-US" dirty="0"/>
           </a:p>
         </p:txBody>
       </p:sp>
@@ -3077,38 +3056,37 @@
           <a:p>
             <a:pPr lvl="0"/>
             <a:r>
-              <a:rPr lang="en-US" smtClean="0"/>
+              <a:rPr lang="en-US"/>
               <a:t>Click to edit Master text styles</a:t>
             </a:r>
           </a:p>
           <a:p>
             <a:pPr lvl="1"/>
             <a:r>
-              <a:rPr lang="en-US" smtClean="0"/>
+              <a:rPr lang="en-US"/>
               <a:t>Second level</a:t>
             </a:r>
           </a:p>
           <a:p>
             <a:pPr lvl="2"/>
             <a:r>
-              <a:rPr lang="en-US" smtClean="0"/>
+              <a:rPr lang="en-US"/>
               <a:t>Third level</a:t>
             </a:r>
           </a:p>
           <a:p>
             <a:pPr lvl="3"/>
             <a:r>
-              <a:rPr lang="en-US" smtClean="0"/>
+              <a:rPr lang="en-US"/>
               <a:t>Fourth level</a:t>
             </a:r>
           </a:p>
           <a:p>
             <a:pPr lvl="4"/>
             <a:r>
-              <a:rPr lang="en-US" smtClean="0"/>
+              <a:rPr lang="en-US"/>
               <a:t>Fifth level</a:t>
             </a:r>
-            <a:endParaRPr lang="en-US"/>
           </a:p>
         </p:txBody>
       </p:sp>
@@ -3147,7 +3125,7 @@
           <a:p>
             <a:fld id="{04F1D4A2-813C-F741-B481-C92B3A596030}" type="datetimeFigureOut">
               <a:rPr lang="en-US" smtClean="0"/>
-              <a:t>18-Feb-20</a:t>
+              <a:t>3/25/20</a:t>
             </a:fld>
             <a:endParaRPr lang="en-US"/>
           </a:p>
@@ -3576,35 +3554,30 @@
           <a:p>
             <a:pPr algn="l"/>
             <a:r>
-              <a:rPr lang="en-US" sz="6600" dirty="0" smtClean="0"/>
+              <a:rPr lang="en-US" sz="6600" dirty="0"/>
               <a:t>Web Development and API Design</a:t>
             </a:r>
             <a:br>
-              <a:rPr lang="en-US" sz="6600" dirty="0" smtClean="0"/>
+              <a:rPr lang="en-US" sz="6600" dirty="0"/>
             </a:br>
-            <a:r>
-              <a:rPr lang="en-US" sz="6600" dirty="0" smtClean="0"/>
-              <a:t/>
-            </a:r>
             <a:br>
-              <a:rPr lang="en-US" sz="6600" dirty="0" smtClean="0"/>
+              <a:rPr lang="en-US" sz="6600" dirty="0"/>
             </a:br>
             <a:r>
-              <a:rPr lang="en-US" sz="6600" dirty="0" smtClean="0"/>
+              <a:rPr lang="en-US" sz="6600" dirty="0"/>
               <a:t>Lesson 09: </a:t>
             </a:r>
             <a:br>
-              <a:rPr lang="en-US" sz="6600" dirty="0" smtClean="0"/>
+              <a:rPr lang="en-US" sz="6600" dirty="0"/>
             </a:br>
             <a:r>
-              <a:rPr lang="en-US" sz="6600" dirty="0" err="1" smtClean="0"/>
+              <a:rPr lang="en-US" sz="6600" dirty="0" err="1"/>
               <a:t>WebSockets</a:t>
             </a:r>
             <a:r>
-              <a:rPr lang="en-US" sz="6600" dirty="0" smtClean="0"/>
+              <a:rPr lang="en-US" sz="6600" dirty="0"/>
               <a:t> and XSS</a:t>
             </a:r>
-            <a:endParaRPr lang="en-US" sz="6600" dirty="0"/>
           </a:p>
         </p:txBody>
       </p:sp>
@@ -3633,17 +3606,13 @@
             <a:pPr algn="r"/>
             <a:r>
               <a:rPr lang="en-US" dirty="0"/>
-              <a:t>P</a:t>
-            </a:r>
-            <a:r>
-              <a:rPr lang="en-US" dirty="0" smtClean="0"/>
-              <a:t>rof. Andrea </a:t>
-            </a:r>
-            <a:r>
-              <a:rPr lang="en-US" dirty="0" err="1" smtClean="0"/>
+              <a:t>Prof. Andrea </a:t>
+            </a:r>
+            <a:r>
+              <a:rPr lang="en-US" dirty="0" err="1"/>
               <a:t>Arcuri</a:t>
             </a:r>
-            <a:endParaRPr lang="en-US" dirty="0" smtClean="0"/>
+            <a:endParaRPr lang="en-US" dirty="0"/>
           </a:p>
         </p:txBody>
       </p:sp>
@@ -3717,7 +3686,7 @@
               <a:buNone/>
               <a:tabLst/>
             </a:pPr>
-            <a:endParaRPr kumimoji="0" lang="en-US" altLang="en-US" sz="1800" b="0" i="0" u="none" strike="noStrike" cap="none" normalizeH="0" baseline="0" dirty="0" smtClean="0">
+            <a:endParaRPr kumimoji="0" lang="en-US" altLang="en-US" sz="1800" b="0" i="0" u="none" strike="noStrike" cap="none" normalizeH="0" baseline="0" dirty="0">
               <a:ln>
                 <a:noFill/>
               </a:ln>
@@ -3776,10 +3745,9 @@
           <a:lstStyle/>
           <a:p>
             <a:r>
-              <a:rPr lang="en-US" dirty="0" smtClean="0"/>
+              <a:rPr lang="en-US" dirty="0"/>
               <a:t>Server Response</a:t>
             </a:r>
-            <a:endParaRPr lang="en-US" dirty="0"/>
           </a:p>
         </p:txBody>
       </p:sp>
@@ -3806,24 +3774,20 @@
           <a:lstStyle/>
           <a:p>
             <a:r>
-              <a:rPr lang="en-US" dirty="0" smtClean="0"/>
+              <a:rPr lang="en-US" dirty="0"/>
               <a:t>If server supports and accepts the WS connection, it will answer with a HTTP message having the following</a:t>
             </a:r>
           </a:p>
           <a:p>
             <a:r>
               <a:rPr lang="en-US" b="1" dirty="0"/>
-              <a:t>Connection: </a:t>
-            </a:r>
-            <a:r>
-              <a:rPr lang="en-US" b="1" dirty="0" smtClean="0"/>
-              <a:t>Upgrade</a:t>
+              <a:t>Connection: Upgrade</a:t>
             </a:r>
           </a:p>
           <a:p>
             <a:pPr lvl="1"/>
             <a:r>
-              <a:rPr lang="en-US" dirty="0" smtClean="0"/>
+              <a:rPr lang="en-US" dirty="0"/>
               <a:t>tell browser to update the connection from current HTTP to something else</a:t>
             </a:r>
           </a:p>
@@ -3833,74 +3797,70 @@
               <a:t>Upgrade: </a:t>
             </a:r>
             <a:r>
-              <a:rPr lang="en-US" b="1" dirty="0" err="1" smtClean="0"/>
+              <a:rPr lang="en-US" b="1" dirty="0" err="1"/>
               <a:t>websocket</a:t>
             </a:r>
-            <a:endParaRPr lang="en-US" b="1" dirty="0" smtClean="0"/>
+            <a:endParaRPr lang="en-US" b="1" dirty="0"/>
           </a:p>
           <a:p>
             <a:pPr lvl="1"/>
             <a:r>
-              <a:rPr lang="en-US" dirty="0" smtClean="0"/>
+              <a:rPr lang="en-US" dirty="0"/>
               <a:t>the protocol to use for all following requests</a:t>
             </a:r>
-            <a:endParaRPr lang="en-US" dirty="0"/>
-          </a:p>
-          <a:p>
-            <a:r>
-              <a:rPr lang="en-US" b="1" dirty="0" smtClean="0"/>
+          </a:p>
+          <a:p>
+            <a:r>
+              <a:rPr lang="en-US" b="1" dirty="0"/>
               <a:t>Sec-</a:t>
             </a:r>
             <a:r>
-              <a:rPr lang="en-US" b="1" dirty="0" err="1" smtClean="0"/>
+              <a:rPr lang="en-US" b="1" dirty="0" err="1"/>
               <a:t>WebSocket</a:t>
             </a:r>
             <a:r>
-              <a:rPr lang="en-US" b="1" dirty="0" smtClean="0"/>
+              <a:rPr lang="en-US" b="1" dirty="0"/>
               <a:t>-Accept</a:t>
             </a:r>
-            <a:endParaRPr lang="en-US" b="1" dirty="0"/>
           </a:p>
           <a:p>
             <a:pPr lvl="1"/>
             <a:r>
-              <a:rPr lang="en-US" dirty="0" smtClean="0"/>
+              <a:rPr lang="en-US" dirty="0"/>
               <a:t>used to confirm that server is willing to use WS protocol for all following requests</a:t>
             </a:r>
           </a:p>
           <a:p>
             <a:pPr lvl="1"/>
             <a:r>
-              <a:rPr lang="en-US" dirty="0" smtClean="0"/>
+              <a:rPr lang="en-US" dirty="0"/>
               <a:t>it contains the hashed key sent by the browser. Useful to prevent caches to resend previous WS conversations</a:t>
             </a:r>
-            <a:endParaRPr lang="en-US" dirty="0"/>
-          </a:p>
-          <a:p>
-            <a:r>
-              <a:rPr lang="en-US" dirty="0" smtClean="0"/>
+          </a:p>
+          <a:p>
+            <a:r>
+              <a:rPr lang="en-US" dirty="0"/>
               <a:t>HTTP status code </a:t>
             </a:r>
             <a:r>
-              <a:rPr lang="en-US" b="1" dirty="0" smtClean="0"/>
+              <a:rPr lang="en-US" b="1" dirty="0"/>
               <a:t>101</a:t>
             </a:r>
           </a:p>
           <a:p>
             <a:pPr lvl="1"/>
             <a:r>
-              <a:rPr lang="en-US" dirty="0" smtClean="0"/>
+              <a:rPr lang="en-US" dirty="0"/>
               <a:t>it represents “</a:t>
             </a:r>
             <a:r>
-              <a:rPr lang="en-US" i="1" dirty="0" smtClean="0"/>
+              <a:rPr lang="en-US" i="1" dirty="0"/>
               <a:t>Switching Protocols</a:t>
             </a:r>
             <a:r>
-              <a:rPr lang="en-US" dirty="0" smtClean="0"/>
+              <a:rPr lang="en-US" dirty="0"/>
               <a:t>”</a:t>
             </a:r>
-            <a:endParaRPr lang="en-US" dirty="0"/>
           </a:p>
         </p:txBody>
       </p:sp>
@@ -3950,10 +3910,9 @@
           <a:lstStyle/>
           <a:p>
             <a:r>
-              <a:rPr lang="en-US" dirty="0" smtClean="0"/>
+              <a:rPr lang="en-US" dirty="0"/>
               <a:t>Established WS Connection</a:t>
             </a:r>
-            <a:endParaRPr lang="en-US" dirty="0"/>
           </a:p>
         </p:txBody>
       </p:sp>
@@ -3978,65 +3937,64 @@
           <a:lstStyle/>
           <a:p>
             <a:r>
-              <a:rPr lang="en-US" dirty="0" smtClean="0"/>
+              <a:rPr lang="en-US" dirty="0"/>
               <a:t>Once WS is established, can send blocks of byte data or strings over TCP</a:t>
             </a:r>
           </a:p>
           <a:p>
             <a:r>
-              <a:rPr lang="en-US" dirty="0" smtClean="0"/>
+              <a:rPr lang="en-US" dirty="0"/>
               <a:t>Can wait for receiving messages</a:t>
             </a:r>
           </a:p>
           <a:p>
             <a:pPr lvl="1"/>
             <a:r>
-              <a:rPr lang="en-US" dirty="0" smtClean="0"/>
+              <a:rPr lang="en-US" dirty="0"/>
               <a:t>duplex communications between browser and server</a:t>
             </a:r>
           </a:p>
           <a:p>
             <a:pPr lvl="1"/>
             <a:r>
-              <a:rPr lang="en-US" dirty="0" smtClean="0"/>
+              <a:rPr lang="en-US" dirty="0"/>
               <a:t>data split and sent as “</a:t>
             </a:r>
             <a:r>
-              <a:rPr lang="en-US" i="1" dirty="0" smtClean="0"/>
+              <a:rPr lang="en-US" i="1" dirty="0"/>
               <a:t>frames</a:t>
             </a:r>
             <a:r>
-              <a:rPr lang="en-US" dirty="0" smtClean="0"/>
+              <a:rPr lang="en-US" dirty="0"/>
               <a:t>” of bytes, with special codes to specify sequences of frames belonging to the same message</a:t>
             </a:r>
           </a:p>
           <a:p>
             <a:r>
-              <a:rPr lang="en-US" dirty="0" smtClean="0"/>
+              <a:rPr lang="en-US" dirty="0"/>
               <a:t>How to structure messages is up to you</a:t>
             </a:r>
           </a:p>
           <a:p>
             <a:pPr lvl="1"/>
             <a:r>
-              <a:rPr lang="en-US" dirty="0" err="1" smtClean="0"/>
+              <a:rPr lang="en-US" dirty="0" err="1"/>
               <a:t>eg</a:t>
             </a:r>
             <a:r>
-              <a:rPr lang="en-US" dirty="0" smtClean="0"/>
+              <a:rPr lang="en-US" dirty="0"/>
               <a:t>, could use protocols like STOMP</a:t>
             </a:r>
           </a:p>
           <a:p>
             <a:r>
-              <a:rPr lang="en-US" dirty="0" smtClean="0"/>
+              <a:rPr lang="en-US" dirty="0"/>
               <a:t>Typically, </a:t>
             </a:r>
             <a:r>
-              <a:rPr lang="en-US" i="1" dirty="0" smtClean="0"/>
+              <a:rPr lang="en-US" i="1" dirty="0"/>
               <a:t>we will just send JSON objects, serialized as strings</a:t>
             </a:r>
-            <a:endParaRPr lang="en-US" i="1" dirty="0"/>
           </a:p>
         </p:txBody>
       </p:sp>
@@ -4086,10 +4044,9 @@
           <a:lstStyle/>
           <a:p>
             <a:r>
-              <a:rPr lang="en-US" dirty="0" smtClean="0"/>
+              <a:rPr lang="en-US" dirty="0"/>
               <a:t>Why First Message in HTTP?</a:t>
             </a:r>
-            <a:endParaRPr lang="en-US" dirty="0"/>
           </a:p>
         </p:txBody>
       </p:sp>
@@ -4116,57 +4073,56 @@
           <a:lstStyle/>
           <a:p>
             <a:r>
-              <a:rPr lang="en-US" dirty="0" smtClean="0"/>
+              <a:rPr lang="en-US" dirty="0"/>
               <a:t>It allows server to have a single listening TCP socket </a:t>
             </a:r>
           </a:p>
           <a:p>
             <a:pPr lvl="1"/>
             <a:r>
-              <a:rPr lang="en-US" dirty="0" err="1" smtClean="0"/>
+              <a:rPr lang="en-US" dirty="0" err="1"/>
               <a:t>eg</a:t>
             </a:r>
             <a:r>
-              <a:rPr lang="en-US" dirty="0" smtClean="0"/>
+              <a:rPr lang="en-US" dirty="0"/>
               <a:t>, either 80 or 443, serving both HTTP(S) and WS(S)</a:t>
             </a:r>
           </a:p>
           <a:p>
             <a:r>
-              <a:rPr lang="en-US" dirty="0" smtClean="0"/>
+              <a:rPr lang="en-US" dirty="0"/>
               <a:t>Easy to integrate in current web infrastructures, including </a:t>
             </a:r>
             <a:r>
-              <a:rPr lang="en-US" b="1" dirty="0" smtClean="0"/>
+              <a:rPr lang="en-US" b="1" dirty="0"/>
               <a:t>reverse-proxies</a:t>
             </a:r>
           </a:p>
           <a:p>
             <a:pPr lvl="1"/>
             <a:r>
-              <a:rPr lang="en-US" dirty="0" smtClean="0"/>
+              <a:rPr lang="en-US" dirty="0"/>
               <a:t>often you do not speak directly with a server, but rather with proxies and gateways in front of them… but this is not something we will see in this course</a:t>
             </a:r>
           </a:p>
           <a:p>
             <a:r>
-              <a:rPr lang="en-US" dirty="0" smtClean="0"/>
+              <a:rPr lang="en-US" dirty="0"/>
               <a:t>WS is younger than HTTP</a:t>
             </a:r>
           </a:p>
           <a:p>
             <a:pPr lvl="1"/>
             <a:r>
-              <a:rPr lang="en-US" dirty="0" smtClean="0"/>
+              <a:rPr lang="en-US" dirty="0"/>
               <a:t>first version in Chrome in 2009</a:t>
             </a:r>
           </a:p>
           <a:p>
             <a:r>
-              <a:rPr lang="en-US" dirty="0" smtClean="0"/>
+              <a:rPr lang="en-US" dirty="0"/>
               <a:t>Needed an easy way to integrate the new WS protocol in the existing web infrastructures tailored for HTTP </a:t>
             </a:r>
-            <a:endParaRPr lang="en-US" dirty="0"/>
           </a:p>
         </p:txBody>
       </p:sp>
@@ -4216,14 +4172,13 @@
           <a:lstStyle/>
           <a:p>
             <a:r>
-              <a:rPr lang="en-US" dirty="0" err="1" smtClean="0"/>
+              <a:rPr lang="en-US" dirty="0" err="1"/>
               <a:t>WebSocket</a:t>
             </a:r>
             <a:r>
-              <a:rPr lang="en-US" dirty="0" smtClean="0"/>
+              <a:rPr lang="en-US" dirty="0"/>
               <a:t> in the Browser</a:t>
             </a:r>
-            <a:endParaRPr lang="en-US" dirty="0"/>
           </a:p>
         </p:txBody>
       </p:sp>
@@ -4250,15 +4205,15 @@
           <a:lstStyle/>
           <a:p>
             <a:r>
-              <a:rPr lang="en-US" dirty="0" smtClean="0"/>
+              <a:rPr lang="en-US" dirty="0"/>
               <a:t>In JavaScript, can use the </a:t>
             </a:r>
             <a:r>
-              <a:rPr lang="en-US" i="1" dirty="0" err="1" smtClean="0"/>
+              <a:rPr lang="en-US" i="1" dirty="0" err="1"/>
               <a:t>WebSocket</a:t>
             </a:r>
             <a:r>
-              <a:rPr lang="en-US" dirty="0" smtClean="0"/>
+              <a:rPr lang="en-US" dirty="0"/>
               <a:t> class from global scope </a:t>
             </a:r>
           </a:p>
@@ -4266,66 +4221,62 @@
             <a:pPr lvl="1"/>
             <a:r>
               <a:rPr lang="en-US" dirty="0"/>
-              <a:t>Most browsers nowadays support </a:t>
-            </a:r>
-            <a:r>
-              <a:rPr lang="en-US" dirty="0" smtClean="0"/>
-              <a:t>WS</a:t>
-            </a:r>
-          </a:p>
-          <a:p>
-            <a:r>
-              <a:rPr lang="en-US" b="1" dirty="0" err="1" smtClean="0"/>
+              <a:t>Most browsers nowadays support WS</a:t>
+            </a:r>
+          </a:p>
+          <a:p>
+            <a:r>
+              <a:rPr lang="en-US" b="1" dirty="0" err="1"/>
               <a:t>WebSocket</a:t>
             </a:r>
             <a:r>
-              <a:rPr lang="en-US" b="1" dirty="0" smtClean="0"/>
+              <a:rPr lang="en-US" b="1" dirty="0"/>
               <a:t>(</a:t>
             </a:r>
             <a:r>
-              <a:rPr lang="en-US" b="1" dirty="0" err="1" smtClean="0"/>
+              <a:rPr lang="en-US" b="1" dirty="0" err="1"/>
               <a:t>url</a:t>
             </a:r>
             <a:r>
-              <a:rPr lang="en-US" b="1" dirty="0" smtClean="0"/>
+              <a:rPr lang="en-US" b="1" dirty="0"/>
               <a:t>)</a:t>
             </a:r>
           </a:p>
           <a:p>
             <a:pPr lvl="1"/>
             <a:r>
-              <a:rPr lang="en-US" dirty="0" smtClean="0"/>
+              <a:rPr lang="en-US" dirty="0"/>
               <a:t>create a WS object, trying to connect to the given URL of the server</a:t>
             </a:r>
           </a:p>
           <a:p>
             <a:pPr lvl="1"/>
             <a:r>
-              <a:rPr lang="en-US" dirty="0" smtClean="0"/>
+              <a:rPr lang="en-US" dirty="0"/>
               <a:t>recall to use either “</a:t>
             </a:r>
             <a:r>
-              <a:rPr lang="en-US" i="1" dirty="0" err="1" smtClean="0"/>
+              <a:rPr lang="en-US" i="1" dirty="0" err="1"/>
               <a:t>ws</a:t>
             </a:r>
             <a:r>
-              <a:rPr lang="en-US" dirty="0" smtClean="0"/>
+              <a:rPr lang="en-US" dirty="0"/>
               <a:t>” or “</a:t>
             </a:r>
             <a:r>
-              <a:rPr lang="en-US" i="1" dirty="0" err="1" smtClean="0"/>
+              <a:rPr lang="en-US" i="1" dirty="0" err="1"/>
               <a:t>wss</a:t>
             </a:r>
             <a:r>
-              <a:rPr lang="en-US" dirty="0" smtClean="0"/>
+              <a:rPr lang="en-US" dirty="0"/>
               <a:t>” as protocol, and not “</a:t>
             </a:r>
             <a:r>
-              <a:rPr lang="en-US" i="1" dirty="0" smtClean="0"/>
+              <a:rPr lang="en-US" i="1" dirty="0"/>
               <a:t>http</a:t>
             </a:r>
             <a:r>
-              <a:rPr lang="en-US" dirty="0" smtClean="0"/>
+              <a:rPr lang="en-US" dirty="0"/>
               <a:t>”</a:t>
             </a:r>
           </a:p>
@@ -4336,52 +4287,44 @@
             </a:r>
             <a:r>
               <a:rPr lang="en-US" b="1" dirty="0"/>
-              <a:t>(payload</a:t>
-            </a:r>
-            <a:r>
-              <a:rPr lang="en-US" b="1" dirty="0" smtClean="0"/>
-              <a:t>)</a:t>
+              <a:t>(payload)</a:t>
             </a:r>
           </a:p>
           <a:p>
             <a:pPr lvl="1"/>
             <a:r>
-              <a:rPr lang="en-US" dirty="0" smtClean="0"/>
+              <a:rPr lang="en-US" dirty="0"/>
               <a:t>send the given payload (e.g., a string) to the server</a:t>
             </a:r>
           </a:p>
           <a:p>
             <a:r>
-              <a:rPr lang="en-US" b="1" dirty="0" err="1" smtClean="0"/>
+              <a:rPr lang="en-US" b="1" dirty="0" err="1"/>
               <a:t>WebSocket.onmessage</a:t>
             </a:r>
-            <a:endParaRPr lang="en-US" b="1" dirty="0" smtClean="0"/>
+            <a:endParaRPr lang="en-US" b="1" dirty="0"/>
           </a:p>
           <a:p>
             <a:pPr lvl="1"/>
             <a:r>
-              <a:rPr lang="en-US" dirty="0" smtClean="0"/>
+              <a:rPr lang="en-US" dirty="0"/>
               <a:t>callback used to handle messages from server</a:t>
             </a:r>
           </a:p>
           <a:p>
             <a:r>
               <a:rPr lang="en-US" b="1" dirty="0" err="1"/>
-              <a:t>WebSocket</a:t>
-            </a:r>
-            <a:r>
-              <a:rPr lang="en-US" b="1" dirty="0" err="1" smtClean="0"/>
-              <a:t>.close</a:t>
-            </a:r>
-            <a:r>
-              <a:rPr lang="en-US" b="1" dirty="0" smtClean="0"/>
+              <a:t>WebSocket.close</a:t>
+            </a:r>
+            <a:r>
+              <a:rPr lang="en-US" b="1" dirty="0"/>
               <a:t>()</a:t>
             </a:r>
           </a:p>
           <a:p>
             <a:pPr lvl="1"/>
             <a:r>
-              <a:rPr lang="en-US" dirty="0" smtClean="0"/>
+              <a:rPr lang="en-US" dirty="0"/>
               <a:t>to close the connection</a:t>
             </a:r>
           </a:p>
@@ -4433,14 +4376,13 @@
           <a:lstStyle/>
           <a:p>
             <a:r>
-              <a:rPr lang="en-US" dirty="0" err="1" smtClean="0"/>
+              <a:rPr lang="en-US" dirty="0" err="1"/>
               <a:t>WebSocket</a:t>
             </a:r>
             <a:r>
-              <a:rPr lang="en-US" dirty="0" smtClean="0"/>
+              <a:rPr lang="en-US" dirty="0"/>
               <a:t> in the Server</a:t>
             </a:r>
-            <a:endParaRPr lang="en-US" dirty="0"/>
           </a:p>
         </p:txBody>
       </p:sp>
@@ -4467,60 +4409,59 @@
           <a:lstStyle/>
           <a:p>
             <a:r>
-              <a:rPr lang="en-US" dirty="0" smtClean="0"/>
+              <a:rPr lang="en-US" dirty="0"/>
               <a:t>Backend support for WS depends on the programming language and libraries we use</a:t>
             </a:r>
           </a:p>
           <a:p>
             <a:r>
-              <a:rPr lang="en-US" dirty="0" smtClean="0"/>
+              <a:rPr lang="en-US" dirty="0"/>
               <a:t>In this course, we will use the library “</a:t>
             </a:r>
             <a:r>
-              <a:rPr lang="en-US" i="1" dirty="0" err="1" smtClean="0"/>
+              <a:rPr lang="en-US" i="1" dirty="0" err="1"/>
               <a:t>ws</a:t>
             </a:r>
             <a:r>
-              <a:rPr lang="en-US" dirty="0" smtClean="0"/>
+              <a:rPr lang="en-US" dirty="0"/>
               <a:t>”, and “</a:t>
             </a:r>
             <a:r>
-              <a:rPr lang="en-US" i="1" dirty="0" smtClean="0"/>
+              <a:rPr lang="en-US" i="1" dirty="0"/>
               <a:t>express-</a:t>
             </a:r>
             <a:r>
-              <a:rPr lang="en-US" i="1" dirty="0" err="1" smtClean="0"/>
+              <a:rPr lang="en-US" i="1" dirty="0" err="1"/>
               <a:t>ws</a:t>
             </a:r>
             <a:r>
-              <a:rPr lang="en-US" dirty="0" smtClean="0"/>
+              <a:rPr lang="en-US" dirty="0"/>
               <a:t>” to integrate it with Express</a:t>
             </a:r>
           </a:p>
           <a:p>
             <a:r>
-              <a:rPr lang="en-US" dirty="0" smtClean="0"/>
+              <a:rPr lang="en-US" dirty="0"/>
               <a:t>In Express, we will have an endpoint dealing with the “</a:t>
             </a:r>
             <a:r>
-              <a:rPr lang="en-US" i="1" dirty="0" err="1" smtClean="0"/>
+              <a:rPr lang="en-US" i="1" dirty="0" err="1"/>
               <a:t>ws</a:t>
             </a:r>
             <a:r>
-              <a:rPr lang="en-US" i="1" dirty="0" smtClean="0"/>
+              <a:rPr lang="en-US" i="1" dirty="0"/>
               <a:t>://” </a:t>
             </a:r>
             <a:r>
-              <a:rPr lang="en-US" dirty="0" smtClean="0"/>
+              <a:rPr lang="en-US" dirty="0"/>
               <a:t>protocol</a:t>
             </a:r>
           </a:p>
           <a:p>
             <a:r>
-              <a:rPr lang="en-US" dirty="0" smtClean="0"/>
+              <a:rPr lang="en-US" dirty="0"/>
               <a:t>When called, a WS object will be created, on which we can register callbacks for incoming messages, open/close events, send messages to browser, broadcast to all users, etc. </a:t>
             </a:r>
-            <a:endParaRPr lang="en-US" dirty="0"/>
           </a:p>
         </p:txBody>
       </p:sp>
@@ -4570,10 +4511,9 @@
           <a:lstStyle/>
           <a:p>
             <a:r>
-              <a:rPr lang="en-US" dirty="0" smtClean="0"/>
+              <a:rPr lang="en-US" dirty="0"/>
               <a:t>Data Escaping/Sanitization</a:t>
             </a:r>
-            <a:endParaRPr lang="en-US" dirty="0"/>
           </a:p>
         </p:txBody>
       </p:sp>
@@ -4587,13 +4527,6 @@
   <p:clrMapOvr>
     <a:masterClrMapping/>
   </p:clrMapOvr>
-  <p:timing>
-    <p:tnLst>
-      <p:par>
-        <p:cTn id="1" dur="indefinite" restart="never" nodeType="tmRoot"/>
-      </p:par>
-    </p:tnLst>
-  </p:timing>
 </p:sld>
 </file>
 
@@ -4630,10 +4563,9 @@
           <a:lstStyle/>
           <a:p>
             <a:r>
-              <a:rPr lang="en-US" dirty="0" smtClean="0"/>
+              <a:rPr lang="en-US" dirty="0"/>
               <a:t>HTML Form Data</a:t>
             </a:r>
-            <a:endParaRPr lang="en-US" dirty="0"/>
           </a:p>
         </p:txBody>
       </p:sp>
@@ -4660,65 +4592,57 @@
           <a:lstStyle/>
           <a:p>
             <a:r>
-              <a:rPr lang="en-US" dirty="0" smtClean="0"/>
+              <a:rPr lang="en-US" dirty="0"/>
               <a:t>How is data sent in a HTML Form?</a:t>
             </a:r>
           </a:p>
           <a:p>
             <a:r>
-              <a:rPr lang="en-US" dirty="0" smtClean="0"/>
+              <a:rPr lang="en-US" dirty="0"/>
               <a:t>What is the structure of payload of the HTTP POST request?</a:t>
             </a:r>
           </a:p>
           <a:p>
             <a:r>
-              <a:rPr lang="en-US" dirty="0" smtClean="0"/>
+              <a:rPr lang="en-US" dirty="0"/>
               <a:t>JSON? </a:t>
             </a:r>
             <a:r>
-              <a:rPr lang="en-US" dirty="0" err="1" smtClean="0"/>
+              <a:rPr lang="en-US" dirty="0" err="1"/>
               <a:t>eg</a:t>
             </a:r>
             <a:r>
-              <a:rPr lang="en-US" dirty="0" smtClean="0"/>
+              <a:rPr lang="en-US" dirty="0"/>
               <a:t> </a:t>
             </a:r>
             <a:r>
-              <a:rPr lang="en-US" i="1" dirty="0" smtClean="0"/>
+              <a:rPr lang="en-US" i="1" dirty="0"/>
               <a:t>{“</a:t>
             </a:r>
             <a:r>
-              <a:rPr lang="en-US" i="1" dirty="0" err="1" smtClean="0"/>
-              <a:t>username</a:t>
-            </a:r>
-            <a:r>
               <a:rPr lang="en-US" i="1" dirty="0" err="1"/>
-              <a:t>”:“foo</a:t>
+              <a:t>username”:“foo</a:t>
             </a:r>
             <a:r>
               <a:rPr lang="en-US" i="1" dirty="0"/>
-              <a:t>”, “password</a:t>
-            </a:r>
-            <a:r>
-              <a:rPr lang="en-US" i="1" dirty="0" smtClean="0"/>
-              <a:t>”:123}</a:t>
-            </a:r>
-          </a:p>
-          <a:p>
-            <a:r>
-              <a:rPr lang="en-US" dirty="0" smtClean="0"/>
+              <a:t>”, “password”:123}</a:t>
+            </a:r>
+          </a:p>
+          <a:p>
+            <a:r>
+              <a:rPr lang="en-US" dirty="0"/>
               <a:t>XML? </a:t>
             </a:r>
             <a:r>
-              <a:rPr lang="en-US" dirty="0" err="1" smtClean="0"/>
+              <a:rPr lang="en-US" dirty="0" err="1"/>
               <a:t>eg</a:t>
             </a:r>
             <a:r>
-              <a:rPr lang="en-US" dirty="0" smtClean="0"/>
+              <a:rPr lang="en-US" dirty="0"/>
               <a:t> </a:t>
             </a:r>
             <a:r>
-              <a:rPr lang="en-US" i="1" dirty="0" smtClean="0"/>
+              <a:rPr lang="en-US" i="1" dirty="0"/>
               <a:t>&lt;data&gt;&lt;username&gt;foo&lt;/username&gt;&lt;password&gt;123&lt;/password&gt;&lt;/data&gt;</a:t>
             </a:r>
           </a:p>
@@ -4758,13 +4682,6 @@
   <p:clrMapOvr>
     <a:masterClrMapping/>
   </p:clrMapOvr>
-  <p:timing>
-    <p:tnLst>
-      <p:par>
-        <p:cTn id="1" dur="indefinite" restart="never" nodeType="tmRoot"/>
-      </p:par>
-    </p:tnLst>
-  </p:timing>
 </p:sld>
 </file>
 
@@ -4833,7 +4750,7 @@
           <a:lstStyle/>
           <a:p>
             <a:r>
-              <a:rPr lang="en-US" dirty="0" smtClean="0"/>
+              <a:rPr lang="en-US" dirty="0"/>
               <a:t>For textual data, like inputs in a HTML form</a:t>
             </a:r>
           </a:p>
@@ -4841,24 +4758,16 @@
             <a:pPr lvl="1"/>
             <a:r>
               <a:rPr lang="en-US" dirty="0"/>
-              <a:t>For binary data like </a:t>
-            </a:r>
-            <a:r>
-              <a:rPr lang="en-US" dirty="0" smtClean="0"/>
-              <a:t>file uploads, </a:t>
-            </a:r>
-            <a:r>
-              <a:rPr lang="en-US" dirty="0"/>
-              <a:t>can use </a:t>
-            </a:r>
-            <a:r>
-              <a:rPr lang="en-US" i="1" dirty="0" smtClean="0"/>
+              <a:t>For binary data like file uploads, can use </a:t>
+            </a:r>
+            <a:r>
+              <a:rPr lang="en-US" i="1" dirty="0"/>
               <a:t>multipart/form-data</a:t>
             </a:r>
           </a:p>
           <a:p>
             <a:r>
-              <a:rPr lang="en-US" dirty="0" smtClean="0"/>
+              <a:rPr lang="en-US" dirty="0"/>
               <a:t>Old format which is part of the HTML specs</a:t>
             </a:r>
           </a:p>
@@ -4866,89 +4775,81 @@
             <a:pPr lvl="1"/>
             <a:r>
               <a:rPr lang="en-US" i="1" dirty="0"/>
-              <a:t>https://</a:t>
-            </a:r>
-            <a:r>
-              <a:rPr lang="en-US" i="1" dirty="0" smtClean="0"/>
-              <a:t>www.w3.org/TR/html/</a:t>
-            </a:r>
-            <a:r>
-              <a:rPr lang="en-US" i="1" dirty="0" err="1" smtClean="0"/>
+              <a:t>https://www.w3.org/TR/html/</a:t>
+            </a:r>
+            <a:r>
+              <a:rPr lang="en-US" i="1" dirty="0" err="1"/>
               <a:t>sec-forms.html#urlencoded-form-data</a:t>
             </a:r>
-            <a:endParaRPr lang="en-US" i="1" dirty="0" smtClean="0"/>
-          </a:p>
-          <a:p>
-            <a:r>
-              <a:rPr lang="en-US" dirty="0" smtClean="0"/>
+            <a:endParaRPr lang="en-US" i="1" dirty="0"/>
+          </a:p>
+          <a:p>
+            <a:r>
+              <a:rPr lang="en-US" dirty="0"/>
               <a:t>Each form element is represented with a pair </a:t>
             </a:r>
             <a:r>
-              <a:rPr lang="en-US" i="1" dirty="0" smtClean="0"/>
+              <a:rPr lang="en-US" i="1" dirty="0"/>
               <a:t>&lt;name&gt;</a:t>
             </a:r>
             <a:r>
-              <a:rPr lang="en-US" b="1" i="1" dirty="0" smtClean="0"/>
+              <a:rPr lang="en-US" b="1" i="1" dirty="0"/>
               <a:t>=</a:t>
             </a:r>
             <a:r>
-              <a:rPr lang="en-US" i="1" dirty="0" smtClean="0"/>
+              <a:rPr lang="en-US" i="1" dirty="0"/>
               <a:t>&lt;value&gt;</a:t>
             </a:r>
             <a:r>
-              <a:rPr lang="en-US" dirty="0" smtClean="0"/>
+              <a:rPr lang="en-US" dirty="0"/>
               <a:t>, where each pair is separated by a </a:t>
             </a:r>
             <a:r>
-              <a:rPr lang="en-US" b="1" dirty="0" smtClean="0"/>
+              <a:rPr lang="en-US" b="1" dirty="0"/>
               <a:t>&amp;</a:t>
             </a:r>
           </a:p>
           <a:p>
             <a:r>
-              <a:rPr lang="en-US" dirty="0" err="1" smtClean="0"/>
+              <a:rPr lang="en-US" dirty="0" err="1"/>
               <a:t>Eg</a:t>
             </a:r>
             <a:r>
-              <a:rPr lang="en-US" dirty="0" smtClean="0"/>
+              <a:rPr lang="en-US" dirty="0"/>
               <a:t>.: </a:t>
             </a:r>
             <a:r>
-              <a:rPr lang="en-US" i="1" dirty="0" smtClean="0"/>
+              <a:rPr lang="en-US" i="1" dirty="0"/>
               <a:t>username</a:t>
             </a:r>
             <a:r>
-              <a:rPr lang="en-US" b="1" i="1" dirty="0" smtClean="0"/>
+              <a:rPr lang="en-US" b="1" i="1" dirty="0"/>
               <a:t>=</a:t>
             </a:r>
             <a:r>
-              <a:rPr lang="en-US" i="1" dirty="0" err="1" smtClean="0"/>
+              <a:rPr lang="en-US" i="1" dirty="0" err="1"/>
               <a:t>foo</a:t>
             </a:r>
             <a:r>
-              <a:rPr lang="en-US" b="1" i="1" dirty="0" err="1" smtClean="0"/>
+              <a:rPr lang="en-US" b="1" i="1" dirty="0" err="1"/>
               <a:t>&amp;</a:t>
             </a:r>
             <a:r>
-              <a:rPr lang="en-US" i="1" dirty="0" err="1" smtClean="0"/>
+              <a:rPr lang="en-US" i="1" dirty="0" err="1"/>
               <a:t>password</a:t>
             </a:r>
             <a:r>
-              <a:rPr lang="en-US" b="1" i="1" dirty="0" smtClean="0"/>
+              <a:rPr lang="en-US" b="1" i="1" dirty="0"/>
               <a:t>=</a:t>
             </a:r>
             <a:r>
-              <a:rPr lang="en-US" i="1" dirty="0" smtClean="0"/>
+              <a:rPr lang="en-US" i="1" dirty="0"/>
               <a:t>123 </a:t>
-            </a:r>
-            <a:r>
-              <a:rPr lang="en-US" i="1" dirty="0"/>
-              <a:t/>
             </a:r>
             <a:br>
               <a:rPr lang="en-US" i="1" dirty="0"/>
             </a:br>
-            <a:endParaRPr lang="en-US" i="1" dirty="0" smtClean="0"/>
+            <a:endParaRPr lang="en-US" i="1" dirty="0"/>
           </a:p>
           <a:p>
             <a:endParaRPr lang="en-US" i="1" dirty="0"/>
@@ -4969,13 +4870,6 @@
   <p:clrMapOvr>
     <a:masterClrMapping/>
   </p:clrMapOvr>
-  <p:timing>
-    <p:tnLst>
-      <p:par>
-        <p:cTn id="1" dur="indefinite" restart="never" nodeType="tmRoot"/>
-      </p:par>
-    </p:tnLst>
-  </p:timing>
 </p:sld>
 </file>
 
@@ -5017,30 +4911,25 @@
           <a:lstStyle/>
           <a:p>
             <a:r>
-              <a:rPr lang="en-US" dirty="0" smtClean="0"/>
+              <a:rPr lang="en-US" dirty="0"/>
               <a:t>What if values contain “</a:t>
             </a:r>
             <a:r>
-              <a:rPr lang="en-US" b="1" dirty="0" smtClean="0"/>
+              <a:rPr lang="en-US" b="1" dirty="0"/>
               <a:t>=</a:t>
             </a:r>
             <a:r>
               <a:rPr lang="en-US" dirty="0"/>
-              <a:t>”</a:t>
-            </a:r>
-            <a:r>
-              <a:rPr lang="en-US" dirty="0" smtClean="0"/>
-              <a:t> or “</a:t>
-            </a:r>
-            <a:r>
-              <a:rPr lang="en-US" b="1" dirty="0" smtClean="0"/>
+              <a:t>” or “</a:t>
+            </a:r>
+            <a:r>
+              <a:rPr lang="en-US" b="1" dirty="0"/>
               <a:t>&amp;</a:t>
             </a:r>
             <a:r>
-              <a:rPr lang="en-US" dirty="0" smtClean="0"/>
+              <a:rPr lang="en-US" dirty="0"/>
               <a:t>”?</a:t>
             </a:r>
-            <a:endParaRPr lang="en-US" dirty="0"/>
           </a:p>
         </p:txBody>
       </p:sp>
@@ -5065,79 +4954,71 @@
           <a:lstStyle/>
           <a:p>
             <a:r>
-              <a:rPr lang="en-US" dirty="0" err="1" smtClean="0"/>
+              <a:rPr lang="en-US" dirty="0" err="1"/>
               <a:t>Eg</a:t>
             </a:r>
             <a:r>
-              <a:rPr lang="en-US" dirty="0" smtClean="0"/>
+              <a:rPr lang="en-US" dirty="0"/>
               <a:t>, password: “123&amp;bar=7”</a:t>
             </a:r>
           </a:p>
           <a:p>
             <a:r>
-              <a:rPr lang="en-US" dirty="0" smtClean="0"/>
+              <a:rPr lang="en-US" dirty="0"/>
               <a:t>(Wrong) result: username=</a:t>
             </a:r>
             <a:r>
-              <a:rPr lang="en-US" dirty="0" err="1" smtClean="0"/>
+              <a:rPr lang="en-US" dirty="0" err="1"/>
               <a:t>foo&amp;</a:t>
             </a:r>
             <a:r>
-              <a:rPr lang="en-US" b="1" dirty="0" err="1" smtClean="0"/>
+              <a:rPr lang="en-US" b="1" dirty="0" err="1"/>
               <a:t>password</a:t>
             </a:r>
             <a:r>
-              <a:rPr lang="en-US" b="1" dirty="0" smtClean="0"/>
+              <a:rPr lang="en-US" b="1" dirty="0"/>
               <a:t>=123</a:t>
             </a:r>
             <a:r>
-              <a:rPr lang="en-US" dirty="0" smtClean="0"/>
+              <a:rPr lang="en-US" dirty="0"/>
               <a:t>&amp;</a:t>
             </a:r>
             <a:r>
-              <a:rPr lang="en-US" i="1" dirty="0" smtClean="0"/>
+              <a:rPr lang="en-US" i="1" dirty="0"/>
               <a:t>bar=7</a:t>
             </a:r>
             <a:r>
-              <a:rPr lang="en-US" dirty="0" smtClean="0"/>
+              <a:rPr lang="en-US" dirty="0"/>
               <a:t> </a:t>
             </a:r>
           </a:p>
           <a:p>
             <a:r>
-              <a:rPr lang="en-US" dirty="0" smtClean="0"/>
+              <a:rPr lang="en-US" dirty="0"/>
               <a:t>The “</a:t>
             </a:r>
             <a:r>
-              <a:rPr lang="en-US" i="1" dirty="0" smtClean="0"/>
+              <a:rPr lang="en-US" i="1" dirty="0"/>
               <a:t>bar=7</a:t>
             </a:r>
             <a:r>
-              <a:rPr lang="en-US" dirty="0" smtClean="0"/>
-              <a:t>” would be wrongly treated as a third input variable </a:t>
-            </a:r>
-            <a:r>
-              <a:rPr lang="en-US" dirty="0"/>
-              <a:t>c</a:t>
-            </a:r>
-            <a:r>
-              <a:rPr lang="en-US" dirty="0" smtClean="0"/>
-              <a:t>alled “</a:t>
-            </a:r>
-            <a:r>
-              <a:rPr lang="en-US" i="1" dirty="0" smtClean="0"/>
+              <a:rPr lang="en-US" dirty="0"/>
+              <a:t>” would be wrongly treated as a third input variable called “</a:t>
+            </a:r>
+            <a:r>
+              <a:rPr lang="en-US" i="1" dirty="0"/>
               <a:t>bar</a:t>
             </a:r>
             <a:r>
-              <a:rPr lang="en-US" dirty="0" smtClean="0"/>
+              <a:rPr lang="en-US" dirty="0"/>
               <a:t>” with value “</a:t>
             </a:r>
             <a:r>
-              <a:rPr lang="en-US" i="1" dirty="0" smtClean="0"/>
+              <a:rPr lang="en-US" i="1" dirty="0"/>
               <a:t>7</a:t>
             </a:r>
             <a:r>
-              <a:rPr lang="en-US" dirty="0" smtClean="0"/>
+              <a:rPr lang="en-US" dirty="0"/>
               <a:t>”, and not be part of the “password” value</a:t>
             </a:r>
           </a:p>
@@ -5153,13 +5034,6 @@
   <p:clrMapOvr>
     <a:masterClrMapping/>
   </p:clrMapOvr>
-  <p:timing>
-    <p:tnLst>
-      <p:par>
-        <p:cTn id="1" dur="indefinite" restart="never" nodeType="tmRoot"/>
-      </p:par>
-    </p:tnLst>
-  </p:timing>
 </p:sld>
 </file>
 
@@ -5196,10 +5070,9 @@
           <a:lstStyle/>
           <a:p>
             <a:r>
-              <a:rPr lang="en-US" dirty="0" smtClean="0"/>
+              <a:rPr lang="en-US" dirty="0"/>
               <a:t>Solution: Special Encoding</a:t>
             </a:r>
-            <a:endParaRPr lang="en-US" dirty="0"/>
           </a:p>
         </p:txBody>
       </p:sp>
@@ -5226,124 +5099,86 @@
           <a:lstStyle/>
           <a:p>
             <a:r>
-              <a:rPr lang="en-US" dirty="0" smtClean="0"/>
+              <a:rPr lang="en-US" dirty="0"/>
               <a:t>Stay same: “*”, “-”, “.”, “_”, 0-9, a-z, A-Z</a:t>
             </a:r>
           </a:p>
           <a:p>
             <a:r>
-              <a:rPr lang="en-US" dirty="0" smtClean="0"/>
+              <a:rPr lang="en-US" dirty="0"/>
               <a:t>Space “ ” becomes a “+”</a:t>
             </a:r>
           </a:p>
           <a:p>
             <a:r>
-              <a:rPr lang="en-US" dirty="0" smtClean="0"/>
-              <a:t>The rest become </a:t>
-            </a:r>
-            <a:r>
-              <a:rPr lang="en-US" dirty="0"/>
-              <a:t>“%HH”, a percent sign and two hexadecimal digits representing the code of the character (default UTF-8</a:t>
-            </a:r>
-            <a:r>
-              <a:rPr lang="en-US" dirty="0" smtClean="0"/>
-              <a:t>) </a:t>
-            </a:r>
-            <a:endParaRPr lang="en-US" dirty="0"/>
-          </a:p>
-          <a:p>
-            <a:r>
-              <a:rPr lang="en-US" dirty="0" smtClean="0"/>
-              <a:t>So, </a:t>
-            </a:r>
-            <a:r>
-              <a:rPr lang="en-US" dirty="0"/>
-              <a:t>“</a:t>
-            </a:r>
-            <a:r>
-              <a:rPr lang="en-US" dirty="0" smtClean="0"/>
-              <a:t>123&amp;bar=7” becomes “123</a:t>
-            </a:r>
-            <a:r>
-              <a:rPr lang="en-US" b="1" dirty="0" smtClean="0"/>
+              <a:rPr lang="en-US" dirty="0"/>
+              <a:t>The rest become “%HH”, a percent sign and two hexadecimal digits representing the code of the character (default UTF-8) </a:t>
+            </a:r>
+          </a:p>
+          <a:p>
+            <a:r>
+              <a:rPr lang="en-US" dirty="0"/>
+              <a:t>So, “123&amp;bar=7” becomes “123</a:t>
+            </a:r>
+            <a:r>
+              <a:rPr lang="en-US" b="1" dirty="0"/>
               <a:t>%26</a:t>
             </a:r>
             <a:r>
-              <a:rPr lang="en-US" dirty="0" smtClean="0"/>
+              <a:rPr lang="en-US" dirty="0"/>
               <a:t>bar</a:t>
             </a:r>
             <a:r>
-              <a:rPr lang="en-US" b="1" dirty="0" smtClean="0"/>
+              <a:rPr lang="en-US" b="1" dirty="0"/>
               <a:t>%3D</a:t>
             </a:r>
             <a:r>
-              <a:rPr lang="en-US" dirty="0" smtClean="0"/>
+              <a:rPr lang="en-US" dirty="0"/>
               <a:t>7”</a:t>
             </a:r>
           </a:p>
           <a:p>
             <a:r>
-              <a:rPr lang="en-US" dirty="0" smtClean="0"/>
+              <a:rPr lang="en-US" dirty="0"/>
               <a:t>%26 = (2*16)+6 = 38, which is the code for </a:t>
             </a:r>
             <a:r>
-              <a:rPr lang="en-US" b="1" dirty="0" smtClean="0"/>
+              <a:rPr lang="en-US" b="1" dirty="0"/>
               <a:t>&amp;</a:t>
             </a:r>
             <a:r>
-              <a:rPr lang="en-US" dirty="0" smtClean="0"/>
+              <a:rPr lang="en-US" dirty="0"/>
               <a:t> in ASCII</a:t>
             </a:r>
           </a:p>
           <a:p>
             <a:r>
-              <a:rPr lang="en-US" dirty="0" smtClean="0"/>
-              <a:t>%3D = (3*16)+13 = 61</a:t>
-            </a:r>
-            <a:r>
-              <a:rPr lang="en-US" dirty="0"/>
-              <a:t>, which is the code for </a:t>
-            </a:r>
-            <a:r>
-              <a:rPr lang="en-US" b="1" dirty="0" smtClean="0"/>
+              <a:rPr lang="en-US" dirty="0"/>
+              <a:t>%3D = (3*16)+13 = 61, which is the code for </a:t>
+            </a:r>
+            <a:r>
+              <a:rPr lang="en-US" b="1" dirty="0"/>
               <a:t>=</a:t>
             </a:r>
             <a:r>
-              <a:rPr lang="en-US" dirty="0" smtClean="0"/>
-              <a:t> </a:t>
-            </a:r>
-            <a:r>
-              <a:rPr lang="en-US" dirty="0"/>
-              <a:t>in </a:t>
-            </a:r>
-            <a:r>
-              <a:rPr lang="en-US" dirty="0" smtClean="0"/>
-              <a:t>ASCII</a:t>
+              <a:rPr lang="en-US" dirty="0"/>
+              <a:t> in ASCII</a:t>
             </a:r>
           </a:p>
           <a:p>
             <a:pPr lvl="1"/>
             <a:r>
-              <a:rPr lang="en-US" dirty="0" smtClean="0"/>
-              <a:t>Recall, </a:t>
-            </a:r>
-            <a:r>
-              <a:rPr lang="en-US" dirty="0"/>
-              <a:t>hexadecimal </a:t>
-            </a:r>
-            <a:r>
-              <a:rPr lang="en-US" dirty="0" smtClean="0"/>
-              <a:t>D=13 (A=10,</a:t>
-            </a:r>
-            <a:r>
-              <a:rPr lang="mr-IN" dirty="0" smtClean="0"/>
+              <a:rPr lang="en-US" dirty="0"/>
+              <a:t>Recall, hexadecimal D=13 (A=10,</a:t>
+            </a:r>
+            <a:r>
+              <a:rPr lang="mr-IN" dirty="0"/>
               <a:t>…</a:t>
             </a:r>
             <a:r>
-              <a:rPr lang="en-US" dirty="0" smtClean="0"/>
+              <a:rPr lang="en-US" dirty="0"/>
               <a:t>, F=15)</a:t>
             </a:r>
-            <a:endParaRPr lang="en-US" dirty="0"/>
           </a:p>
           <a:p>
             <a:endParaRPr lang="en-US" dirty="0"/>
@@ -5360,13 +5195,6 @@
   <p:clrMapOvr>
     <a:masterClrMapping/>
   </p:clrMapOvr>
-  <p:timing>
-    <p:tnLst>
-      <p:par>
-        <p:cTn id="1" dur="indefinite" restart="never" nodeType="tmRoot"/>
-      </p:par>
-    </p:tnLst>
-  </p:timing>
 </p:sld>
 </file>
 
@@ -5403,10 +5231,9 @@
           <a:lstStyle/>
           <a:p>
             <a:r>
-              <a:rPr lang="en-US" dirty="0" smtClean="0"/>
+              <a:rPr lang="en-US" dirty="0"/>
               <a:t>Goals</a:t>
             </a:r>
-            <a:endParaRPr lang="en-US" dirty="0"/>
           </a:p>
         </p:txBody>
       </p:sp>
@@ -5431,71 +5258,71 @@
           <a:lstStyle/>
           <a:p>
             <a:r>
-              <a:rPr lang="en-US" dirty="0" smtClean="0"/>
+              <a:rPr lang="en-US" dirty="0"/>
               <a:t>Understand what is the problem that </a:t>
             </a:r>
             <a:r>
-              <a:rPr lang="en-US" i="1" dirty="0" err="1" smtClean="0"/>
+              <a:rPr lang="en-US" i="1" dirty="0" err="1"/>
               <a:t>WebSockets</a:t>
             </a:r>
             <a:r>
-              <a:rPr lang="en-US" dirty="0" smtClean="0"/>
+              <a:rPr lang="en-US" dirty="0"/>
               <a:t> solve</a:t>
             </a:r>
           </a:p>
           <a:p>
             <a:r>
-              <a:rPr lang="en-US" dirty="0" smtClean="0"/>
+              <a:rPr lang="en-US" dirty="0"/>
               <a:t>Learn how to add </a:t>
             </a:r>
             <a:r>
-              <a:rPr lang="en-US" i="1" dirty="0" err="1" smtClean="0"/>
+              <a:rPr lang="en-US" i="1" dirty="0" err="1"/>
               <a:t>WebSocket</a:t>
             </a:r>
             <a:r>
-              <a:rPr lang="en-US" dirty="0" smtClean="0"/>
+              <a:rPr lang="en-US" dirty="0"/>
               <a:t> support to a </a:t>
             </a:r>
             <a:r>
-              <a:rPr lang="en-US" i="1" dirty="0" smtClean="0"/>
+              <a:rPr lang="en-US" i="1" dirty="0"/>
               <a:t>React/</a:t>
             </a:r>
             <a:r>
-              <a:rPr lang="en-US" i="1" dirty="0" err="1" smtClean="0"/>
+              <a:rPr lang="en-US" i="1" dirty="0" err="1"/>
               <a:t>NodeJS</a:t>
             </a:r>
             <a:r>
-              <a:rPr lang="en-US" dirty="0" smtClean="0"/>
+              <a:rPr lang="en-US" dirty="0"/>
               <a:t> app</a:t>
             </a:r>
           </a:p>
           <a:p>
             <a:r>
-              <a:rPr lang="en-US" dirty="0" smtClean="0"/>
+              <a:rPr lang="en-US" dirty="0"/>
               <a:t>Revise knowledge on user-input sanitization and escaping</a:t>
             </a:r>
           </a:p>
           <a:p>
             <a:r>
-              <a:rPr lang="en-US" dirty="0" smtClean="0"/>
+              <a:rPr lang="en-US" dirty="0"/>
               <a:t>Revise knowledge on XSS attacks</a:t>
             </a:r>
           </a:p>
           <a:p>
             <a:r>
-              <a:rPr lang="en-US" dirty="0" smtClean="0"/>
+              <a:rPr lang="en-US" dirty="0"/>
               <a:t>Understand how libraries/frameworks like </a:t>
             </a:r>
             <a:r>
-              <a:rPr lang="en-US" i="1" dirty="0" smtClean="0"/>
+              <a:rPr lang="en-US" i="1" dirty="0"/>
               <a:t>React</a:t>
             </a:r>
             <a:r>
-              <a:rPr lang="en-US" dirty="0" smtClean="0"/>
+              <a:rPr lang="en-US" dirty="0"/>
               <a:t> help to prevent some XSS, </a:t>
             </a:r>
             <a:r>
-              <a:rPr lang="en-US" b="1" dirty="0" smtClean="0"/>
+              <a:rPr lang="en-US" b="1" dirty="0"/>
               <a:t>but not all!!!</a:t>
             </a:r>
           </a:p>
@@ -5550,11 +5377,11 @@
           <a:lstStyle/>
           <a:p>
             <a:r>
-              <a:rPr lang="en-US" dirty="0" smtClean="0"/>
+              <a:rPr lang="en-US" dirty="0"/>
               <a:t>But</a:t>
             </a:r>
             <a:r>
-              <a:rPr lang="mr-IN" dirty="0" smtClean="0"/>
+              <a:rPr lang="mr-IN" dirty="0"/>
               <a:t>…</a:t>
             </a:r>
             <a:endParaRPr lang="en-US" dirty="0"/>
@@ -5582,49 +5409,48 @@
           <a:lstStyle/>
           <a:p>
             <a:r>
-              <a:rPr lang="en-US" dirty="0" smtClean="0"/>
+              <a:rPr lang="en-US" dirty="0"/>
               <a:t>What if I have a “%” in my values? Would not that mess up the decoding?</a:t>
             </a:r>
           </a:p>
           <a:p>
             <a:r>
-              <a:rPr lang="en-US" dirty="0" err="1" smtClean="0"/>
+              <a:rPr lang="en-US" dirty="0" err="1"/>
               <a:t>E.g</a:t>
             </a:r>
             <a:r>
-              <a:rPr lang="en-US" dirty="0" smtClean="0"/>
+              <a:rPr lang="en-US" dirty="0"/>
               <a:t>, password=“%3D”, don’t want to be wrongly treated as a “=”</a:t>
             </a:r>
           </a:p>
           <a:p>
             <a:r>
-              <a:rPr lang="en-US" dirty="0" smtClean="0"/>
+              <a:rPr lang="en-US" dirty="0"/>
               <a:t>Not an issue, as symbol “%” is encoded based on its ASCII code 37, </a:t>
             </a:r>
             <a:r>
-              <a:rPr lang="en-US" dirty="0" err="1" smtClean="0"/>
+              <a:rPr lang="en-US" dirty="0" err="1"/>
               <a:t>ie</a:t>
             </a:r>
             <a:r>
-              <a:rPr lang="en-US" dirty="0" smtClean="0"/>
+              <a:rPr lang="en-US" dirty="0"/>
               <a:t> “</a:t>
             </a:r>
             <a:r>
-              <a:rPr lang="en-US" i="1" dirty="0" smtClean="0"/>
+              <a:rPr lang="en-US" i="1" dirty="0"/>
               <a:t>%25</a:t>
             </a:r>
             <a:r>
-              <a:rPr lang="en-US" dirty="0" smtClean="0"/>
+              <a:rPr lang="en-US" dirty="0"/>
               <a:t>3D”</a:t>
             </a:r>
           </a:p>
           <a:p>
             <a:pPr lvl="1"/>
             <a:r>
-              <a:rPr lang="en-US" dirty="0" smtClean="0"/>
+              <a:rPr lang="en-US" dirty="0"/>
               <a:t>%25 = (2*16)+5 = 37  </a:t>
             </a:r>
-            <a:endParaRPr lang="en-US" dirty="0"/>
           </a:p>
         </p:txBody>
       </p:sp>
@@ -5638,13 +5464,6 @@
   <p:clrMapOvr>
     <a:masterClrMapping/>
   </p:clrMapOvr>
-  <p:timing>
-    <p:tnLst>
-      <p:par>
-        <p:cTn id="1" dur="indefinite" restart="never" nodeType="tmRoot"/>
-      </p:par>
-    </p:tnLst>
-  </p:timing>
 </p:sld>
 </file>
 
@@ -5686,10 +5505,9 @@
           <a:lstStyle/>
           <a:p>
             <a:r>
-              <a:rPr lang="en-US" dirty="0" smtClean="0"/>
+              <a:rPr lang="en-US" dirty="0"/>
               <a:t>URLs and Query Parameters</a:t>
             </a:r>
-            <a:endParaRPr lang="en-US" dirty="0"/>
           </a:p>
         </p:txBody>
       </p:sp>
@@ -5714,72 +5532,71 @@
           <a:lstStyle/>
           <a:p>
             <a:r>
-              <a:rPr lang="en-US" dirty="0" smtClean="0"/>
+              <a:rPr lang="en-US" dirty="0"/>
               <a:t>Query parameters in a URL are sequences of </a:t>
             </a:r>
             <a:r>
-              <a:rPr lang="en-US" i="1" dirty="0" smtClean="0"/>
+              <a:rPr lang="en-US" i="1" dirty="0"/>
               <a:t>&lt;key&gt;=&lt;value&gt; </a:t>
             </a:r>
             <a:r>
-              <a:rPr lang="en-US" dirty="0" smtClean="0"/>
+              <a:rPr lang="en-US" dirty="0"/>
               <a:t>pairs, separated by the symbol </a:t>
             </a:r>
             <a:r>
-              <a:rPr lang="en-US" b="1" dirty="0" smtClean="0"/>
+              <a:rPr lang="en-US" b="1" dirty="0"/>
               <a:t>&amp;</a:t>
             </a:r>
           </a:p>
           <a:p>
             <a:r>
-              <a:rPr lang="en-US" dirty="0" smtClean="0"/>
+              <a:rPr lang="en-US" dirty="0"/>
               <a:t>What if a key or a value need to use special symbols like </a:t>
             </a:r>
             <a:r>
-              <a:rPr lang="en-US" b="1" dirty="0" smtClean="0"/>
+              <a:rPr lang="en-US" b="1" dirty="0"/>
               <a:t>=</a:t>
             </a:r>
             <a:r>
-              <a:rPr lang="en-US" dirty="0" smtClean="0"/>
+              <a:rPr lang="en-US" dirty="0"/>
               <a:t> or </a:t>
             </a:r>
             <a:r>
-              <a:rPr lang="en-US" b="1" dirty="0" smtClean="0"/>
+              <a:rPr lang="en-US" b="1" dirty="0"/>
               <a:t>&amp;</a:t>
             </a:r>
             <a:r>
-              <a:rPr lang="en-US" dirty="0" smtClean="0"/>
+              <a:rPr lang="en-US" dirty="0"/>
               <a:t>?</a:t>
             </a:r>
           </a:p>
           <a:p>
             <a:r>
-              <a:rPr lang="en-US" dirty="0" smtClean="0"/>
+              <a:rPr lang="en-US" dirty="0"/>
               <a:t>Those will be escaped as well, using the same kind of </a:t>
             </a:r>
             <a:r>
-              <a:rPr lang="en-US" i="1" dirty="0" smtClean="0"/>
+              <a:rPr lang="en-US" i="1" dirty="0"/>
               <a:t>%HH </a:t>
             </a:r>
             <a:r>
-              <a:rPr lang="en-US" dirty="0" smtClean="0"/>
+              <a:rPr lang="en-US" dirty="0"/>
               <a:t>escaping used in HTML forms</a:t>
             </a:r>
           </a:p>
           <a:p>
             <a:pPr lvl="1"/>
             <a:r>
-              <a:rPr lang="en-US" dirty="0" smtClean="0"/>
+              <a:rPr lang="en-US" dirty="0"/>
               <a:t>one difference though: “ ” empty char will be replaced with a “+”, whereas the symbol “+” is escaped with %2B</a:t>
             </a:r>
           </a:p>
           <a:p>
             <a:pPr lvl="1"/>
             <a:r>
-              <a:rPr lang="en-US" dirty="0" smtClean="0"/>
+              <a:rPr lang="en-US" dirty="0"/>
               <a:t>%2B = (2*16) + 11 = 43 , which is the ASCII code for +</a:t>
             </a:r>
-            <a:endParaRPr lang="en-US" dirty="0"/>
           </a:p>
         </p:txBody>
       </p:sp>
@@ -5836,114 +5653,101 @@
           <a:lstStyle/>
           <a:p>
             <a:r>
-              <a:rPr lang="en-US" dirty="0" smtClean="0"/>
+              <a:rPr lang="en-US" dirty="0"/>
               <a:t>Assume in Google you search for “</a:t>
             </a:r>
             <a:r>
-              <a:rPr lang="en-US" i="1" dirty="0" smtClean="0"/>
+              <a:rPr lang="en-US" i="1" dirty="0"/>
               <a:t>the art of </a:t>
             </a:r>
             <a:r>
-              <a:rPr lang="en-US" i="1" dirty="0" err="1" smtClean="0"/>
+              <a:rPr lang="en-US" i="1" dirty="0" err="1"/>
               <a:t>copy&amp;paste</a:t>
             </a:r>
             <a:r>
-              <a:rPr lang="en-US" i="1" dirty="0" smtClean="0"/>
+              <a:rPr lang="en-US" i="1" dirty="0"/>
               <a:t> and +</a:t>
             </a:r>
             <a:r>
-              <a:rPr lang="en-US" dirty="0" smtClean="0"/>
+              <a:rPr lang="en-US" dirty="0"/>
               <a:t>”</a:t>
             </a:r>
           </a:p>
           <a:p>
             <a:r>
-              <a:rPr lang="en-US" dirty="0" smtClean="0"/>
-              <a:t>The browser will make a GET request with query parameters, including </a:t>
-            </a:r>
-            <a:r>
-              <a:rPr lang="en-US" dirty="0"/>
-              <a:t>the pair: </a:t>
-            </a:r>
-            <a:r>
-              <a:rPr lang="en-US" dirty="0" smtClean="0"/>
-              <a:t>q=the</a:t>
-            </a:r>
-            <a:r>
-              <a:rPr lang="en-US" b="1" dirty="0" smtClean="0"/>
+              <a:rPr lang="en-US" dirty="0"/>
+              <a:t>The browser will make a GET request with query parameters, including the pair: q=the</a:t>
+            </a:r>
+            <a:r>
+              <a:rPr lang="en-US" b="1" dirty="0"/>
               <a:t>+</a:t>
             </a:r>
             <a:r>
-              <a:rPr lang="en-US" dirty="0" smtClean="0"/>
+              <a:rPr lang="en-US" dirty="0"/>
               <a:t>art</a:t>
             </a:r>
             <a:r>
-              <a:rPr lang="en-US" b="1" dirty="0" smtClean="0"/>
+              <a:rPr lang="en-US" b="1" dirty="0"/>
               <a:t>+</a:t>
             </a:r>
             <a:r>
-              <a:rPr lang="en-US" dirty="0" smtClean="0"/>
+              <a:rPr lang="en-US" dirty="0"/>
               <a:t>of</a:t>
             </a:r>
             <a:r>
-              <a:rPr lang="en-US" b="1" dirty="0" smtClean="0"/>
+              <a:rPr lang="en-US" b="1" dirty="0"/>
               <a:t>+</a:t>
             </a:r>
             <a:r>
-              <a:rPr lang="en-US" dirty="0" smtClean="0"/>
+              <a:rPr lang="en-US" dirty="0"/>
               <a:t>copy</a:t>
             </a:r>
             <a:r>
-              <a:rPr lang="en-US" b="1" dirty="0" smtClean="0"/>
+              <a:rPr lang="en-US" b="1" dirty="0"/>
               <a:t>%26</a:t>
             </a:r>
             <a:r>
-              <a:rPr lang="en-US" dirty="0" smtClean="0"/>
+              <a:rPr lang="en-US" dirty="0"/>
               <a:t>paste</a:t>
             </a:r>
             <a:r>
-              <a:rPr lang="en-US" b="1" dirty="0" smtClean="0"/>
+              <a:rPr lang="en-US" b="1" dirty="0"/>
               <a:t>+</a:t>
             </a:r>
             <a:r>
-              <a:rPr lang="en-US" dirty="0" smtClean="0"/>
+              <a:rPr lang="en-US" dirty="0"/>
               <a:t>and</a:t>
             </a:r>
             <a:r>
               <a:rPr lang="en-US" b="1" dirty="0"/>
-              <a:t>+%</a:t>
-            </a:r>
-            <a:r>
-              <a:rPr lang="en-US" b="1" dirty="0" smtClean="0"/>
-              <a:t>2B</a:t>
-            </a:r>
-          </a:p>
-          <a:p>
-            <a:r>
-              <a:rPr lang="en-US" dirty="0" smtClean="0"/>
+              <a:t>+%2B</a:t>
+            </a:r>
+          </a:p>
+          <a:p>
+            <a:r>
+              <a:rPr lang="en-US" dirty="0"/>
               <a:t>Notice how empty spaces are replaced with </a:t>
             </a:r>
             <a:r>
-              <a:rPr lang="en-US" b="1" dirty="0" smtClean="0"/>
+              <a:rPr lang="en-US" b="1" dirty="0"/>
               <a:t>+</a:t>
             </a:r>
             <a:r>
-              <a:rPr lang="en-US" dirty="0" smtClean="0"/>
+              <a:rPr lang="en-US" dirty="0"/>
               <a:t>, &amp; with </a:t>
             </a:r>
             <a:r>
-              <a:rPr lang="en-US" b="1" dirty="0" smtClean="0"/>
+              <a:rPr lang="en-US" b="1" dirty="0"/>
               <a:t>%26</a:t>
             </a:r>
             <a:r>
-              <a:rPr lang="en-US" dirty="0" smtClean="0"/>
+              <a:rPr lang="en-US" dirty="0"/>
               <a:t>, and + with </a:t>
             </a:r>
             <a:r>
-              <a:rPr lang="en-US" b="1" dirty="0" smtClean="0"/>
+              <a:rPr lang="en-US" b="1" dirty="0"/>
               <a:t>%2B</a:t>
             </a:r>
-            <a:endParaRPr lang="en-US" b="1" dirty="0"/>
           </a:p>
         </p:txBody>
       </p:sp>
@@ -6017,10 +5821,9 @@
           <a:lstStyle/>
           <a:p>
             <a:r>
-              <a:rPr lang="en-US" dirty="0" smtClean="0"/>
+              <a:rPr lang="en-US" dirty="0"/>
               <a:t>Text Transformations</a:t>
             </a:r>
-            <a:endParaRPr lang="en-US" dirty="0"/>
           </a:p>
         </p:txBody>
       </p:sp>
@@ -6047,20 +5850,16 @@
           <a:lstStyle/>
           <a:p>
             <a:r>
-              <a:rPr lang="en-US" dirty="0" smtClean="0"/>
+              <a:rPr lang="en-US" dirty="0"/>
               <a:t>We can represent text in various formats, </a:t>
             </a:r>
             <a:r>
-              <a:rPr lang="en-US" dirty="0" err="1" smtClean="0"/>
+              <a:rPr lang="en-US" dirty="0" err="1"/>
               <a:t>eg</a:t>
             </a:r>
             <a:r>
-              <a:rPr lang="en-US" dirty="0" smtClean="0"/>
-              <a:t>, HTML, XML, JSON</a:t>
-            </a:r>
-            <a:r>
-              <a:rPr lang="en-US" dirty="0"/>
-              <a:t>, </a:t>
+              <a:rPr lang="en-US" dirty="0"/>
+              <a:t>, HTML, XML, JSON, </a:t>
             </a:r>
             <a:r>
               <a:rPr lang="en-US" i="1" dirty="0"/>
@@ -6070,19 +5869,19 @@
               <a:rPr lang="en-US" i="1" dirty="0" err="1"/>
               <a:t>urlencoded</a:t>
             </a:r>
-            <a:endParaRPr lang="en-US" i="1" dirty="0" smtClean="0"/>
-          </a:p>
-          <a:p>
-            <a:r>
-              <a:rPr lang="en-US" dirty="0" smtClean="0"/>
+            <a:endParaRPr lang="en-US" i="1" dirty="0"/>
+          </a:p>
+          <a:p>
+            <a:r>
+              <a:rPr lang="en-US" dirty="0"/>
               <a:t>Such formats use special symbols to define </a:t>
             </a:r>
             <a:r>
-              <a:rPr lang="en-US" i="1" dirty="0" smtClean="0"/>
+              <a:rPr lang="en-US" i="1" dirty="0"/>
               <a:t>structures</a:t>
             </a:r>
             <a:r>
-              <a:rPr lang="en-US" dirty="0" smtClean="0"/>
+              <a:rPr lang="en-US" dirty="0"/>
               <a:t> of the document</a:t>
             </a:r>
           </a:p>
@@ -6090,57 +5889,53 @@
             <a:pPr lvl="1"/>
             <a:r>
               <a:rPr lang="en-US" dirty="0" err="1"/>
-              <a:t>e</a:t>
-            </a:r>
-            <a:r>
-              <a:rPr lang="en-US" dirty="0" err="1" smtClean="0"/>
-              <a:t>g</a:t>
-            </a:r>
-            <a:r>
-              <a:rPr lang="en-US" dirty="0" smtClean="0"/>
+              <a:t>eg</a:t>
+            </a:r>
+            <a:r>
+              <a:rPr lang="en-US" dirty="0"/>
               <a:t> = and &amp; in HTML form data, and &lt;&gt; in HTML/XML documents</a:t>
             </a:r>
           </a:p>
           <a:p>
             <a:r>
-              <a:rPr lang="en-US" dirty="0" smtClean="0"/>
+              <a:rPr lang="en-US" dirty="0"/>
               <a:t>Input text values should NOT use those special structure/syntax symbols</a:t>
             </a:r>
           </a:p>
           <a:p>
             <a:r>
-              <a:rPr lang="en-US" dirty="0" smtClean="0"/>
+              <a:rPr lang="en-US" dirty="0"/>
               <a:t>Need to be </a:t>
             </a:r>
             <a:r>
-              <a:rPr lang="en-US" i="1" dirty="0" smtClean="0"/>
+              <a:rPr lang="en-US" i="1" dirty="0"/>
               <a:t>transformed </a:t>
             </a:r>
             <a:r>
-              <a:rPr lang="en-US" dirty="0" smtClean="0"/>
+              <a:rPr lang="en-US" dirty="0"/>
               <a:t>(aka </a:t>
             </a:r>
             <a:r>
-              <a:rPr lang="en-US" i="1" dirty="0" smtClean="0"/>
+              <a:rPr lang="en-US" i="1" dirty="0"/>
               <a:t>escaped</a:t>
             </a:r>
             <a:r>
-              <a:rPr lang="en-US" dirty="0" smtClean="0"/>
+              <a:rPr lang="en-US" dirty="0"/>
               <a:t>)</a:t>
             </a:r>
             <a:r>
-              <a:rPr lang="en-US" i="1" dirty="0" smtClean="0"/>
+              <a:rPr lang="en-US" i="1" dirty="0"/>
               <a:t> </a:t>
             </a:r>
             <a:r>
-              <a:rPr lang="en-US" dirty="0" smtClean="0"/>
+              <a:rPr lang="en-US" dirty="0"/>
               <a:t>into non-structure symbols</a:t>
             </a:r>
           </a:p>
           <a:p>
             <a:pPr lvl="1"/>
             <a:r>
-              <a:rPr lang="en-US" dirty="0" smtClean="0"/>
+              <a:rPr lang="en-US" dirty="0"/>
               <a:t>&amp; into %26, and = into %3D in HTML form data</a:t>
             </a:r>
           </a:p>
@@ -6160,13 +5955,6 @@
   <p:clrMapOvr>
     <a:masterClrMapping/>
   </p:clrMapOvr>
-  <p:timing>
-    <p:tnLst>
-      <p:par>
-        <p:cTn id="1" dur="indefinite" restart="never" nodeType="tmRoot"/>
-      </p:par>
-    </p:tnLst>
-  </p:timing>
 </p:sld>
 </file>
 
@@ -6203,10 +5991,9 @@
           <a:lstStyle/>
           <a:p>
             <a:r>
-              <a:rPr lang="en-US" dirty="0" smtClean="0"/>
+              <a:rPr lang="en-US" dirty="0"/>
               <a:t>What About HTML???</a:t>
             </a:r>
-            <a:endParaRPr lang="en-US" dirty="0"/>
           </a:p>
         </p:txBody>
       </p:sp>
@@ -6244,13 +6031,6 @@
   <p:clrMapOvr>
     <a:masterClrMapping/>
   </p:clrMapOvr>
-  <p:timing>
-    <p:tnLst>
-      <p:par>
-        <p:cTn id="1" dur="indefinite" restart="never" nodeType="tmRoot"/>
-      </p:par>
-    </p:tnLst>
-  </p:timing>
 </p:sld>
 </file>
 
@@ -6287,10 +6067,9 @@
           <a:lstStyle/>
           <a:p>
             <a:r>
-              <a:rPr lang="en-US" dirty="0" smtClean="0"/>
+              <a:rPr lang="en-US" dirty="0"/>
               <a:t>HTML/XML Escaping	</a:t>
             </a:r>
-            <a:endParaRPr lang="en-US" dirty="0"/>
           </a:p>
         </p:txBody>
       </p:sp>
@@ -6312,46 +6091,42 @@
           <a:lstStyle/>
           <a:p>
             <a:r>
-              <a:rPr lang="en-US" dirty="0" smtClean="0"/>
+              <a:rPr lang="en-US" dirty="0"/>
               <a:t>“</a:t>
             </a:r>
             <a:r>
-              <a:rPr lang="en-US" b="1" dirty="0" smtClean="0"/>
+              <a:rPr lang="en-US" b="1" dirty="0"/>
               <a:t>&amp;</a:t>
             </a:r>
             <a:r>
-              <a:rPr lang="en-US" dirty="0" smtClean="0"/>
+              <a:rPr lang="en-US" dirty="0"/>
               <a:t>” followed by name (or code), closed by “</a:t>
             </a:r>
             <a:r>
-              <a:rPr lang="en-US" b="1" dirty="0" smtClean="0"/>
+              <a:rPr lang="en-US" b="1" dirty="0"/>
               <a:t>;</a:t>
             </a:r>
             <a:r>
-              <a:rPr lang="en-US" dirty="0" smtClean="0"/>
+              <a:rPr lang="en-US" dirty="0"/>
               <a:t>”</a:t>
             </a:r>
           </a:p>
           <a:p>
             <a:r>
-              <a:rPr lang="en-US" b="1" dirty="0" smtClean="0"/>
+              <a:rPr lang="en-US" b="1" dirty="0"/>
               <a:t>&amp;</a:t>
             </a:r>
             <a:r>
-              <a:rPr lang="en-US" b="1" dirty="0" err="1" smtClean="0"/>
+              <a:rPr lang="en-US" b="1" dirty="0" err="1"/>
               <a:t>quot</a:t>
             </a:r>
             <a:r>
-              <a:rPr lang="en-US" b="1" dirty="0" smtClean="0"/>
+              <a:rPr lang="en-US" b="1" dirty="0"/>
               <a:t>;</a:t>
             </a:r>
             <a:r>
-              <a:rPr lang="en-US" dirty="0" smtClean="0"/>
-              <a:t> </a:t>
-            </a:r>
-            <a:r>
-              <a:rPr lang="en-US" dirty="0"/>
-              <a:t>for </a:t>
+              <a:rPr lang="en-US" dirty="0"/>
+              <a:t> for </a:t>
             </a:r>
             <a:r>
               <a:rPr lang="en-US" b="1" dirty="0"/>
@@ -6361,20 +6136,15 @@
               <a:rPr lang="en-US" dirty="0"/>
               <a:t> (double quotation mark)</a:t>
             </a:r>
-            <a:endParaRPr lang="en-US" dirty="0" smtClean="0"/>
-          </a:p>
-          <a:p>
-            <a:r>
-              <a:rPr lang="en-US" b="1" dirty="0" smtClean="0"/>
+          </a:p>
+          <a:p>
+            <a:r>
+              <a:rPr lang="en-US" b="1" dirty="0"/>
               <a:t>&amp;amp;</a:t>
             </a:r>
             <a:r>
-              <a:rPr lang="en-US" dirty="0" smtClean="0"/>
-              <a:t> </a:t>
-            </a:r>
-            <a:r>
-              <a:rPr lang="en-US" dirty="0"/>
-              <a:t>for </a:t>
+              <a:rPr lang="en-US" dirty="0"/>
+              <a:t> for </a:t>
             </a:r>
             <a:r>
               <a:rPr lang="en-US" b="1" dirty="0"/>
@@ -6384,23 +6154,22 @@
               <a:rPr lang="en-US" dirty="0"/>
               <a:t> (ampersand)</a:t>
             </a:r>
-            <a:endParaRPr lang="en-US" dirty="0" smtClean="0"/>
-          </a:p>
-          <a:p>
-            <a:r>
-              <a:rPr lang="en-US" b="1" dirty="0" smtClean="0"/>
+          </a:p>
+          <a:p>
+            <a:r>
+              <a:rPr lang="en-US" b="1" dirty="0"/>
               <a:t>&amp;</a:t>
             </a:r>
             <a:r>
-              <a:rPr lang="en-US" b="1" dirty="0" err="1" smtClean="0"/>
+              <a:rPr lang="en-US" b="1" dirty="0" err="1"/>
               <a:t>apos</a:t>
             </a:r>
             <a:r>
-              <a:rPr lang="en-US" b="1" dirty="0" smtClean="0"/>
+              <a:rPr lang="en-US" b="1" dirty="0"/>
               <a:t>;</a:t>
             </a:r>
             <a:r>
-              <a:rPr lang="en-US" dirty="0" smtClean="0"/>
+              <a:rPr lang="en-US" dirty="0"/>
               <a:t> for </a:t>
             </a:r>
             <a:r>
@@ -6411,63 +6180,62 @@
               <a:rPr lang="en-US" dirty="0"/>
               <a:t> (apostrophe)</a:t>
             </a:r>
-            <a:endParaRPr lang="en-US" dirty="0" smtClean="0"/>
-          </a:p>
-          <a:p>
-            <a:r>
-              <a:rPr lang="en-US" b="1" dirty="0" smtClean="0"/>
+          </a:p>
+          <a:p>
+            <a:r>
+              <a:rPr lang="en-US" b="1" dirty="0"/>
               <a:t>&amp;</a:t>
             </a:r>
             <a:r>
-              <a:rPr lang="en-US" b="1" dirty="0" err="1" smtClean="0"/>
+              <a:rPr lang="en-US" b="1" dirty="0" err="1"/>
               <a:t>lt</a:t>
             </a:r>
             <a:r>
-              <a:rPr lang="en-US" b="1" dirty="0" smtClean="0"/>
+              <a:rPr lang="en-US" b="1" dirty="0"/>
               <a:t>;</a:t>
             </a:r>
             <a:r>
-              <a:rPr lang="en-US" dirty="0" smtClean="0"/>
+              <a:rPr lang="en-US" dirty="0"/>
               <a:t> for </a:t>
             </a:r>
             <a:r>
-              <a:rPr lang="en-US" b="1" dirty="0" smtClean="0"/>
+              <a:rPr lang="en-US" b="1" dirty="0"/>
               <a:t>&lt;</a:t>
             </a:r>
             <a:r>
-              <a:rPr lang="en-US" dirty="0" smtClean="0"/>
+              <a:rPr lang="en-US" dirty="0"/>
               <a:t> (less-than)</a:t>
             </a:r>
           </a:p>
           <a:p>
             <a:r>
-              <a:rPr lang="en-US" b="1" dirty="0" smtClean="0"/>
+              <a:rPr lang="en-US" b="1" dirty="0"/>
               <a:t>&amp;</a:t>
             </a:r>
             <a:r>
-              <a:rPr lang="en-US" b="1" dirty="0" err="1" smtClean="0"/>
+              <a:rPr lang="en-US" b="1" dirty="0" err="1"/>
               <a:t>gt</a:t>
             </a:r>
             <a:r>
-              <a:rPr lang="en-US" b="1" dirty="0" smtClean="0"/>
+              <a:rPr lang="en-US" b="1" dirty="0"/>
               <a:t>;</a:t>
             </a:r>
             <a:r>
-              <a:rPr lang="en-US" dirty="0" smtClean="0"/>
+              <a:rPr lang="en-US" dirty="0"/>
               <a:t> for </a:t>
             </a:r>
             <a:r>
-              <a:rPr lang="en-US" b="1" dirty="0" smtClean="0"/>
+              <a:rPr lang="en-US" b="1" dirty="0"/>
               <a:t>&gt;</a:t>
             </a:r>
             <a:r>
-              <a:rPr lang="en-US" dirty="0" smtClean="0"/>
+              <a:rPr lang="en-US" dirty="0"/>
               <a:t> (greater-than)</a:t>
             </a:r>
           </a:p>
           <a:p>
             <a:r>
-              <a:rPr lang="en-US" dirty="0" smtClean="0"/>
+              <a:rPr lang="en-US" dirty="0"/>
               <a:t>These are most common ones</a:t>
             </a:r>
           </a:p>
@@ -6483,13 +6251,6 @@
   <p:clrMapOvr>
     <a:masterClrMapping/>
   </p:clrMapOvr>
-  <p:timing>
-    <p:tnLst>
-      <p:par>
-        <p:cTn id="1" dur="indefinite" restart="never" nodeType="tmRoot"/>
-      </p:par>
-    </p:tnLst>
-  </p:timing>
 </p:sld>
 </file>
 
@@ -6526,18 +6287,17 @@
           <a:lstStyle/>
           <a:p>
             <a:r>
-              <a:rPr lang="en-US" dirty="0" smtClean="0"/>
+              <a:rPr lang="en-US" dirty="0"/>
               <a:t>See “</a:t>
             </a:r>
             <a:r>
-              <a:rPr lang="en-US" dirty="0" err="1" smtClean="0"/>
+              <a:rPr lang="en-US" dirty="0" err="1"/>
               <a:t>escaped.html</a:t>
             </a:r>
             <a:r>
-              <a:rPr lang="en-US" dirty="0" smtClean="0"/>
+              <a:rPr lang="en-US" dirty="0"/>
               <a:t>” file</a:t>
             </a:r>
-            <a:endParaRPr lang="en-US" dirty="0"/>
           </a:p>
         </p:txBody>
       </p:sp>
@@ -6616,10 +6376,6 @@
             <a:br>
               <a:rPr lang="en-US" dirty="0"/>
             </a:br>
-            <a:r>
-              <a:rPr lang="en-US" dirty="0"/>
-              <a:t/>
-            </a:r>
             <a:br>
               <a:rPr lang="en-US" dirty="0"/>
             </a:br>
@@ -6630,10 +6386,6 @@
             <a:br>
               <a:rPr lang="en-US" dirty="0"/>
             </a:br>
-            <a:r>
-              <a:rPr lang="en-US" dirty="0"/>
-              <a:t/>
-            </a:r>
             <a:br>
               <a:rPr lang="en-US" dirty="0"/>
             </a:br>
@@ -6778,13 +6530,6 @@
   <p:clrMapOvr>
     <a:masterClrMapping/>
   </p:clrMapOvr>
-  <p:timing>
-    <p:tnLst>
-      <p:par>
-        <p:cTn id="1" dur="indefinite" restart="never" nodeType="tmRoot"/>
-      </p:par>
-    </p:tnLst>
-  </p:timing>
 </p:sld>
 </file>
 
@@ -6823,10 +6568,9 @@
           <a:lstStyle/>
           <a:p>
             <a:r>
-              <a:rPr lang="en-US" dirty="0" smtClean="0"/>
+              <a:rPr lang="en-US" dirty="0"/>
               <a:t>What actually needs to be escaped depends on context</a:t>
             </a:r>
-            <a:endParaRPr lang="en-US" dirty="0"/>
           </a:p>
         </p:txBody>
       </p:sp>
@@ -6853,7 +6597,7 @@
           <a:lstStyle/>
           <a:p>
             <a:r>
-              <a:rPr lang="mr-IN" dirty="0" smtClean="0"/>
+              <a:rPr lang="mr-IN" dirty="0"/>
               <a:t>&lt;</a:t>
             </a:r>
             <a:r>
@@ -6913,7 +6657,7 @@
               <a:t>quot</a:t>
             </a:r>
             <a:r>
-              <a:rPr lang="mr-IN" b="1" dirty="0" smtClean="0">
+              <a:rPr lang="mr-IN" b="1" dirty="0">
                 <a:solidFill>
                   <a:srgbClr val="0055FF"/>
                 </a:solidFill>
@@ -6921,7 +6665,7 @@
               <a:t>;</a:t>
             </a:r>
             <a:r>
-              <a:rPr lang="mr-IN" b="1" dirty="0" smtClean="0">
+              <a:rPr lang="mr-IN" b="1" dirty="0">
                 <a:solidFill>
                   <a:srgbClr val="658ABA"/>
                 </a:solidFill>
@@ -6929,7 +6673,7 @@
               <a:t>&lt;</a:t>
             </a:r>
             <a:r>
-              <a:rPr lang="en-US" b="1" dirty="0" smtClean="0">
+              <a:rPr lang="en-US" b="1" dirty="0">
                 <a:solidFill>
                   <a:srgbClr val="658ABA"/>
                 </a:solidFill>
@@ -6937,7 +6681,7 @@
               <a:t>p</a:t>
             </a:r>
             <a:r>
-              <a:rPr lang="mr-IN" b="1" dirty="0" smtClean="0">
+              <a:rPr lang="mr-IN" b="1" dirty="0">
                 <a:solidFill>
                   <a:srgbClr val="658ABA"/>
                 </a:solidFill>
@@ -6945,7 +6689,7 @@
               <a:t>&gt;</a:t>
             </a:r>
             <a:r>
-              <a:rPr lang="mr-IN" b="1" dirty="0" smtClean="0">
+              <a:rPr lang="mr-IN" b="1" dirty="0">
                 <a:solidFill>
                   <a:srgbClr val="0055FF"/>
                 </a:solidFill>
@@ -6996,40 +6740,12 @@
               <a:t>&amp;</a:t>
             </a:r>
             <a:r>
-              <a:rPr lang="mr-IN" b="1" dirty="0" err="1" smtClean="0">
+              <a:rPr lang="mr-IN" b="1" dirty="0" err="1">
                 <a:solidFill>
                   <a:srgbClr val="0055FF"/>
                 </a:solidFill>
               </a:rPr>
               <a:t>lt</a:t>
-            </a:r>
-            <a:r>
-              <a:rPr lang="mr-IN" b="1" dirty="0" smtClean="0">
-                <a:solidFill>
-                  <a:srgbClr val="0055FF"/>
-                </a:solidFill>
-              </a:rPr>
-              <a:t>;</a:t>
-            </a:r>
-            <a:r>
-              <a:rPr lang="en-US" dirty="0" smtClean="0"/>
-              <a:t>p</a:t>
-            </a:r>
-            <a:r>
-              <a:rPr lang="mr-IN" b="1" dirty="0" smtClean="0">
-                <a:solidFill>
-                  <a:srgbClr val="0055FF"/>
-                </a:solidFill>
-              </a:rPr>
-              <a:t>&amp;</a:t>
-            </a:r>
-            <a:r>
-              <a:rPr lang="mr-IN" b="1" dirty="0" err="1" smtClean="0">
-                <a:solidFill>
-                  <a:srgbClr val="0055FF"/>
-                </a:solidFill>
-              </a:rPr>
-              <a:t>gt</a:t>
             </a:r>
             <a:r>
               <a:rPr lang="mr-IN" b="1" dirty="0">
@@ -7040,6 +6756,34 @@
               <a:t>;</a:t>
             </a:r>
             <a:r>
+              <a:rPr lang="en-US" dirty="0"/>
+              <a:t>p</a:t>
+            </a:r>
+            <a:r>
+              <a:rPr lang="mr-IN" b="1" dirty="0">
+                <a:solidFill>
+                  <a:srgbClr val="0055FF"/>
+                </a:solidFill>
+              </a:rPr>
+              <a:t>&amp;</a:t>
+            </a:r>
+            <a:r>
+              <a:rPr lang="mr-IN" b="1" dirty="0" err="1">
+                <a:solidFill>
+                  <a:srgbClr val="0055FF"/>
+                </a:solidFill>
+              </a:rPr>
+              <a:t>gt</a:t>
+            </a:r>
+            <a:r>
+              <a:rPr lang="mr-IN" b="1" dirty="0">
+                <a:solidFill>
+                  <a:srgbClr val="0055FF"/>
+                </a:solidFill>
+              </a:rPr>
+              <a:t>;</a:t>
+            </a:r>
+            <a:r>
               <a:rPr lang="mr-IN" dirty="0"/>
               <a:t>"</a:t>
             </a:r>
@@ -7051,7 +6795,7 @@
               <a:t>&lt;/</a:t>
             </a:r>
             <a:r>
-              <a:rPr lang="mr-IN" b="1" dirty="0" err="1" smtClean="0">
+              <a:rPr lang="mr-IN" b="1" dirty="0" err="1">
                 <a:solidFill>
                   <a:srgbClr val="000080"/>
                 </a:solidFill>
@@ -7059,10 +6803,10 @@
               <a:t>div</a:t>
             </a:r>
             <a:r>
-              <a:rPr lang="mr-IN" smtClean="0"/>
+              <a:rPr lang="mr-IN"/>
               <a:t>&gt;</a:t>
             </a:r>
-            <a:endParaRPr lang="en-US" dirty="0" smtClean="0"/>
+            <a:endParaRPr lang="en-US" dirty="0"/>
           </a:p>
           <a:p>
             <a:r>
@@ -7070,59 +6814,57 @@
               <a:t>Representing </a:t>
             </a:r>
             <a:r>
-              <a:rPr lang="en-US" b="1" dirty="0" smtClean="0"/>
+              <a:rPr lang="en-US" b="1" dirty="0"/>
               <a:t>“&lt;p&gt;”</a:t>
             </a:r>
             <a:r>
-              <a:rPr lang="en-US" dirty="0" smtClean="0"/>
+              <a:rPr lang="en-US" dirty="0"/>
               <a:t> (quotes included)</a:t>
             </a:r>
-            <a:endParaRPr lang="en-US" dirty="0"/>
-          </a:p>
-          <a:p>
-            <a:r>
-              <a:rPr lang="en-US" dirty="0" smtClean="0"/>
+          </a:p>
+          <a:p>
+            <a:r>
+              <a:rPr lang="en-US" dirty="0"/>
               <a:t>In attributes, quotes </a:t>
             </a:r>
             <a:r>
-              <a:rPr lang="en-US" b="1" dirty="0" smtClean="0"/>
+              <a:rPr lang="en-US" b="1" dirty="0"/>
               <a:t>“</a:t>
             </a:r>
             <a:r>
-              <a:rPr lang="en-US" dirty="0" smtClean="0"/>
+              <a:rPr lang="en-US" dirty="0"/>
               <a:t> need to be escaped (</a:t>
             </a:r>
             <a:r>
-              <a:rPr lang="en-US" b="1" dirty="0" smtClean="0"/>
+              <a:rPr lang="en-US" b="1" dirty="0"/>
               <a:t>&amp;</a:t>
             </a:r>
             <a:r>
-              <a:rPr lang="en-US" b="1" dirty="0" err="1" smtClean="0"/>
+              <a:rPr lang="en-US" b="1" dirty="0" err="1"/>
               <a:t>quot</a:t>
             </a:r>
             <a:r>
-              <a:rPr lang="en-US" b="1" dirty="0" smtClean="0"/>
+              <a:rPr lang="en-US" b="1" dirty="0"/>
               <a:t>;</a:t>
             </a:r>
             <a:r>
-              <a:rPr lang="en-US" dirty="0" smtClean="0"/>
+              <a:rPr lang="en-US" dirty="0"/>
               <a:t>), but no need there for </a:t>
             </a:r>
             <a:r>
-              <a:rPr lang="en-US" b="1" dirty="0" smtClean="0"/>
+              <a:rPr lang="en-US" b="1" dirty="0"/>
               <a:t>&lt;&gt;</a:t>
             </a:r>
             <a:r>
-              <a:rPr lang="en-US" dirty="0" smtClean="0"/>
+              <a:rPr lang="en-US" dirty="0"/>
               <a:t>, as those latter are no string delimiters</a:t>
             </a:r>
           </a:p>
           <a:p>
             <a:r>
-              <a:rPr lang="en-US" dirty="0" smtClean="0"/>
+              <a:rPr lang="en-US" dirty="0"/>
               <a:t>In node content, it is the other way round</a:t>
             </a:r>
-            <a:endParaRPr lang="en-US" dirty="0"/>
           </a:p>
         </p:txBody>
       </p:sp>
@@ -7136,13 +6878,6 @@
   <p:clrMapOvr>
     <a:masterClrMapping/>
   </p:clrMapOvr>
-  <p:timing>
-    <p:tnLst>
-      <p:par>
-        <p:cTn id="1" dur="indefinite" restart="never" nodeType="tmRoot"/>
-      </p:par>
-    </p:tnLst>
-  </p:timing>
 </p:sld>
 </file>
 
@@ -7179,10 +6914,9 @@
           <a:lstStyle/>
           <a:p>
             <a:r>
-              <a:rPr lang="en-US" dirty="0" smtClean="0"/>
+              <a:rPr lang="en-US" dirty="0"/>
               <a:t>XSS</a:t>
             </a:r>
-            <a:endParaRPr lang="en-US" dirty="0"/>
           </a:p>
         </p:txBody>
       </p:sp>
@@ -7196,13 +6930,6 @@
   <p:clrMapOvr>
     <a:masterClrMapping/>
   </p:clrMapOvr>
-  <p:timing>
-    <p:tnLst>
-      <p:par>
-        <p:cTn id="1" dur="indefinite" restart="never" nodeType="tmRoot"/>
-      </p:par>
-    </p:tnLst>
-  </p:timing>
 </p:sld>
 </file>
 
@@ -7239,10 +6966,9 @@
           <a:lstStyle/>
           <a:p>
             <a:r>
-              <a:rPr lang="en-US" dirty="0" smtClean="0"/>
+              <a:rPr lang="en-US" dirty="0"/>
               <a:t>User Content</a:t>
             </a:r>
-            <a:endParaRPr lang="en-US" dirty="0"/>
           </a:p>
         </p:txBody>
       </p:sp>
@@ -7269,15 +6995,15 @@
           <a:lstStyle/>
           <a:p>
             <a:r>
-              <a:rPr lang="en-US" dirty="0" smtClean="0"/>
+              <a:rPr lang="en-US" dirty="0"/>
               <a:t>Text written by user which is displayed in the HTML pages when submitted (</a:t>
             </a:r>
             <a:r>
-              <a:rPr lang="en-US" dirty="0" err="1" smtClean="0"/>
+              <a:rPr lang="en-US" dirty="0" err="1"/>
               <a:t>eg</a:t>
             </a:r>
             <a:r>
-              <a:rPr lang="en-US" dirty="0" smtClean="0"/>
+              <a:rPr lang="en-US" dirty="0"/>
               <a:t> HTML form)</a:t>
             </a:r>
           </a:p>
@@ -7285,14 +7011,10 @@
             <a:pPr lvl="1"/>
             <a:r>
               <a:rPr lang="en-US" dirty="0" err="1"/>
-              <a:t>e</a:t>
-            </a:r>
-            <a:r>
-              <a:rPr lang="en-US" dirty="0" err="1" smtClean="0"/>
-              <a:t>g</a:t>
-            </a:r>
-            <a:r>
-              <a:rPr lang="en-US" dirty="0" smtClean="0"/>
+              <a:t>eg</a:t>
+            </a:r>
+            <a:r>
+              <a:rPr lang="en-US" dirty="0"/>
               <a:t>, Chats and Discussion Forums </a:t>
             </a:r>
           </a:p>
@@ -7300,63 +7022,58 @@
             <a:pPr lvl="1"/>
             <a:r>
               <a:rPr lang="en-US" dirty="0"/>
-              <a:t>b</a:t>
-            </a:r>
-            <a:r>
-              <a:rPr lang="en-US" dirty="0" smtClean="0"/>
-              <a:t>ut also showing back the search query when doing a search</a:t>
-            </a:r>
-          </a:p>
-          <a:p>
-            <a:r>
-              <a:rPr lang="en-US" dirty="0" smtClean="0"/>
+              <a:t>but also showing back the search query when doing a search</a:t>
+            </a:r>
+          </a:p>
+          <a:p>
+            <a:r>
+              <a:rPr lang="en-US" dirty="0"/>
               <a:t>Also query parameters in URLs are a form of user input if crafted by an attacker</a:t>
             </a:r>
           </a:p>
           <a:p>
             <a:pPr lvl="1"/>
             <a:r>
-              <a:rPr lang="en-US" dirty="0" err="1" smtClean="0"/>
+              <a:rPr lang="en-US" dirty="0" err="1"/>
               <a:t>eg</a:t>
             </a:r>
             <a:r>
-              <a:rPr lang="en-US" dirty="0" smtClean="0"/>
+              <a:rPr lang="en-US" dirty="0"/>
               <a:t>, </a:t>
             </a:r>
             <a:r>
-              <a:rPr lang="en-US" i="1" dirty="0" err="1" smtClean="0"/>
+              <a:rPr lang="en-US" i="1" dirty="0" err="1"/>
               <a:t>www.foo.com?x</a:t>
             </a:r>
             <a:r>
-              <a:rPr lang="en-US" i="1" dirty="0" smtClean="0"/>
+              <a:rPr lang="en-US" i="1" dirty="0"/>
               <a:t>=10</a:t>
             </a:r>
             <a:r>
-              <a:rPr lang="en-US" dirty="0" smtClean="0"/>
+              <a:rPr lang="en-US" dirty="0"/>
               <a:t>  if then value of </a:t>
             </a:r>
             <a:r>
-              <a:rPr lang="en-US" i="1" dirty="0" smtClean="0"/>
+              <a:rPr lang="en-US" i="1" dirty="0"/>
               <a:t>x</a:t>
             </a:r>
             <a:r>
-              <a:rPr lang="en-US" dirty="0" smtClean="0"/>
+              <a:rPr lang="en-US" dirty="0"/>
               <a:t> is displayed in the HTML</a:t>
             </a:r>
           </a:p>
           <a:p>
             <a:pPr lvl="1"/>
             <a:r>
-              <a:rPr lang="en-US" dirty="0" smtClean="0"/>
+              <a:rPr lang="en-US" dirty="0"/>
               <a:t>recall, attacker can use social engineering to trick a user to click on a link</a:t>
             </a:r>
           </a:p>
           <a:p>
             <a:r>
-              <a:rPr lang="en-US" i="1" dirty="0" smtClean="0"/>
+              <a:rPr lang="en-US" i="1" dirty="0"/>
               <a:t>What is the most important rule regarding user content given as input to a system???</a:t>
             </a:r>
-            <a:endParaRPr lang="en-US" i="1" dirty="0"/>
           </a:p>
         </p:txBody>
       </p:sp>
@@ -7370,13 +7087,6 @@
   <p:clrMapOvr>
     <a:masterClrMapping/>
   </p:clrMapOvr>
-  <p:timing>
-    <p:tnLst>
-      <p:par>
-        <p:cTn id="1" dur="indefinite" restart="never" nodeType="tmRoot"/>
-      </p:par>
-    </p:tnLst>
-  </p:timing>
 </p:sld>
 </file>
 
@@ -7413,7 +7123,7 @@
           <a:lstStyle/>
           <a:p>
             <a:r>
-              <a:rPr lang="en-US" dirty="0" err="1" smtClean="0"/>
+              <a:rPr lang="en-US" dirty="0" err="1"/>
               <a:t>WebSockets</a:t>
             </a:r>
             <a:endParaRPr lang="en-US" dirty="0"/>
@@ -7536,7 +7246,7 @@
           <a:lstStyle/>
           <a:p>
             <a:r>
-              <a:rPr lang="en-US" sz="34400" b="1" dirty="0" smtClean="0"/>
+              <a:rPr lang="en-US" sz="34400" b="1" dirty="0"/>
               <a:t>NEVER</a:t>
             </a:r>
             <a:endParaRPr lang="en-US" sz="34400" dirty="0"/>
@@ -7596,7 +7306,7 @@
           <a:lstStyle/>
           <a:p>
             <a:r>
-              <a:rPr lang="en-US" sz="34400" b="1" dirty="0" smtClean="0"/>
+              <a:rPr lang="en-US" sz="34400" b="1" dirty="0"/>
               <a:t>TRUST</a:t>
             </a:r>
             <a:endParaRPr lang="en-US" sz="34400" dirty="0"/>
@@ -7656,7 +7366,7 @@
           <a:lstStyle/>
           <a:p>
             <a:r>
-              <a:rPr lang="en-US" sz="41300" b="1" dirty="0" smtClean="0"/>
+              <a:rPr lang="en-US" sz="41300" b="1" dirty="0"/>
               <a:t>USER</a:t>
             </a:r>
             <a:endParaRPr lang="en-US" sz="41300" dirty="0"/>
@@ -7716,7 +7426,7 @@
           <a:lstStyle/>
           <a:p>
             <a:r>
-              <a:rPr lang="en-US" sz="19900" b="1" dirty="0" smtClean="0"/>
+              <a:rPr lang="en-US" sz="19900" b="1" dirty="0"/>
               <a:t>INPUTS!!!</a:t>
             </a:r>
             <a:endParaRPr lang="en-US" sz="19900" dirty="0"/>
@@ -7837,10 +7547,9 @@
           <a:lstStyle/>
           <a:p>
             <a:r>
-              <a:rPr lang="en-US" dirty="0" smtClean="0"/>
+              <a:rPr lang="en-US" dirty="0"/>
               <a:t>But Why???</a:t>
             </a:r>
-            <a:endParaRPr lang="en-US" dirty="0"/>
           </a:p>
         </p:txBody>
       </p:sp>
@@ -7957,11 +7666,11 @@
           <a:lstStyle/>
           <a:p>
             <a:r>
-              <a:rPr lang="en-US" sz="3600" dirty="0" smtClean="0"/>
+              <a:rPr lang="en-US" sz="3600" dirty="0"/>
               <a:t>After Eve’s message, chat program is gone on Alice’s browser</a:t>
             </a:r>
             <a:r>
-              <a:rPr lang="mr-IN" sz="3600" dirty="0" smtClean="0"/>
+              <a:rPr lang="mr-IN" sz="3600" dirty="0"/>
               <a:t>…</a:t>
             </a:r>
             <a:endParaRPr lang="en-US" sz="3600" dirty="0"/>
@@ -8014,10 +7723,9 @@
           <a:lstStyle/>
           <a:p>
             <a:r>
-              <a:rPr lang="en-US" dirty="0" smtClean="0"/>
+              <a:rPr lang="en-US" dirty="0"/>
               <a:t>What was the problem?</a:t>
             </a:r>
-            <a:endParaRPr lang="en-US" dirty="0"/>
           </a:p>
         </p:txBody>
       </p:sp>
@@ -8094,7 +7802,7 @@
               <a:tabLst/>
             </a:pPr>
             <a:r>
-              <a:rPr kumimoji="0" lang="en-US" altLang="en-US" sz="2100" b="1" i="0" u="none" strike="noStrike" cap="none" normalizeH="0" baseline="0" dirty="0" smtClean="0">
+              <a:rPr kumimoji="0" lang="en-US" altLang="en-US" sz="2100" b="1" i="0" u="none" strike="noStrike" cap="none" normalizeH="0" baseline="0" dirty="0">
                 <a:ln>
                   <a:noFill/>
                 </a:ln>
@@ -8108,7 +7816,7 @@
               <a:t>let </a:t>
             </a:r>
             <a:r>
-              <a:rPr kumimoji="0" lang="en-US" altLang="en-US" sz="2100" b="0" i="0" u="none" strike="noStrike" cap="none" normalizeH="0" baseline="0" dirty="0" err="1" smtClean="0">
+              <a:rPr kumimoji="0" lang="en-US" altLang="en-US" sz="2100" b="0" i="0" u="none" strike="noStrike" cap="none" normalizeH="0" baseline="0" dirty="0" err="1">
                 <a:ln>
                   <a:noFill/>
                 </a:ln>
@@ -8122,7 +7830,7 @@
               <a:t>msgDiv</a:t>
             </a:r>
             <a:r>
-              <a:rPr kumimoji="0" lang="en-US" altLang="en-US" sz="2100" b="0" i="0" u="none" strike="noStrike" cap="none" normalizeH="0" baseline="0" dirty="0" smtClean="0">
+              <a:rPr kumimoji="0" lang="en-US" altLang="en-US" sz="2100" b="0" i="0" u="none" strike="noStrike" cap="none" normalizeH="0" baseline="0" dirty="0">
                 <a:ln>
                   <a:noFill/>
                 </a:ln>
@@ -8136,7 +7844,7 @@
               <a:t> = </a:t>
             </a:r>
             <a:r>
-              <a:rPr kumimoji="0" lang="en-US" altLang="en-US" sz="2100" b="0" i="0" u="none" strike="noStrike" cap="none" normalizeH="0" baseline="0" dirty="0" smtClean="0">
+              <a:rPr kumimoji="0" lang="en-US" altLang="en-US" sz="2100" b="0" i="0" u="none" strike="noStrike" cap="none" normalizeH="0" baseline="0" dirty="0">
                 <a:ln>
                   <a:noFill/>
                 </a:ln>
@@ -8150,7 +7858,7 @@
               <a:t>"&lt;div&gt;"</a:t>
             </a:r>
             <a:r>
-              <a:rPr kumimoji="0" lang="en-US" altLang="en-US" sz="2100" b="0" i="0" u="none" strike="noStrike" cap="none" normalizeH="0" baseline="0" dirty="0" smtClean="0">
+              <a:rPr kumimoji="0" lang="en-US" altLang="en-US" sz="2100" b="0" i="0" u="none" strike="noStrike" cap="none" normalizeH="0" baseline="0" dirty="0">
                 <a:ln>
                   <a:noFill/>
                 </a:ln>
@@ -8164,7 +7872,7 @@
               <a:t>;</a:t>
             </a:r>
             <a:br>
-              <a:rPr kumimoji="0" lang="en-US" altLang="en-US" sz="2100" b="0" i="0" u="none" strike="noStrike" cap="none" normalizeH="0" baseline="0" dirty="0" smtClean="0">
+              <a:rPr kumimoji="0" lang="en-US" altLang="en-US" sz="2100" b="0" i="0" u="none" strike="noStrike" cap="none" normalizeH="0" baseline="0" dirty="0">
                 <a:ln>
                   <a:noFill/>
                 </a:ln>
@@ -8176,22 +7884,8 @@
                 <a:cs typeface="Courier New" panose="02070309020205020404" pitchFamily="49" charset="0"/>
               </a:rPr>
             </a:br>
-            <a:r>
-              <a:rPr kumimoji="0" lang="en-US" altLang="en-US" sz="2100" b="0" i="0" u="none" strike="noStrike" cap="none" normalizeH="0" baseline="0" dirty="0" smtClean="0">
-                <a:ln>
-                  <a:noFill/>
-                </a:ln>
-                <a:solidFill>
-                  <a:srgbClr val="CC7832"/>
-                </a:solidFill>
-                <a:effectLst/>
-                <a:latin typeface="Courier New" panose="02070309020205020404" pitchFamily="49" charset="0"/>
-                <a:cs typeface="Courier New" panose="02070309020205020404" pitchFamily="49" charset="0"/>
-              </a:rPr>
-              <a:t/>
-            </a:r>
             <a:br>
-              <a:rPr kumimoji="0" lang="en-US" altLang="en-US" sz="2100" b="0" i="0" u="none" strike="noStrike" cap="none" normalizeH="0" baseline="0" dirty="0" smtClean="0">
+              <a:rPr kumimoji="0" lang="en-US" altLang="en-US" sz="2100" b="0" i="0" u="none" strike="noStrike" cap="none" normalizeH="0" baseline="0" dirty="0">
                 <a:ln>
                   <a:noFill/>
                 </a:ln>
@@ -8204,7 +7898,7 @@
               </a:rPr>
             </a:br>
             <a:r>
-              <a:rPr kumimoji="0" lang="en-US" altLang="en-US" sz="2100" b="1" i="0" u="none" strike="noStrike" cap="none" normalizeH="0" baseline="0" dirty="0" smtClean="0">
+              <a:rPr kumimoji="0" lang="en-US" altLang="en-US" sz="2100" b="1" i="0" u="none" strike="noStrike" cap="none" normalizeH="0" baseline="0" dirty="0">
                 <a:ln>
                   <a:noFill/>
                 </a:ln>
@@ -8218,7 +7912,7 @@
               <a:t>for</a:t>
             </a:r>
             <a:r>
-              <a:rPr kumimoji="0" lang="en-US" altLang="en-US" sz="2100" b="0" i="0" u="none" strike="noStrike" cap="none" normalizeH="0" baseline="0" dirty="0" smtClean="0">
+              <a:rPr kumimoji="0" lang="en-US" altLang="en-US" sz="2100" b="0" i="0" u="none" strike="noStrike" cap="none" normalizeH="0" baseline="0" dirty="0">
                 <a:ln>
                   <a:noFill/>
                 </a:ln>
@@ -8232,7 +7926,7 @@
               <a:t>(</a:t>
             </a:r>
             <a:r>
-              <a:rPr kumimoji="0" lang="en-US" altLang="en-US" sz="2100" b="1" i="0" u="none" strike="noStrike" cap="none" normalizeH="0" baseline="0" dirty="0" smtClean="0">
+              <a:rPr kumimoji="0" lang="en-US" altLang="en-US" sz="2100" b="1" i="0" u="none" strike="noStrike" cap="none" normalizeH="0" baseline="0" dirty="0">
                 <a:ln>
                   <a:noFill/>
                 </a:ln>
@@ -8246,7 +7940,7 @@
               <a:t>let </a:t>
             </a:r>
             <a:r>
-              <a:rPr kumimoji="0" lang="en-US" altLang="en-US" sz="2100" b="0" i="0" u="none" strike="noStrike" cap="none" normalizeH="0" baseline="0" dirty="0" err="1" smtClean="0">
+              <a:rPr kumimoji="0" lang="en-US" altLang="en-US" sz="2100" b="0" i="0" u="none" strike="noStrike" cap="none" normalizeH="0" baseline="0" dirty="0" err="1">
                 <a:ln>
                   <a:noFill/>
                 </a:ln>
@@ -8260,7 +7954,7 @@
               <a:t>i</a:t>
             </a:r>
             <a:r>
-              <a:rPr kumimoji="0" lang="en-US" altLang="en-US" sz="2100" b="0" i="0" u="none" strike="noStrike" cap="none" normalizeH="0" baseline="0" dirty="0" smtClean="0">
+              <a:rPr kumimoji="0" lang="en-US" altLang="en-US" sz="2100" b="0" i="0" u="none" strike="noStrike" cap="none" normalizeH="0" baseline="0" dirty="0">
                 <a:ln>
                   <a:noFill/>
                 </a:ln>
@@ -8274,7 +7968,7 @@
               <a:t>=</a:t>
             </a:r>
             <a:r>
-              <a:rPr kumimoji="0" lang="en-US" altLang="en-US" sz="2100" b="0" i="0" u="none" strike="noStrike" cap="none" normalizeH="0" baseline="0" dirty="0" smtClean="0">
+              <a:rPr kumimoji="0" lang="en-US" altLang="en-US" sz="2100" b="0" i="0" u="none" strike="noStrike" cap="none" normalizeH="0" baseline="0" dirty="0">
                 <a:ln>
                   <a:noFill/>
                 </a:ln>
@@ -8288,7 +7982,7 @@
               <a:t>0</a:t>
             </a:r>
             <a:r>
-              <a:rPr kumimoji="0" lang="en-US" altLang="en-US" sz="2100" b="0" i="0" u="none" strike="noStrike" cap="none" normalizeH="0" baseline="0" dirty="0" smtClean="0">
+              <a:rPr kumimoji="0" lang="en-US" altLang="en-US" sz="2100" b="0" i="0" u="none" strike="noStrike" cap="none" normalizeH="0" baseline="0" dirty="0">
                 <a:ln>
                   <a:noFill/>
                 </a:ln>
@@ -8302,7 +7996,7 @@
               <a:t>; </a:t>
             </a:r>
             <a:r>
-              <a:rPr kumimoji="0" lang="en-US" altLang="en-US" sz="2100" b="0" i="0" u="none" strike="noStrike" cap="none" normalizeH="0" baseline="0" dirty="0" err="1" smtClean="0">
+              <a:rPr kumimoji="0" lang="en-US" altLang="en-US" sz="2100" b="0" i="0" u="none" strike="noStrike" cap="none" normalizeH="0" baseline="0" dirty="0" err="1">
                 <a:ln>
                   <a:noFill/>
                 </a:ln>
@@ -8316,7 +8010,7 @@
               <a:t>i</a:t>
             </a:r>
             <a:r>
-              <a:rPr kumimoji="0" lang="en-US" altLang="en-US" sz="2100" b="0" i="0" u="none" strike="noStrike" cap="none" normalizeH="0" baseline="0" dirty="0" smtClean="0">
+              <a:rPr kumimoji="0" lang="en-US" altLang="en-US" sz="2100" b="0" i="0" u="none" strike="noStrike" cap="none" normalizeH="0" baseline="0" dirty="0">
                 <a:ln>
                   <a:noFill/>
                 </a:ln>
@@ -8330,7 +8024,7 @@
               <a:t>&lt;</a:t>
             </a:r>
             <a:r>
-              <a:rPr kumimoji="0" lang="en-US" altLang="en-US" sz="2100" b="0" i="0" u="none" strike="noStrike" cap="none" normalizeH="0" baseline="0" dirty="0" err="1" smtClean="0">
+              <a:rPr kumimoji="0" lang="en-US" altLang="en-US" sz="2100" b="0" i="0" u="none" strike="noStrike" cap="none" normalizeH="0" baseline="0" dirty="0" err="1">
                 <a:ln>
                   <a:noFill/>
                 </a:ln>
@@ -8344,7 +8038,7 @@
               <a:t>messages.</a:t>
             </a:r>
             <a:r>
-              <a:rPr kumimoji="0" lang="en-US" altLang="en-US" sz="2100" b="0" i="0" u="none" strike="noStrike" cap="none" normalizeH="0" baseline="0" dirty="0" err="1" smtClean="0">
+              <a:rPr kumimoji="0" lang="en-US" altLang="en-US" sz="2100" b="0" i="0" u="none" strike="noStrike" cap="none" normalizeH="0" baseline="0" dirty="0" err="1">
                 <a:ln>
                   <a:noFill/>
                 </a:ln>
@@ -8358,7 +8052,7 @@
               <a:t>length</a:t>
             </a:r>
             <a:r>
-              <a:rPr kumimoji="0" lang="en-US" altLang="en-US" sz="2100" b="0" i="0" u="none" strike="noStrike" cap="none" normalizeH="0" baseline="0" dirty="0" smtClean="0">
+              <a:rPr kumimoji="0" lang="en-US" altLang="en-US" sz="2100" b="0" i="0" u="none" strike="noStrike" cap="none" normalizeH="0" baseline="0" dirty="0">
                 <a:ln>
                   <a:noFill/>
                 </a:ln>
@@ -8372,7 +8066,7 @@
               <a:t>; </a:t>
             </a:r>
             <a:r>
-              <a:rPr kumimoji="0" lang="en-US" altLang="en-US" sz="2100" b="0" i="0" u="none" strike="noStrike" cap="none" normalizeH="0" baseline="0" dirty="0" err="1" smtClean="0">
+              <a:rPr kumimoji="0" lang="en-US" altLang="en-US" sz="2100" b="0" i="0" u="none" strike="noStrike" cap="none" normalizeH="0" baseline="0" dirty="0" err="1">
                 <a:ln>
                   <a:noFill/>
                 </a:ln>
@@ -8386,7 +8080,7 @@
               <a:t>i</a:t>
             </a:r>
             <a:r>
-              <a:rPr kumimoji="0" lang="en-US" altLang="en-US" sz="2100" b="0" i="0" u="none" strike="noStrike" cap="none" normalizeH="0" baseline="0" dirty="0" smtClean="0">
+              <a:rPr kumimoji="0" lang="en-US" altLang="en-US" sz="2100" b="0" i="0" u="none" strike="noStrike" cap="none" normalizeH="0" baseline="0" dirty="0">
                 <a:ln>
                   <a:noFill/>
                 </a:ln>
@@ -8400,7 +8094,7 @@
               <a:t>++){</a:t>
             </a:r>
             <a:br>
-              <a:rPr kumimoji="0" lang="en-US" altLang="en-US" sz="2100" b="0" i="0" u="none" strike="noStrike" cap="none" normalizeH="0" baseline="0" dirty="0" smtClean="0">
+              <a:rPr kumimoji="0" lang="en-US" altLang="en-US" sz="2100" b="0" i="0" u="none" strike="noStrike" cap="none" normalizeH="0" baseline="0" dirty="0">
                 <a:ln>
                   <a:noFill/>
                 </a:ln>
@@ -8413,7 +8107,7 @@
               </a:rPr>
             </a:br>
             <a:r>
-              <a:rPr kumimoji="0" lang="en-US" altLang="en-US" sz="2100" b="0" i="0" u="none" strike="noStrike" cap="none" normalizeH="0" baseline="0" dirty="0" smtClean="0">
+              <a:rPr kumimoji="0" lang="en-US" altLang="en-US" sz="2100" b="0" i="0" u="none" strike="noStrike" cap="none" normalizeH="0" baseline="0" dirty="0">
                 <a:ln>
                   <a:noFill/>
                 </a:ln>
@@ -8427,7 +8121,7 @@
               <a:t>    </a:t>
             </a:r>
             <a:r>
-              <a:rPr kumimoji="0" lang="en-US" altLang="en-US" sz="2100" b="1" i="0" u="none" strike="noStrike" cap="none" normalizeH="0" baseline="0" dirty="0" err="1" smtClean="0">
+              <a:rPr kumimoji="0" lang="en-US" altLang="en-US" sz="2100" b="1" i="0" u="none" strike="noStrike" cap="none" normalizeH="0" baseline="0" dirty="0" err="1">
                 <a:ln>
                   <a:noFill/>
                 </a:ln>
@@ -8441,7 +8135,7 @@
               <a:t>const</a:t>
             </a:r>
             <a:r>
-              <a:rPr kumimoji="0" lang="en-US" altLang="en-US" sz="2100" b="1" i="0" u="none" strike="noStrike" cap="none" normalizeH="0" baseline="0" dirty="0" smtClean="0">
+              <a:rPr kumimoji="0" lang="en-US" altLang="en-US" sz="2100" b="1" i="0" u="none" strike="noStrike" cap="none" normalizeH="0" baseline="0" dirty="0">
                 <a:ln>
                   <a:noFill/>
                 </a:ln>
@@ -8455,7 +8149,7 @@
               <a:t> </a:t>
             </a:r>
             <a:r>
-              <a:rPr kumimoji="0" lang="en-US" altLang="en-US" sz="2100" b="0" i="0" u="none" strike="noStrike" cap="none" normalizeH="0" baseline="0" dirty="0" smtClean="0">
+              <a:rPr kumimoji="0" lang="en-US" altLang="en-US" sz="2100" b="0" i="0" u="none" strike="noStrike" cap="none" normalizeH="0" baseline="0" dirty="0">
                 <a:ln>
                   <a:noFill/>
                 </a:ln>
@@ -8469,7 +8163,7 @@
               <a:t>m = messages[</a:t>
             </a:r>
             <a:r>
-              <a:rPr kumimoji="0" lang="en-US" altLang="en-US" sz="2100" b="0" i="0" u="none" strike="noStrike" cap="none" normalizeH="0" baseline="0" dirty="0" err="1" smtClean="0">
+              <a:rPr kumimoji="0" lang="en-US" altLang="en-US" sz="2100" b="0" i="0" u="none" strike="noStrike" cap="none" normalizeH="0" baseline="0" dirty="0" err="1">
                 <a:ln>
                   <a:noFill/>
                 </a:ln>
@@ -8483,7 +8177,7 @@
               <a:t>i</a:t>
             </a:r>
             <a:r>
-              <a:rPr kumimoji="0" lang="en-US" altLang="en-US" sz="2100" b="0" i="0" u="none" strike="noStrike" cap="none" normalizeH="0" baseline="0" dirty="0" smtClean="0">
+              <a:rPr kumimoji="0" lang="en-US" altLang="en-US" sz="2100" b="0" i="0" u="none" strike="noStrike" cap="none" normalizeH="0" baseline="0" dirty="0">
                 <a:ln>
                   <a:noFill/>
                 </a:ln>
@@ -8497,7 +8191,7 @@
               <a:t>]</a:t>
             </a:r>
             <a:r>
-              <a:rPr kumimoji="0" lang="en-US" altLang="en-US" sz="2100" b="0" i="0" u="none" strike="noStrike" cap="none" normalizeH="0" baseline="0" dirty="0" smtClean="0">
+              <a:rPr kumimoji="0" lang="en-US" altLang="en-US" sz="2100" b="0" i="0" u="none" strike="noStrike" cap="none" normalizeH="0" baseline="0" dirty="0">
                 <a:ln>
                   <a:noFill/>
                 </a:ln>
@@ -8511,7 +8205,7 @@
               <a:t>;</a:t>
             </a:r>
             <a:br>
-              <a:rPr kumimoji="0" lang="en-US" altLang="en-US" sz="2100" b="0" i="0" u="none" strike="noStrike" cap="none" normalizeH="0" baseline="0" dirty="0" smtClean="0">
+              <a:rPr kumimoji="0" lang="en-US" altLang="en-US" sz="2100" b="0" i="0" u="none" strike="noStrike" cap="none" normalizeH="0" baseline="0" dirty="0">
                 <a:ln>
                   <a:noFill/>
                 </a:ln>
@@ -8524,7 +8218,7 @@
               </a:rPr>
             </a:br>
             <a:r>
-              <a:rPr kumimoji="0" lang="en-US" altLang="en-US" sz="2100" b="0" i="0" u="none" strike="noStrike" cap="none" normalizeH="0" baseline="0" dirty="0" smtClean="0">
+              <a:rPr kumimoji="0" lang="en-US" altLang="en-US" sz="2100" b="0" i="0" u="none" strike="noStrike" cap="none" normalizeH="0" baseline="0" dirty="0">
                 <a:ln>
                   <a:noFill/>
                 </a:ln>
@@ -8538,7 +8232,7 @@
               <a:t>    </a:t>
             </a:r>
             <a:r>
-              <a:rPr kumimoji="0" lang="en-US" altLang="en-US" sz="2100" b="0" i="0" u="none" strike="noStrike" cap="none" normalizeH="0" baseline="0" dirty="0" smtClean="0">
+              <a:rPr kumimoji="0" lang="en-US" altLang="en-US" sz="2100" b="0" i="0" u="none" strike="noStrike" cap="none" normalizeH="0" baseline="0" dirty="0">
                 <a:ln>
                   <a:noFill/>
                 </a:ln>
@@ -8552,7 +8246,7 @@
               <a:t>//WARNING: this is exploitable by XSS!!!</a:t>
             </a:r>
             <a:br>
-              <a:rPr kumimoji="0" lang="en-US" altLang="en-US" sz="2100" b="0" i="0" u="none" strike="noStrike" cap="none" normalizeH="0" baseline="0" dirty="0" smtClean="0">
+              <a:rPr kumimoji="0" lang="en-US" altLang="en-US" sz="2100" b="0" i="0" u="none" strike="noStrike" cap="none" normalizeH="0" baseline="0" dirty="0">
                 <a:ln>
                   <a:noFill/>
                 </a:ln>
@@ -8565,7 +8259,7 @@
               </a:rPr>
             </a:br>
             <a:r>
-              <a:rPr kumimoji="0" lang="en-US" altLang="en-US" sz="2100" b="0" i="0" u="none" strike="noStrike" cap="none" normalizeH="0" baseline="0" dirty="0" smtClean="0">
+              <a:rPr kumimoji="0" lang="en-US" altLang="en-US" sz="2100" b="0" i="0" u="none" strike="noStrike" cap="none" normalizeH="0" baseline="0" dirty="0">
                 <a:ln>
                   <a:noFill/>
                 </a:ln>
@@ -8579,7 +8273,7 @@
               <a:t>    </a:t>
             </a:r>
             <a:r>
-              <a:rPr kumimoji="0" lang="en-US" altLang="en-US" sz="2100" b="0" i="0" u="none" strike="noStrike" cap="none" normalizeH="0" baseline="0" dirty="0" err="1" smtClean="0">
+              <a:rPr kumimoji="0" lang="en-US" altLang="en-US" sz="2100" b="0" i="0" u="none" strike="noStrike" cap="none" normalizeH="0" baseline="0" dirty="0" err="1">
                 <a:ln>
                   <a:noFill/>
                 </a:ln>
@@ -8593,7 +8287,7 @@
               <a:t>msgDiv</a:t>
             </a:r>
             <a:r>
-              <a:rPr kumimoji="0" lang="en-US" altLang="en-US" sz="2100" b="0" i="0" u="none" strike="noStrike" cap="none" normalizeH="0" baseline="0" dirty="0" smtClean="0">
+              <a:rPr kumimoji="0" lang="en-US" altLang="en-US" sz="2100" b="0" i="0" u="none" strike="noStrike" cap="none" normalizeH="0" baseline="0" dirty="0">
                 <a:ln>
                   <a:noFill/>
                 </a:ln>
@@ -8607,7 +8301,7 @@
               <a:t> += </a:t>
             </a:r>
             <a:r>
-              <a:rPr kumimoji="0" lang="en-US" altLang="en-US" sz="2100" b="0" i="0" u="none" strike="noStrike" cap="none" normalizeH="0" baseline="0" dirty="0" smtClean="0">
+              <a:rPr kumimoji="0" lang="en-US" altLang="en-US" sz="2100" b="0" i="0" u="none" strike="noStrike" cap="none" normalizeH="0" baseline="0" dirty="0">
                 <a:ln>
                   <a:noFill/>
                 </a:ln>
@@ -8621,7 +8315,7 @@
               <a:t>"&lt;p&gt;" </a:t>
             </a:r>
             <a:r>
-              <a:rPr kumimoji="0" lang="en-US" altLang="en-US" sz="2100" b="0" i="0" u="none" strike="noStrike" cap="none" normalizeH="0" baseline="0" dirty="0" smtClean="0">
+              <a:rPr kumimoji="0" lang="en-US" altLang="en-US" sz="2100" b="0" i="0" u="none" strike="noStrike" cap="none" normalizeH="0" baseline="0" dirty="0">
                 <a:ln>
                   <a:noFill/>
                 </a:ln>
@@ -8635,7 +8329,7 @@
               <a:t>+ </a:t>
             </a:r>
             <a:r>
-              <a:rPr kumimoji="0" lang="en-US" altLang="en-US" sz="2100" b="0" i="0" u="none" strike="noStrike" cap="none" normalizeH="0" baseline="0" dirty="0" err="1" smtClean="0">
+              <a:rPr kumimoji="0" lang="en-US" altLang="en-US" sz="2100" b="0" i="0" u="none" strike="noStrike" cap="none" normalizeH="0" baseline="0" dirty="0" err="1">
                 <a:ln>
                   <a:noFill/>
                 </a:ln>
@@ -8649,7 +8343,7 @@
               <a:t>m.</a:t>
             </a:r>
             <a:r>
-              <a:rPr kumimoji="0" lang="en-US" altLang="en-US" sz="2100" b="0" i="0" u="none" strike="noStrike" cap="none" normalizeH="0" baseline="0" dirty="0" err="1" smtClean="0">
+              <a:rPr kumimoji="0" lang="en-US" altLang="en-US" sz="2100" b="0" i="0" u="none" strike="noStrike" cap="none" normalizeH="0" baseline="0" dirty="0" err="1">
                 <a:ln>
                   <a:noFill/>
                 </a:ln>
@@ -8663,7 +8357,7 @@
               <a:t>author</a:t>
             </a:r>
             <a:r>
-              <a:rPr kumimoji="0" lang="en-US" altLang="en-US" sz="2100" b="0" i="0" u="none" strike="noStrike" cap="none" normalizeH="0" baseline="0" dirty="0" smtClean="0">
+              <a:rPr kumimoji="0" lang="en-US" altLang="en-US" sz="2100" b="0" i="0" u="none" strike="noStrike" cap="none" normalizeH="0" baseline="0" dirty="0">
                 <a:ln>
                   <a:noFill/>
                 </a:ln>
@@ -8677,7 +8371,7 @@
               <a:t> </a:t>
             </a:r>
             <a:r>
-              <a:rPr kumimoji="0" lang="en-US" altLang="en-US" sz="2100" b="0" i="0" u="none" strike="noStrike" cap="none" normalizeH="0" baseline="0" dirty="0" smtClean="0">
+              <a:rPr kumimoji="0" lang="en-US" altLang="en-US" sz="2100" b="0" i="0" u="none" strike="noStrike" cap="none" normalizeH="0" baseline="0" dirty="0">
                 <a:ln>
                   <a:noFill/>
                 </a:ln>
@@ -8691,7 +8385,7 @@
               <a:t>+ </a:t>
             </a:r>
             <a:r>
-              <a:rPr kumimoji="0" lang="en-US" altLang="en-US" sz="2100" b="0" i="0" u="none" strike="noStrike" cap="none" normalizeH="0" baseline="0" dirty="0" smtClean="0">
+              <a:rPr kumimoji="0" lang="en-US" altLang="en-US" sz="2100" b="0" i="0" u="none" strike="noStrike" cap="none" normalizeH="0" baseline="0" dirty="0">
                 <a:ln>
                   <a:noFill/>
                 </a:ln>
@@ -8705,7 +8399,7 @@
               <a:t>": " </a:t>
             </a:r>
             <a:r>
-              <a:rPr kumimoji="0" lang="en-US" altLang="en-US" sz="2100" b="0" i="0" u="none" strike="noStrike" cap="none" normalizeH="0" baseline="0" dirty="0" smtClean="0">
+              <a:rPr kumimoji="0" lang="en-US" altLang="en-US" sz="2100" b="0" i="0" u="none" strike="noStrike" cap="none" normalizeH="0" baseline="0" dirty="0">
                 <a:ln>
                   <a:noFill/>
                 </a:ln>
@@ -8719,7 +8413,7 @@
               <a:t>+ </a:t>
             </a:r>
             <a:r>
-              <a:rPr kumimoji="0" lang="en-US" altLang="en-US" sz="2100" b="0" i="0" u="none" strike="noStrike" cap="none" normalizeH="0" baseline="0" dirty="0" err="1" smtClean="0">
+              <a:rPr kumimoji="0" lang="en-US" altLang="en-US" sz="2100" b="0" i="0" u="none" strike="noStrike" cap="none" normalizeH="0" baseline="0" dirty="0" err="1">
                 <a:ln>
                   <a:noFill/>
                 </a:ln>
@@ -8733,7 +8427,7 @@
               <a:t>m.</a:t>
             </a:r>
             <a:r>
-              <a:rPr kumimoji="0" lang="en-US" altLang="en-US" sz="2100" b="0" i="0" u="none" strike="noStrike" cap="none" normalizeH="0" baseline="0" dirty="0" err="1" smtClean="0">
+              <a:rPr kumimoji="0" lang="en-US" altLang="en-US" sz="2100" b="0" i="0" u="none" strike="noStrike" cap="none" normalizeH="0" baseline="0" dirty="0" err="1">
                 <a:ln>
                   <a:noFill/>
                 </a:ln>
@@ -8747,7 +8441,7 @@
               <a:t>text</a:t>
             </a:r>
             <a:r>
-              <a:rPr kumimoji="0" lang="en-US" altLang="en-US" sz="2100" b="0" i="0" u="none" strike="noStrike" cap="none" normalizeH="0" baseline="0" dirty="0" smtClean="0">
+              <a:rPr kumimoji="0" lang="en-US" altLang="en-US" sz="2100" b="0" i="0" u="none" strike="noStrike" cap="none" normalizeH="0" baseline="0" dirty="0">
                 <a:ln>
                   <a:noFill/>
                 </a:ln>
@@ -8761,7 +8455,7 @@
               <a:t> </a:t>
             </a:r>
             <a:r>
-              <a:rPr kumimoji="0" lang="en-US" altLang="en-US" sz="2100" b="0" i="0" u="none" strike="noStrike" cap="none" normalizeH="0" baseline="0" dirty="0" smtClean="0">
+              <a:rPr kumimoji="0" lang="en-US" altLang="en-US" sz="2100" b="0" i="0" u="none" strike="noStrike" cap="none" normalizeH="0" baseline="0" dirty="0">
                 <a:ln>
                   <a:noFill/>
                 </a:ln>
@@ -8775,7 +8469,7 @@
               <a:t>+ </a:t>
             </a:r>
             <a:r>
-              <a:rPr kumimoji="0" lang="en-US" altLang="en-US" sz="2100" b="0" i="0" u="none" strike="noStrike" cap="none" normalizeH="0" baseline="0" dirty="0" smtClean="0">
+              <a:rPr kumimoji="0" lang="en-US" altLang="en-US" sz="2100" b="0" i="0" u="none" strike="noStrike" cap="none" normalizeH="0" baseline="0" dirty="0">
                 <a:ln>
                   <a:noFill/>
                 </a:ln>
@@ -8789,7 +8483,7 @@
               <a:t>"&lt;/p&gt;"</a:t>
             </a:r>
             <a:r>
-              <a:rPr kumimoji="0" lang="en-US" altLang="en-US" sz="2100" b="0" i="0" u="none" strike="noStrike" cap="none" normalizeH="0" baseline="0" dirty="0" smtClean="0">
+              <a:rPr kumimoji="0" lang="en-US" altLang="en-US" sz="2100" b="0" i="0" u="none" strike="noStrike" cap="none" normalizeH="0" baseline="0" dirty="0">
                 <a:ln>
                   <a:noFill/>
                 </a:ln>
@@ -8803,7 +8497,7 @@
               <a:t>;</a:t>
             </a:r>
             <a:br>
-              <a:rPr kumimoji="0" lang="en-US" altLang="en-US" sz="2100" b="0" i="0" u="none" strike="noStrike" cap="none" normalizeH="0" baseline="0" dirty="0" smtClean="0">
+              <a:rPr kumimoji="0" lang="en-US" altLang="en-US" sz="2100" b="0" i="0" u="none" strike="noStrike" cap="none" normalizeH="0" baseline="0" dirty="0">
                 <a:ln>
                   <a:noFill/>
                 </a:ln>
@@ -8816,7 +8510,7 @@
               </a:rPr>
             </a:br>
             <a:r>
-              <a:rPr kumimoji="0" lang="en-US" altLang="en-US" sz="2100" b="0" i="0" u="none" strike="noStrike" cap="none" normalizeH="0" baseline="0" dirty="0" smtClean="0">
+              <a:rPr kumimoji="0" lang="en-US" altLang="en-US" sz="2100" b="0" i="0" u="none" strike="noStrike" cap="none" normalizeH="0" baseline="0" dirty="0">
                 <a:ln>
                   <a:noFill/>
                 </a:ln>
@@ -8830,7 +8524,7 @@
               <a:t>}</a:t>
             </a:r>
             <a:br>
-              <a:rPr kumimoji="0" lang="en-US" altLang="en-US" sz="2100" b="0" i="0" u="none" strike="noStrike" cap="none" normalizeH="0" baseline="0" dirty="0" smtClean="0">
+              <a:rPr kumimoji="0" lang="en-US" altLang="en-US" sz="2100" b="0" i="0" u="none" strike="noStrike" cap="none" normalizeH="0" baseline="0" dirty="0">
                 <a:ln>
                   <a:noFill/>
                 </a:ln>
@@ -8843,7 +8537,7 @@
               </a:rPr>
             </a:br>
             <a:r>
-              <a:rPr kumimoji="0" lang="en-US" altLang="en-US" sz="2100" b="0" i="0" u="none" strike="noStrike" cap="none" normalizeH="0" baseline="0" dirty="0" err="1" smtClean="0">
+              <a:rPr kumimoji="0" lang="en-US" altLang="en-US" sz="2100" b="0" i="0" u="none" strike="noStrike" cap="none" normalizeH="0" baseline="0" dirty="0" err="1">
                 <a:ln>
                   <a:noFill/>
                 </a:ln>
@@ -8857,7 +8551,7 @@
               <a:t>msgDiv</a:t>
             </a:r>
             <a:r>
-              <a:rPr kumimoji="0" lang="en-US" altLang="en-US" sz="2100" b="0" i="0" u="none" strike="noStrike" cap="none" normalizeH="0" baseline="0" dirty="0" smtClean="0">
+              <a:rPr kumimoji="0" lang="en-US" altLang="en-US" sz="2100" b="0" i="0" u="none" strike="noStrike" cap="none" normalizeH="0" baseline="0" dirty="0">
                 <a:ln>
                   <a:noFill/>
                 </a:ln>
@@ -8871,7 +8565,7 @@
               <a:t> += </a:t>
             </a:r>
             <a:r>
-              <a:rPr kumimoji="0" lang="en-US" altLang="en-US" sz="2100" b="0" i="0" u="none" strike="noStrike" cap="none" normalizeH="0" baseline="0" dirty="0" smtClean="0">
+              <a:rPr kumimoji="0" lang="en-US" altLang="en-US" sz="2100" b="0" i="0" u="none" strike="noStrike" cap="none" normalizeH="0" baseline="0" dirty="0">
                 <a:ln>
                   <a:noFill/>
                 </a:ln>
@@ -8885,7 +8579,7 @@
               <a:t>"&lt;/div&gt;"</a:t>
             </a:r>
             <a:r>
-              <a:rPr kumimoji="0" lang="en-US" altLang="en-US" sz="2100" b="0" i="0" u="none" strike="noStrike" cap="none" normalizeH="0" baseline="0" dirty="0" smtClean="0">
+              <a:rPr kumimoji="0" lang="en-US" altLang="en-US" sz="2100" b="0" i="0" u="none" strike="noStrike" cap="none" normalizeH="0" baseline="0" dirty="0">
                 <a:ln>
                   <a:noFill/>
                 </a:ln>
@@ -8898,7 +8592,7 @@
               </a:rPr>
               <a:t>;</a:t>
             </a:r>
-            <a:endParaRPr kumimoji="0" lang="en-US" altLang="en-US" sz="1800" b="0" i="0" u="none" strike="noStrike" cap="none" normalizeH="0" baseline="0" dirty="0" smtClean="0">
+            <a:endParaRPr kumimoji="0" lang="en-US" altLang="en-US" sz="1800" b="0" i="0" u="none" strike="noStrike" cap="none" normalizeH="0" baseline="0" dirty="0">
               <a:ln>
                 <a:noFill/>
               </a:ln>
@@ -8957,10 +8651,9 @@
           <a:lstStyle/>
           <a:p>
             <a:r>
-              <a:rPr lang="en-US" dirty="0" smtClean="0"/>
+              <a:rPr lang="en-US" dirty="0"/>
               <a:t>And the message sent was…</a:t>
             </a:r>
-            <a:endParaRPr lang="en-US" dirty="0"/>
           </a:p>
         </p:txBody>
       </p:sp>
@@ -9159,10 +8852,9 @@
           <a:lstStyle/>
           <a:p>
             <a:r>
-              <a:rPr lang="en-US" dirty="0" smtClean="0"/>
+              <a:rPr lang="en-US" dirty="0"/>
               <a:t>Chat Application</a:t>
             </a:r>
-            <a:endParaRPr lang="en-US" dirty="0"/>
           </a:p>
         </p:txBody>
       </p:sp>
@@ -9187,16 +8879,15 @@
           <a:lstStyle/>
           <a:p>
             <a:r>
-              <a:rPr lang="en-US" dirty="0" smtClean="0"/>
+              <a:rPr lang="en-US" dirty="0"/>
               <a:t>How would you implement a chat app in a browser?</a:t>
             </a:r>
           </a:p>
           <a:p>
             <a:r>
-              <a:rPr lang="en-US" dirty="0" smtClean="0"/>
+              <a:rPr lang="en-US" dirty="0"/>
               <a:t>It is not as simple as it sounds…</a:t>
             </a:r>
-            <a:endParaRPr lang="en-US" dirty="0"/>
           </a:p>
         </p:txBody>
       </p:sp>
@@ -9270,10 +8961,9 @@
           <a:lstStyle/>
           <a:p>
             <a:r>
-              <a:rPr lang="en-US" dirty="0" smtClean="0"/>
+              <a:rPr lang="en-US" dirty="0"/>
               <a:t>String Concatenation</a:t>
             </a:r>
-            <a:endParaRPr lang="en-US" dirty="0"/>
           </a:p>
         </p:txBody>
       </p:sp>
@@ -9300,7 +8990,7 @@
           <a:lstStyle/>
           <a:p>
             <a:r>
-              <a:rPr lang="en-US" b="1" dirty="0" err="1" smtClean="0">
+              <a:rPr lang="en-US" b="1" dirty="0" err="1">
                 <a:solidFill>
                   <a:srgbClr val="000080"/>
                 </a:solidFill>
@@ -9308,7 +8998,7 @@
               <a:t>msgDiv</a:t>
             </a:r>
             <a:r>
-              <a:rPr lang="en-US" dirty="0" smtClean="0">
+              <a:rPr lang="en-US" dirty="0">
                 <a:solidFill>
                   <a:srgbClr val="458383"/>
                 </a:solidFill>
@@ -9316,7 +9006,7 @@
               <a:t> </a:t>
             </a:r>
             <a:r>
-              <a:rPr lang="en-US" dirty="0" smtClean="0"/>
+              <a:rPr lang="en-US" dirty="0"/>
               <a:t>+= </a:t>
             </a:r>
             <a:r>
@@ -9397,32 +9087,24 @@
                   <a:srgbClr val="658ABA"/>
                 </a:solidFill>
               </a:rPr>
-              <a:t>"&lt;/p</a:t>
-            </a:r>
-            <a:r>
-              <a:rPr lang="en-US" b="1" dirty="0" smtClean="0">
-                <a:solidFill>
-                  <a:srgbClr val="658ABA"/>
-                </a:solidFill>
-              </a:rPr>
-              <a:t>&gt;"</a:t>
-            </a:r>
-            <a:r>
-              <a:rPr lang="en-US" dirty="0" smtClean="0"/>
+              <a:t>"&lt;/p&gt;"</a:t>
+            </a:r>
+            <a:r>
+              <a:rPr lang="en-US" dirty="0"/>
               <a:t>;</a:t>
             </a:r>
           </a:p>
           <a:p>
             <a:r>
-              <a:rPr lang="en-US" dirty="0" smtClean="0"/>
+              <a:rPr lang="en-US" dirty="0"/>
               <a:t>Should </a:t>
             </a:r>
             <a:r>
-              <a:rPr lang="en-US" b="1" dirty="0" smtClean="0"/>
+              <a:rPr lang="en-US" b="1" dirty="0"/>
               <a:t>NEVER</a:t>
             </a:r>
             <a:r>
-              <a:rPr lang="en-US" dirty="0" smtClean="0"/>
+              <a:rPr lang="en-US" dirty="0"/>
               <a:t> concatenate strings directly to generate HTML when such data comes from user</a:t>
             </a:r>
           </a:p>
@@ -9430,65 +9112,53 @@
             <a:pPr lvl="1"/>
             <a:r>
               <a:rPr lang="en-US" dirty="0" err="1"/>
-              <a:t>i</a:t>
-            </a:r>
-            <a:r>
-              <a:rPr lang="en-US" dirty="0" err="1" smtClean="0"/>
-              <a:t>e</a:t>
-            </a:r>
-            <a:r>
-              <a:rPr lang="en-US" dirty="0" smtClean="0"/>
+              <a:t>ie</a:t>
+            </a:r>
+            <a:r>
+              <a:rPr lang="en-US" dirty="0"/>
               <a:t>, that is a very, very bad example of handling user inputs</a:t>
             </a:r>
           </a:p>
           <a:p>
             <a:r>
-              <a:rPr lang="en-US" dirty="0" smtClean="0"/>
+              <a:rPr lang="en-US" dirty="0"/>
               <a:t>If data is not escaped, could have HTML &lt;tags&gt; that are interpreted by browser as HTML commands</a:t>
             </a:r>
           </a:p>
           <a:p>
             <a:r>
-              <a:rPr lang="en-US" dirty="0" smtClean="0"/>
+              <a:rPr lang="en-US" dirty="0"/>
               <a:t>Could execute JavaScript!!! And so do whatever you want on a page</a:t>
             </a:r>
           </a:p>
           <a:p>
             <a:r>
-              <a:rPr lang="en-US" dirty="0" err="1" smtClean="0"/>
+              <a:rPr lang="en-US" dirty="0" err="1"/>
               <a:t>Eg</a:t>
             </a:r>
             <a:r>
-              <a:rPr lang="en-US" dirty="0" smtClean="0"/>
+              <a:rPr lang="en-US" dirty="0"/>
               <a:t>., </a:t>
             </a:r>
             <a:r>
-              <a:rPr lang="en-US" i="1" dirty="0" err="1" smtClean="0"/>
+              <a:rPr lang="en-US" i="1" dirty="0" err="1"/>
               <a:t>dto.text</a:t>
             </a:r>
             <a:r>
-              <a:rPr lang="en-US" i="1" dirty="0" smtClean="0"/>
+              <a:rPr lang="en-US" i="1" dirty="0"/>
               <a:t> = “&lt;script&gt;</a:t>
             </a:r>
             <a:r>
-              <a:rPr lang="mr-IN" i="1" dirty="0" smtClean="0"/>
+              <a:rPr lang="mr-IN" i="1" dirty="0"/>
               <a:t>…</a:t>
             </a:r>
             <a:r>
-              <a:rPr lang="en-US" i="1" dirty="0" smtClean="0"/>
+              <a:rPr lang="en-US" i="1" dirty="0"/>
               <a:t>&lt;/script&gt;”</a:t>
-            </a:r>
-            <a:r>
-              <a:rPr lang="en-US" i="1" dirty="0"/>
-              <a:t/>
             </a:r>
             <a:br>
               <a:rPr lang="en-US" i="1" dirty="0"/>
             </a:br>
-            <a:r>
-              <a:rPr lang="en-US" dirty="0"/>
-              <a:t/>
-            </a:r>
             <a:br>
               <a:rPr lang="en-US" dirty="0"/>
             </a:br>
@@ -9545,13 +9215,8 @@
           <a:p>
             <a:r>
               <a:rPr lang="en-US" dirty="0"/>
-              <a:t>Cross-site Scripting (XSS</a:t>
-            </a:r>
-            <a:r>
-              <a:rPr lang="en-US" dirty="0" smtClean="0"/>
-              <a:t>)</a:t>
-            </a:r>
-            <a:endParaRPr lang="en-US" dirty="0"/>
+              <a:t>Cross-site Scripting (XSS)</a:t>
+            </a:r>
           </a:p>
         </p:txBody>
       </p:sp>
@@ -9578,19 +9243,19 @@
           <a:lstStyle/>
           <a:p>
             <a:r>
-              <a:rPr lang="en-US" dirty="0" smtClean="0"/>
+              <a:rPr lang="en-US" dirty="0"/>
               <a:t>Type of attack in which malicious JavaScript is injected into a web page</a:t>
             </a:r>
           </a:p>
           <a:p>
             <a:r>
-              <a:rPr lang="en-US" dirty="0" smtClean="0"/>
+              <a:rPr lang="en-US" dirty="0"/>
               <a:t>One of the most common type of security vulnerability on the web</a:t>
             </a:r>
           </a:p>
           <a:p>
             <a:r>
-              <a:rPr lang="en-US" dirty="0" smtClean="0"/>
+              <a:rPr lang="en-US" dirty="0"/>
               <a:t>Typically exploiting lack of escaping/sanitization of user inputs when generating HTML dynamically (both client and server side)</a:t>
             </a:r>
           </a:p>
@@ -9601,7 +9266,7 @@
             </a:r>
           </a:p>
           <a:p>
-            <a:endParaRPr lang="en-US" dirty="0" smtClean="0"/>
+            <a:endParaRPr lang="en-US" dirty="0"/>
           </a:p>
           <a:p>
             <a:endParaRPr lang="en-US" dirty="0"/>
@@ -9654,10 +9319,9 @@
           <a:lstStyle/>
           <a:p>
             <a:r>
-              <a:rPr lang="en-US" dirty="0" smtClean="0"/>
+              <a:rPr lang="en-US" dirty="0"/>
               <a:t>Browser Security</a:t>
             </a:r>
-            <a:endParaRPr lang="en-US" dirty="0"/>
           </a:p>
         </p:txBody>
       </p:sp>
@@ -9682,48 +9346,48 @@
           <a:lstStyle/>
           <a:p>
             <a:r>
-              <a:rPr lang="en-US" dirty="0" smtClean="0"/>
+              <a:rPr lang="en-US" dirty="0"/>
               <a:t>Most browsers will not execute any </a:t>
             </a:r>
             <a:r>
-              <a:rPr lang="en-US" i="1" dirty="0" smtClean="0"/>
+              <a:rPr lang="en-US" i="1" dirty="0"/>
               <a:t>&lt;script&gt; </a:t>
             </a:r>
             <a:r>
-              <a:rPr lang="en-US" dirty="0" smtClean="0"/>
+              <a:rPr lang="en-US" dirty="0"/>
               <a:t>block that has been dynamically added to the page</a:t>
             </a:r>
           </a:p>
           <a:p>
             <a:pPr lvl="1"/>
             <a:r>
-              <a:rPr lang="en-US" dirty="0" err="1" smtClean="0"/>
+              <a:rPr lang="en-US" dirty="0" err="1"/>
               <a:t>eg</a:t>
             </a:r>
             <a:r>
-              <a:rPr lang="en-US" dirty="0" smtClean="0"/>
+              <a:rPr lang="en-US" dirty="0"/>
               <a:t>, when changing the HTML by altering “</a:t>
             </a:r>
             <a:r>
-              <a:rPr lang="en-US" i="1" dirty="0" err="1" smtClean="0"/>
+              <a:rPr lang="en-US" i="1" dirty="0" err="1"/>
               <a:t>innerHTML</a:t>
             </a:r>
             <a:r>
-              <a:rPr lang="en-US" dirty="0" smtClean="0"/>
+              <a:rPr lang="en-US" dirty="0"/>
               <a:t>”</a:t>
             </a:r>
           </a:p>
           <a:p>
             <a:r>
-              <a:rPr lang="en-US" dirty="0" smtClean="0"/>
+              <a:rPr lang="en-US" dirty="0"/>
               <a:t>But that is simply futile</a:t>
             </a:r>
             <a:r>
-              <a:rPr lang="mr-IN" dirty="0" smtClean="0"/>
+              <a:rPr lang="mr-IN" dirty="0"/>
               <a:t>…</a:t>
             </a:r>
             <a:r>
-              <a:rPr lang="en-US" dirty="0" smtClean="0"/>
+              <a:rPr lang="en-US" dirty="0"/>
               <a:t> because you can still create HTML tags with JS handlers that are executed immediately</a:t>
             </a:r>
           </a:p>
@@ -9745,42 +9409,41 @@
               <a:t>src</a:t>
             </a:r>
             <a:r>
-              <a:rPr lang="en-US" i="1" dirty="0" smtClean="0"/>
+              <a:rPr lang="en-US" i="1" dirty="0"/>
               <a:t>=’</a:t>
             </a:r>
             <a:r>
-              <a:rPr lang="en-US" i="1" dirty="0" err="1" smtClean="0"/>
+              <a:rPr lang="en-US" i="1" dirty="0" err="1"/>
               <a:t>aURLthatNotExist</a:t>
             </a:r>
             <a:r>
-              <a:rPr lang="en-US" i="1" dirty="0" smtClean="0"/>
+              <a:rPr lang="en-US" i="1" dirty="0"/>
               <a:t>'  </a:t>
             </a:r>
             <a:r>
-              <a:rPr lang="en-US" b="1" i="1" dirty="0" err="1" smtClean="0"/>
+              <a:rPr lang="en-US" b="1" i="1" dirty="0" err="1"/>
               <a:t>onerror</a:t>
             </a:r>
             <a:r>
-              <a:rPr lang="en-US" i="1" dirty="0" smtClean="0"/>
+              <a:rPr lang="en-US" i="1" dirty="0"/>
               <a:t>=“</a:t>
             </a:r>
             <a:r>
-              <a:rPr lang="mr-IN" i="1" dirty="0" smtClean="0"/>
+              <a:rPr lang="mr-IN" i="1" dirty="0"/>
               <a:t>…</a:t>
             </a:r>
             <a:r>
-              <a:rPr lang="en-US" i="1" dirty="0" smtClean="0"/>
+              <a:rPr lang="en-US" i="1" dirty="0"/>
               <a:t> JS here</a:t>
             </a:r>
             <a:r>
-              <a:rPr lang="mr-IN" i="1" dirty="0" smtClean="0"/>
+              <a:rPr lang="mr-IN" i="1" dirty="0"/>
               <a:t>…</a:t>
             </a:r>
             <a:r>
-              <a:rPr lang="en-US" i="1" dirty="0" smtClean="0"/>
+              <a:rPr lang="en-US" i="1" dirty="0"/>
               <a:t>”&gt; </a:t>
             </a:r>
-            <a:endParaRPr lang="en-US" i="1" dirty="0"/>
           </a:p>
         </p:txBody>
       </p:sp>
@@ -9830,10 +9493,9 @@
           <a:lstStyle/>
           <a:p>
             <a:r>
-              <a:rPr lang="en-US" dirty="0" smtClean="0"/>
+              <a:rPr lang="en-US" dirty="0"/>
               <a:t>What To Do?</a:t>
             </a:r>
-            <a:endParaRPr lang="en-US" dirty="0"/>
           </a:p>
         </p:txBody>
       </p:sp>
@@ -9858,34 +9520,34 @@
           <a:lstStyle/>
           <a:p>
             <a:r>
-              <a:rPr lang="en-US" dirty="0" smtClean="0"/>
+              <a:rPr lang="en-US" dirty="0"/>
               <a:t>When dealing with user inputs, always need to escape/sanitize them before use</a:t>
             </a:r>
           </a:p>
           <a:p>
             <a:r>
-              <a:rPr lang="en-US" dirty="0" smtClean="0"/>
+              <a:rPr lang="en-US" dirty="0"/>
               <a:t>This applies both client-side (JS) and server-side (Java, PHP, C#, etc.)</a:t>
             </a:r>
           </a:p>
           <a:p>
             <a:r>
-              <a:rPr lang="en-US" dirty="0" smtClean="0"/>
+              <a:rPr lang="en-US" dirty="0"/>
               <a:t>There are many edge cases, so must use an </a:t>
             </a:r>
             <a:r>
-              <a:rPr lang="en-US" i="1" dirty="0" smtClean="0"/>
+              <a:rPr lang="en-US" i="1" dirty="0"/>
               <a:t>existing</a:t>
             </a:r>
             <a:r>
-              <a:rPr lang="en-US" dirty="0" smtClean="0"/>
+              <a:rPr lang="en-US" dirty="0"/>
               <a:t> library to sanitize the inputs</a:t>
             </a:r>
           </a:p>
           <a:p>
             <a:pPr lvl="1"/>
             <a:r>
-              <a:rPr lang="en-US" dirty="0" smtClean="0"/>
+              <a:rPr lang="en-US" dirty="0"/>
               <a:t>This will depend on the programming language and framework</a:t>
             </a:r>
           </a:p>
@@ -9893,13 +9555,8 @@
             <a:pPr lvl="1"/>
             <a:r>
               <a:rPr lang="en-US" dirty="0"/>
-              <a:t>Do NOT write your own escape/sanitize </a:t>
-            </a:r>
-            <a:r>
-              <a:rPr lang="en-US" dirty="0" smtClean="0"/>
-              <a:t>functions</a:t>
-            </a:r>
-            <a:endParaRPr lang="en-US" dirty="0"/>
+              <a:t>Do NOT write your own escape/sanitize functions</a:t>
+            </a:r>
           </a:p>
           <a:p>
             <a:pPr lvl="1"/>
@@ -9953,10 +9610,9 @@
           <a:lstStyle/>
           <a:p>
             <a:r>
-              <a:rPr lang="en-US" dirty="0" smtClean="0"/>
+              <a:rPr lang="en-US" dirty="0"/>
               <a:t>XSS and React</a:t>
             </a:r>
-            <a:endParaRPr lang="en-US" dirty="0"/>
           </a:p>
         </p:txBody>
       </p:sp>
@@ -10006,10 +9662,9 @@
           <a:lstStyle/>
           <a:p>
             <a:r>
-              <a:rPr lang="en-US" dirty="0" smtClean="0"/>
+              <a:rPr lang="en-US" dirty="0"/>
               <a:t>React Sanitization</a:t>
             </a:r>
-            <a:endParaRPr lang="en-US" dirty="0"/>
           </a:p>
         </p:txBody>
       </p:sp>
@@ -10036,114 +9691,97 @@
           <a:lstStyle/>
           <a:p>
             <a:r>
-              <a:rPr lang="en-US" dirty="0" smtClean="0"/>
+              <a:rPr lang="en-US" dirty="0"/>
               <a:t>XSS is such a huge problem that many libraries/frameworks for HTML DOM manipulation do some form of input sanitization by default</a:t>
             </a:r>
           </a:p>
           <a:p>
             <a:r>
-              <a:rPr lang="en-US" dirty="0" smtClean="0"/>
+              <a:rPr lang="en-US" dirty="0"/>
               <a:t>E.g., consider in JSX:  </a:t>
+            </a:r>
+            <a:r>
+              <a:rPr lang="en-US" b="1" dirty="0"/>
+              <a:t>&lt;p&gt;Your text: {</a:t>
+            </a:r>
+            <a:r>
+              <a:rPr lang="en-US" b="1" dirty="0" err="1"/>
+              <a:t>this.state.userInput</a:t>
+            </a:r>
+            <a:r>
+              <a:rPr lang="en-US" b="1" dirty="0"/>
+              <a:t>}&lt;/p&gt;</a:t>
+            </a:r>
+          </a:p>
+          <a:p>
+            <a:r>
+              <a:rPr lang="en-US" dirty="0"/>
+              <a:t>… and the </a:t>
+            </a:r>
+            <a:r>
+              <a:rPr lang="en-US" b="1" dirty="0" err="1"/>
+              <a:t>userInput</a:t>
+            </a:r>
+            <a:r>
+              <a:rPr lang="en-US" dirty="0"/>
+              <a:t> is </a:t>
+            </a:r>
+            <a:r>
+              <a:rPr lang="en-US" b="1" dirty="0"/>
+              <a:t>&lt;a&gt;</a:t>
+            </a:r>
+          </a:p>
+          <a:p>
+            <a:r>
+              <a:rPr lang="en-US" dirty="0"/>
+              <a:t>… then, React will </a:t>
+            </a:r>
+            <a:r>
+              <a:rPr lang="en-US" i="1" dirty="0"/>
+              <a:t>automatically</a:t>
+            </a:r>
+            <a:r>
+              <a:rPr lang="en-US" dirty="0"/>
+              <a:t> change it into </a:t>
+            </a:r>
+            <a:r>
+              <a:rPr lang="en-US" b="1" dirty="0"/>
+              <a:t>&amp;</a:t>
+            </a:r>
+            <a:r>
+              <a:rPr lang="en-US" b="1" dirty="0" err="1"/>
+              <a:t>lt;a&amp;gt</a:t>
+            </a:r>
+            <a:r>
+              <a:rPr lang="en-US" b="1" dirty="0"/>
+              <a:t>;</a:t>
+            </a:r>
+            <a:r>
+              <a:rPr lang="en-US" dirty="0"/>
+              <a:t> when rendering the HTML</a:t>
+            </a:r>
+          </a:p>
+          <a:p>
+            <a:r>
+              <a:rPr lang="en-US" dirty="0"/>
+              <a:t>So, any </a:t>
             </a:r>
             <a:r>
               <a:rPr lang="en-US" b="1" dirty="0"/>
               <a:t>&lt;</a:t>
             </a:r>
             <a:r>
-              <a:rPr lang="en-US" b="1" dirty="0" smtClean="0"/>
-              <a:t>p&gt;Your </a:t>
+              <a:rPr lang="en-US" dirty="0"/>
+              <a:t> or </a:t>
             </a:r>
             <a:r>
               <a:rPr lang="en-US" b="1" dirty="0"/>
-              <a:t>text: {</a:t>
-            </a:r>
-            <a:r>
-              <a:rPr lang="en-US" b="1" dirty="0" err="1" smtClean="0"/>
-              <a:t>this.state.userInput</a:t>
-            </a:r>
-            <a:r>
-              <a:rPr lang="en-US" b="1" dirty="0" smtClean="0"/>
-              <a:t>}&lt;/</a:t>
-            </a:r>
-            <a:r>
-              <a:rPr lang="en-US" b="1" dirty="0"/>
-              <a:t>p</a:t>
-            </a:r>
-            <a:r>
-              <a:rPr lang="en-US" b="1" dirty="0" smtClean="0"/>
               <a:t>&gt;</a:t>
             </a:r>
-          </a:p>
-          <a:p>
-            <a:r>
-              <a:rPr lang="en-US" dirty="0" smtClean="0"/>
-              <a:t>… and the </a:t>
-            </a:r>
-            <a:r>
-              <a:rPr lang="en-US" b="1" dirty="0" err="1" smtClean="0"/>
-              <a:t>userInput</a:t>
-            </a:r>
-            <a:r>
-              <a:rPr lang="en-US" dirty="0" smtClean="0"/>
-              <a:t> is </a:t>
-            </a:r>
-            <a:r>
-              <a:rPr lang="en-US" b="1" dirty="0" smtClean="0"/>
-              <a:t>&lt;a&gt;</a:t>
-            </a:r>
-          </a:p>
-          <a:p>
-            <a:r>
-              <a:rPr lang="en-US" dirty="0" smtClean="0"/>
-              <a:t>… then, React will </a:t>
-            </a:r>
-            <a:r>
-              <a:rPr lang="en-US" i="1" dirty="0" smtClean="0"/>
-              <a:t>automatically</a:t>
-            </a:r>
-            <a:r>
-              <a:rPr lang="en-US" dirty="0" smtClean="0"/>
-              <a:t> change it into </a:t>
-            </a:r>
-            <a:r>
-              <a:rPr lang="en-US" b="1" dirty="0" smtClean="0"/>
-              <a:t>&amp;</a:t>
-            </a:r>
-            <a:r>
-              <a:rPr lang="en-US" b="1" dirty="0" err="1" smtClean="0"/>
-              <a:t>lt;a&amp;gt</a:t>
-            </a:r>
-            <a:r>
-              <a:rPr lang="en-US" b="1" dirty="0" smtClean="0"/>
-              <a:t>;</a:t>
-            </a:r>
-            <a:r>
-              <a:rPr lang="en-US" dirty="0" smtClean="0"/>
-              <a:t> when rendering the HTML</a:t>
-            </a:r>
-          </a:p>
-          <a:p>
-            <a:r>
-              <a:rPr lang="en-US" dirty="0" smtClean="0"/>
-              <a:t>So, any </a:t>
-            </a:r>
-            <a:r>
-              <a:rPr lang="en-US" b="1" dirty="0" smtClean="0"/>
-              <a:t>&lt;</a:t>
-            </a:r>
-            <a:r>
-              <a:rPr lang="en-US" dirty="0" smtClean="0"/>
-              <a:t> or </a:t>
-            </a:r>
-            <a:r>
-              <a:rPr lang="en-US" b="1" dirty="0" smtClean="0"/>
-              <a:t>&gt;</a:t>
-            </a:r>
-            <a:r>
-              <a:rPr lang="en-US" dirty="0" smtClean="0"/>
+            <a:r>
+              <a:rPr lang="en-US" dirty="0"/>
               <a:t> in the value will not be interpreted as an HTML tag</a:t>
             </a:r>
-            <a:endParaRPr lang="en-US" dirty="0"/>
           </a:p>
         </p:txBody>
       </p:sp>
@@ -10257,26 +9895,25 @@
               <a:buNone/>
             </a:pPr>
             <a:r>
-              <a:rPr lang="en-US" dirty="0" smtClean="0"/>
+              <a:rPr lang="en-US" dirty="0"/>
               <a:t>Note: CDT does not show you </a:t>
             </a:r>
             <a:r>
-              <a:rPr lang="en-US" i="1" dirty="0" smtClean="0"/>
+              <a:rPr lang="en-US" i="1" dirty="0"/>
               <a:t>raw</a:t>
             </a:r>
             <a:r>
-              <a:rPr lang="en-US" dirty="0" smtClean="0"/>
+              <a:rPr lang="en-US" dirty="0"/>
               <a:t> HTML by default, but you can see it by clicking for example “</a:t>
             </a:r>
             <a:r>
-              <a:rPr lang="en-US" i="1" dirty="0" smtClean="0"/>
+              <a:rPr lang="en-US" i="1" dirty="0"/>
               <a:t>Edit as HTML</a:t>
             </a:r>
             <a:r>
-              <a:rPr lang="en-US" dirty="0" smtClean="0"/>
+              <a:rPr lang="en-US" dirty="0"/>
               <a:t>”</a:t>
             </a:r>
-            <a:endParaRPr lang="en-US" dirty="0"/>
           </a:p>
         </p:txBody>
       </p:sp>
@@ -10352,10 +9989,9 @@
           <a:lstStyle/>
           <a:p>
             <a:r>
-              <a:rPr lang="en-US" dirty="0" smtClean="0"/>
+              <a:rPr lang="en-US" dirty="0"/>
               <a:t>So, are you safe from XSS when using React???</a:t>
             </a:r>
-            <a:endParaRPr lang="en-US" dirty="0"/>
           </a:p>
         </p:txBody>
       </p:sp>
@@ -10385,10 +10021,9 @@
               <a:buNone/>
             </a:pPr>
             <a:r>
-              <a:rPr lang="en-US" sz="23900" dirty="0" smtClean="0"/>
+              <a:rPr lang="en-US" sz="23900" dirty="0"/>
               <a:t>NO!!!</a:t>
             </a:r>
-            <a:endParaRPr lang="en-US" sz="23900" dirty="0"/>
           </a:p>
         </p:txBody>
       </p:sp>
@@ -10448,10 +10083,9 @@
               <a:buNone/>
             </a:pPr>
             <a:r>
-              <a:rPr lang="en-US" sz="34400" dirty="0" smtClean="0"/>
+              <a:rPr lang="en-US" sz="34400" dirty="0"/>
               <a:t>NO!!!</a:t>
             </a:r>
-            <a:endParaRPr lang="en-US" sz="34400" dirty="0"/>
           </a:p>
         </p:txBody>
       </p:sp>
@@ -10508,10 +10142,9 @@
           <a:lstStyle/>
           <a:p>
             <a:r>
-              <a:rPr lang="en-US" dirty="0" smtClean="0"/>
+              <a:rPr lang="en-US" dirty="0"/>
               <a:t>Option 1: Server-Side Templates</a:t>
             </a:r>
-            <a:endParaRPr lang="en-US" dirty="0"/>
           </a:p>
         </p:txBody>
       </p:sp>
@@ -10536,47 +10169,46 @@
           <a:lstStyle/>
           <a:p>
             <a:r>
-              <a:rPr lang="en-US" dirty="0" smtClean="0"/>
+              <a:rPr lang="en-US" dirty="0"/>
               <a:t>GET HTML page with current messages </a:t>
             </a:r>
           </a:p>
           <a:p>
             <a:r>
-              <a:rPr lang="en-US" dirty="0" smtClean="0"/>
+              <a:rPr lang="en-US" dirty="0"/>
               <a:t>Create new message with a POST form submission, returning the updated HTML page</a:t>
             </a:r>
           </a:p>
           <a:p>
             <a:r>
-              <a:rPr lang="en-US" i="1" dirty="0" smtClean="0"/>
+              <a:rPr lang="en-US" i="1" dirty="0"/>
               <a:t>Issue 0</a:t>
             </a:r>
             <a:r>
-              <a:rPr lang="en-US" dirty="0" smtClean="0"/>
+              <a:rPr lang="en-US" dirty="0"/>
               <a:t>: download all messages even if only 1 new is created</a:t>
             </a:r>
           </a:p>
           <a:p>
             <a:r>
-              <a:rPr lang="en-US" i="1" dirty="0" smtClean="0"/>
+              <a:rPr lang="en-US" i="1" dirty="0"/>
               <a:t>Issue 1</a:t>
             </a:r>
             <a:r>
-              <a:rPr lang="en-US" dirty="0" smtClean="0"/>
+              <a:rPr lang="en-US" dirty="0"/>
               <a:t>: current user will not see the new messages of other users until s/he interacts with the app</a:t>
             </a:r>
           </a:p>
           <a:p>
             <a:pPr lvl="1"/>
             <a:r>
-              <a:rPr lang="en-US" dirty="0" err="1" smtClean="0"/>
+              <a:rPr lang="en-US" dirty="0" err="1"/>
               <a:t>eg</a:t>
             </a:r>
             <a:r>
-              <a:rPr lang="en-US" dirty="0" smtClean="0"/>
+              <a:rPr lang="en-US" dirty="0"/>
               <a:t>, reload page or post new message</a:t>
             </a:r>
-            <a:endParaRPr lang="en-US" dirty="0"/>
           </a:p>
         </p:txBody>
       </p:sp>
@@ -10654,73 +10286,65 @@
           <a:lstStyle/>
           <a:p>
             <a:r>
-              <a:rPr lang="en-US" dirty="0" smtClean="0"/>
-              <a:t>React components have an attribute </a:t>
-            </a:r>
-            <a:r>
-              <a:rPr lang="en-US" dirty="0"/>
-              <a:t>called </a:t>
-            </a:r>
-            <a:r>
-              <a:rPr lang="en-US" b="1" dirty="0" err="1" smtClean="0"/>
+              <a:rPr lang="en-US" dirty="0"/>
+              <a:t>React components have an attribute called </a:t>
+            </a:r>
+            <a:r>
+              <a:rPr lang="en-US" b="1" dirty="0" err="1"/>
               <a:t>dangerouslySetInnerHTML</a:t>
             </a:r>
             <a:r>
-              <a:rPr lang="en-US" dirty="0" smtClean="0"/>
+              <a:rPr lang="en-US" dirty="0"/>
               <a:t> which enables to have raw HTML without escaping</a:t>
             </a:r>
           </a:p>
           <a:p>
             <a:pPr lvl="1"/>
             <a:r>
-              <a:rPr lang="en-US" dirty="0" smtClean="0"/>
+              <a:rPr lang="en-US" dirty="0"/>
               <a:t>note the word </a:t>
             </a:r>
             <a:r>
-              <a:rPr lang="en-US" b="1" dirty="0" smtClean="0"/>
+              <a:rPr lang="en-US" b="1" dirty="0"/>
               <a:t>dangerously</a:t>
             </a:r>
             <a:r>
-              <a:rPr lang="en-US" dirty="0" smtClean="0"/>
+              <a:rPr lang="en-US" dirty="0"/>
               <a:t> in its name…</a:t>
             </a:r>
           </a:p>
           <a:p>
             <a:r>
-              <a:rPr lang="en-US" dirty="0" smtClean="0"/>
+              <a:rPr lang="en-US" dirty="0"/>
               <a:t>Even if you do not use it directly, it is a potential issue if you create attributes based on user inputs </a:t>
             </a:r>
           </a:p>
           <a:p>
             <a:r>
-              <a:rPr lang="en-US" dirty="0" err="1" smtClean="0"/>
+              <a:rPr lang="en-US" dirty="0" err="1"/>
               <a:t>Eg</a:t>
             </a:r>
             <a:r>
-              <a:rPr lang="en-US" dirty="0" smtClean="0"/>
+              <a:rPr lang="en-US" dirty="0"/>
               <a:t>: </a:t>
             </a:r>
             <a:r>
-              <a:rPr lang="en-US" b="1" dirty="0" smtClean="0"/>
+              <a:rPr lang="en-US" b="1" dirty="0"/>
               <a:t>&lt;div {…</a:t>
             </a:r>
             <a:r>
-              <a:rPr lang="en-US" b="1" dirty="0" err="1" smtClean="0"/>
+              <a:rPr lang="en-US" b="1" dirty="0" err="1"/>
               <a:t>jsonObjectComingFromUser</a:t>
             </a:r>
             <a:r>
-              <a:rPr lang="en-US" b="1" dirty="0" smtClean="0"/>
+              <a:rPr lang="en-US" b="1" dirty="0"/>
               <a:t>} /&gt;</a:t>
             </a:r>
           </a:p>
           <a:p>
             <a:r>
-              <a:rPr lang="en-US" dirty="0" smtClean="0"/>
-              <a:t>… as one of those </a:t>
-            </a:r>
-            <a:r>
-              <a:rPr lang="en-US" dirty="0"/>
-              <a:t>fields could be </a:t>
+              <a:rPr lang="en-US" dirty="0"/>
+              <a:t>… as one of those fields could be </a:t>
             </a:r>
             <a:r>
               <a:rPr lang="en-US" b="1" dirty="0" err="1"/>
@@ -10779,10 +10403,9 @@
           <a:lstStyle/>
           <a:p>
             <a:r>
-              <a:rPr lang="en-US" dirty="0" smtClean="0"/>
+              <a:rPr lang="en-US" dirty="0"/>
               <a:t>Escaping of Attributes</a:t>
             </a:r>
-            <a:endParaRPr lang="en-US" dirty="0"/>
           </a:p>
         </p:txBody>
       </p:sp>
@@ -10807,22 +10430,22 @@
           <a:lstStyle/>
           <a:p>
             <a:r>
-              <a:rPr lang="en-US" dirty="0" smtClean="0"/>
+              <a:rPr lang="en-US" dirty="0"/>
               <a:t>Issue when you have attributes that are interpreted as URLs:</a:t>
             </a:r>
           </a:p>
           <a:p>
             <a:pPr lvl="1"/>
             <a:r>
-              <a:rPr lang="en-US" b="1" dirty="0" smtClean="0"/>
+              <a:rPr lang="en-US" b="1" dirty="0"/>
               <a:t>&lt;a </a:t>
             </a:r>
             <a:r>
-              <a:rPr lang="en-US" b="1" dirty="0" err="1" smtClean="0"/>
+              <a:rPr lang="en-US" b="1" dirty="0" err="1"/>
               <a:t>href</a:t>
             </a:r>
             <a:r>
-              <a:rPr lang="en-US" b="1" dirty="0" smtClean="0"/>
+              <a:rPr lang="en-US" b="1" dirty="0"/>
               <a:t>={</a:t>
             </a:r>
             <a:r>
@@ -10830,7 +10453,7 @@
               <a:t>user_supplied</a:t>
             </a:r>
             <a:r>
-              <a:rPr lang="en-US" b="1" dirty="0" smtClean="0"/>
+              <a:rPr lang="en-US" b="1" dirty="0"/>
               <a:t>} / &gt;</a:t>
             </a:r>
           </a:p>
@@ -10841,16 +10464,12 @@
               <a:t>&lt;link </a:t>
             </a:r>
             <a:r>
-              <a:rPr lang="en-US" b="1" dirty="0" err="1" smtClean="0"/>
+              <a:rPr lang="en-US" b="1" dirty="0" err="1"/>
               <a:t>rel</a:t>
             </a:r>
             <a:r>
-              <a:rPr lang="en-US" b="1" dirty="0" smtClean="0"/>
-              <a:t>=“import</a:t>
-            </a:r>
-            <a:r>
               <a:rPr lang="en-US" b="1" dirty="0"/>
-              <a:t>” </a:t>
+              <a:t>=“import” </a:t>
             </a:r>
             <a:r>
               <a:rPr lang="en-US" b="1" dirty="0" err="1"/>
@@ -10865,7 +10484,7 @@
               <a:t>user_supplied</a:t>
             </a:r>
             <a:r>
-              <a:rPr lang="en-US" b="1" dirty="0" smtClean="0"/>
+              <a:rPr lang="en-US" b="1" dirty="0"/>
               <a:t>}&gt;</a:t>
             </a:r>
           </a:p>
@@ -10876,11 +10495,11 @@
               <a:t>&lt;button </a:t>
             </a:r>
             <a:r>
-              <a:rPr lang="en-US" b="1" dirty="0" err="1" smtClean="0"/>
+              <a:rPr lang="en-US" b="1" dirty="0" err="1"/>
               <a:t>formaction</a:t>
             </a:r>
             <a:r>
-              <a:rPr lang="en-US" b="1" dirty="0" smtClean="0"/>
+              <a:rPr lang="en-US" b="1" dirty="0"/>
               <a:t>={</a:t>
             </a:r>
             <a:r>
@@ -10888,13 +10507,13 @@
               <a:t>user_supplied</a:t>
             </a:r>
             <a:r>
-              <a:rPr lang="en-US" b="1" dirty="0" smtClean="0"/>
+              <a:rPr lang="en-US" b="1" dirty="0"/>
               <a:t>}&gt;</a:t>
             </a:r>
           </a:p>
           <a:p>
             <a:r>
-              <a:rPr lang="en-US" dirty="0" smtClean="0"/>
+              <a:rPr lang="en-US" dirty="0"/>
               <a:t>Why are URLs a potential issue?</a:t>
             </a:r>
           </a:p>
@@ -10947,7 +10566,7 @@
         <p:spPr>
           <a:xfrm>
             <a:off x="187960" y="149225"/>
-            <a:ext cx="11821794" cy="1278255"/>
+            <a:ext cx="11821794" cy="1653916"/>
           </a:xfrm>
         </p:spPr>
         <p:txBody>
@@ -10960,22 +10579,62 @@
               <a:buNone/>
             </a:pPr>
             <a:r>
-              <a:rPr lang="en-US" dirty="0" smtClean="0"/>
+              <a:rPr lang="en-US" dirty="0"/>
               <a:t>For example, type </a:t>
             </a:r>
             <a:r>
-              <a:rPr lang="en-US" b="1" dirty="0" err="1" smtClean="0"/>
+              <a:rPr lang="en-US" b="1" dirty="0" err="1"/>
               <a:t>javascript:alert</a:t>
             </a:r>
             <a:r>
-              <a:rPr lang="en-US" b="1" dirty="0" smtClean="0"/>
+              <a:rPr lang="en-US" b="1" dirty="0"/>
               <a:t>(‘Hi!’)</a:t>
             </a:r>
             <a:r>
-              <a:rPr lang="en-US" dirty="0" smtClean="0"/>
-              <a:t> in the address-bar of your browser and see what happen…</a:t>
-            </a:r>
-            <a:endParaRPr lang="en-US" dirty="0"/>
+              <a:rPr lang="en-US" dirty="0"/>
+              <a:t> in the address-bar of your browser and see what happens…</a:t>
+            </a:r>
+          </a:p>
+          <a:p>
+            <a:pPr marL="457200" lvl="1" indent="0">
+              <a:buNone/>
+            </a:pPr>
+            <a:r>
+              <a:rPr lang="en-US" sz="1800" dirty="0"/>
+              <a:t>Note: you </a:t>
+            </a:r>
+            <a:r>
+              <a:rPr lang="en-US" sz="1800" dirty="0" err="1"/>
+              <a:t>ll</a:t>
+            </a:r>
+            <a:r>
+              <a:rPr lang="en-US" sz="1800" dirty="0"/>
+              <a:t> have to type it in, </a:t>
+            </a:r>
+            <a:r>
+              <a:rPr lang="en-US" sz="1800" dirty="0" err="1"/>
+              <a:t>copy&amp;paste</a:t>
+            </a:r>
+            <a:r>
+              <a:rPr lang="en-US" sz="1800" dirty="0"/>
+              <a:t> would not work, as browsers would strip off the “</a:t>
+            </a:r>
+            <a:r>
+              <a:rPr lang="en-US" sz="1800" dirty="0" err="1"/>
+              <a:t>javascript</a:t>
+            </a:r>
+            <a:r>
+              <a:rPr lang="en-US" sz="1800" dirty="0"/>
+              <a:t>:” if coming from a </a:t>
+            </a:r>
+            <a:r>
+              <a:rPr lang="en-US" sz="1800" dirty="0" err="1"/>
+              <a:t>copy&amp;paste</a:t>
+            </a:r>
+            <a:r>
+              <a:rPr lang="en-US" sz="1800" dirty="0"/>
+              <a:t> action…</a:t>
+            </a:r>
           </a:p>
         </p:txBody>
       </p:sp>
@@ -11095,16 +10754,12 @@
               <a:t>={</a:t>
             </a:r>
             <a:r>
-              <a:rPr lang="en-US" b="1" dirty="0" err="1" smtClean="0"/>
+              <a:rPr lang="en-US" b="1" dirty="0" err="1"/>
               <a:t>this.state.homepageLink</a:t>
             </a:r>
             <a:r>
               <a:rPr lang="en-US" b="1" dirty="0"/>
-              <a:t>} &gt; Link to homepage &lt;/a</a:t>
-            </a:r>
-            <a:r>
-              <a:rPr lang="en-US" b="1" dirty="0" smtClean="0"/>
-              <a:t>&gt;</a:t>
+              <a:t>} &gt; Link to homepage &lt;/a&gt;</a:t>
             </a:r>
           </a:p>
           <a:p>
@@ -11112,10 +10767,9 @@
               <a:buNone/>
             </a:pPr>
             <a:r>
-              <a:rPr lang="en-US" dirty="0" smtClean="0"/>
+              <a:rPr lang="en-US" dirty="0"/>
               <a:t>That is vulnerable to XSS when clicking the link!!!</a:t>
             </a:r>
-            <a:endParaRPr lang="en-US" dirty="0"/>
           </a:p>
         </p:txBody>
       </p:sp>
@@ -11189,10 +10843,9 @@
           <a:lstStyle/>
           <a:p>
             <a:r>
-              <a:rPr lang="en-US" dirty="0" smtClean="0"/>
+              <a:rPr lang="en-US" dirty="0"/>
               <a:t>Sanitization</a:t>
             </a:r>
-            <a:endParaRPr lang="en-US" dirty="0"/>
           </a:p>
         </p:txBody>
       </p:sp>
@@ -11219,50 +10872,38 @@
           <a:lstStyle/>
           <a:p>
             <a:r>
-              <a:rPr lang="en-US" dirty="0" smtClean="0"/>
+              <a:rPr lang="en-US" dirty="0"/>
               <a:t>In case of URLs, you need to manually sanitize the user inputs</a:t>
             </a:r>
           </a:p>
           <a:p>
             <a:pPr lvl="1"/>
             <a:r>
-              <a:rPr lang="en-US" dirty="0" err="1" smtClean="0"/>
+              <a:rPr lang="en-US" dirty="0" err="1"/>
               <a:t>eg</a:t>
             </a:r>
             <a:r>
-              <a:rPr lang="en-US" dirty="0" smtClean="0"/>
+              <a:rPr lang="en-US" dirty="0"/>
               <a:t>, do not allow the “</a:t>
             </a:r>
             <a:r>
-              <a:rPr lang="en-US" i="1" dirty="0" err="1" smtClean="0"/>
+              <a:rPr lang="en-US" i="1" dirty="0" err="1"/>
               <a:t>javascript</a:t>
             </a:r>
             <a:r>
-              <a:rPr lang="en-US" i="1" dirty="0" smtClean="0"/>
+              <a:rPr lang="en-US" i="1" dirty="0"/>
               <a:t>:</a:t>
             </a:r>
             <a:r>
-              <a:rPr lang="en-US" dirty="0" smtClean="0"/>
-              <a:t>” protocol in the </a:t>
-            </a:r>
-            <a:r>
-              <a:rPr lang="en-US" dirty="0" smtClean="0"/>
-              <a:t>links</a:t>
+              <a:rPr lang="en-US" dirty="0"/>
+              <a:t>” protocol in the links</a:t>
             </a:r>
           </a:p>
           <a:p>
             <a:pPr lvl="1"/>
             <a:r>
               <a:rPr lang="en-US" dirty="0"/>
-              <a:t>2020 </a:t>
-            </a:r>
-            <a:r>
-              <a:rPr lang="en-US" dirty="0" smtClean="0"/>
-              <a:t>note</a:t>
-            </a:r>
-            <a:r>
-              <a:rPr lang="en-US" dirty="0"/>
-              <a:t>: future versions of </a:t>
+              <a:t>2020 note: future versions of </a:t>
             </a:r>
             <a:r>
               <a:rPr lang="en-US" i="1" dirty="0"/>
@@ -11270,91 +10911,78 @@
             </a:r>
             <a:r>
               <a:rPr lang="en-US" dirty="0"/>
-              <a:t> will block </a:t>
-            </a:r>
-            <a:r>
-              <a:rPr lang="en-US" dirty="0" smtClean="0"/>
-              <a:t>it</a:t>
-            </a:r>
-            <a:endParaRPr lang="en-US" dirty="0" smtClean="0"/>
-          </a:p>
-          <a:p>
-            <a:r>
-              <a:rPr lang="en-US" i="1" dirty="0" smtClean="0"/>
+              <a:t> will block it</a:t>
+            </a:r>
+          </a:p>
+          <a:p>
+            <a:r>
+              <a:rPr lang="en-US" i="1" dirty="0"/>
               <a:t>As a rule of thumb, shouldn’t write your own sanitization functions, but rather use existing libraries</a:t>
             </a:r>
           </a:p>
           <a:p>
             <a:pPr lvl="1"/>
             <a:r>
-              <a:rPr lang="en-US" dirty="0" smtClean="0"/>
+              <a:rPr lang="en-US" dirty="0"/>
               <a:t>however, if you do, use </a:t>
             </a:r>
             <a:r>
-              <a:rPr lang="en-US" i="1" dirty="0" smtClean="0"/>
+              <a:rPr lang="en-US" i="1" dirty="0"/>
               <a:t>whitelisting</a:t>
             </a:r>
             <a:r>
-              <a:rPr lang="en-US" dirty="0" smtClean="0"/>
+              <a:rPr lang="en-US" dirty="0"/>
               <a:t>!!!  </a:t>
             </a:r>
             <a:r>
-              <a:rPr lang="en-US" dirty="0" err="1" smtClean="0"/>
+              <a:rPr lang="en-US" dirty="0" err="1"/>
               <a:t>Ie</a:t>
             </a:r>
             <a:r>
-              <a:rPr lang="en-US" dirty="0" smtClean="0"/>
+              <a:rPr lang="en-US" dirty="0"/>
               <a:t>., allow “</a:t>
             </a:r>
             <a:r>
-              <a:rPr lang="en-US" i="1" dirty="0" smtClean="0"/>
+              <a:rPr lang="en-US" i="1" dirty="0"/>
               <a:t>http:</a:t>
             </a:r>
             <a:r>
-              <a:rPr lang="en-US" dirty="0" smtClean="0"/>
+              <a:rPr lang="en-US" dirty="0"/>
               <a:t>” and “</a:t>
             </a:r>
             <a:r>
-              <a:rPr lang="en-US" i="1" dirty="0" smtClean="0"/>
+              <a:rPr lang="en-US" i="1" dirty="0"/>
               <a:t>https:</a:t>
             </a:r>
             <a:r>
-              <a:rPr lang="en-US" dirty="0" smtClean="0"/>
+              <a:rPr lang="en-US" dirty="0"/>
               <a:t>”, but block everything else… instead of </a:t>
             </a:r>
             <a:r>
-              <a:rPr lang="en-US" i="1" dirty="0" smtClean="0"/>
+              <a:rPr lang="en-US" i="1" dirty="0"/>
               <a:t>blacklisting</a:t>
             </a:r>
             <a:r>
-              <a:rPr lang="en-US" dirty="0" smtClean="0"/>
+              <a:rPr lang="en-US" dirty="0"/>
               <a:t> of just blocking “</a:t>
             </a:r>
             <a:r>
-              <a:rPr lang="en-US" i="1" dirty="0" err="1" smtClean="0"/>
+              <a:rPr lang="en-US" i="1" dirty="0" err="1"/>
               <a:t>javascript</a:t>
             </a:r>
             <a:r>
-              <a:rPr lang="en-US" i="1" dirty="0" smtClean="0"/>
+              <a:rPr lang="en-US" i="1" dirty="0"/>
               <a:t>:</a:t>
             </a:r>
             <a:r>
-              <a:rPr lang="en-US" dirty="0" smtClean="0"/>
+              <a:rPr lang="en-US" dirty="0"/>
               <a:t>” </a:t>
             </a:r>
           </a:p>
           <a:p>
             <a:r>
-              <a:rPr lang="en-US" dirty="0" smtClean="0"/>
-              <a:t>For example, what do you think is going to happen if you use </a:t>
-            </a:r>
-            <a:r>
-              <a:rPr lang="en-US" dirty="0"/>
-              <a:t>this </a:t>
-            </a:r>
-            <a:r>
-              <a:rPr lang="en-US" dirty="0" smtClean="0"/>
-              <a:t>string as URL??? </a:t>
+              <a:rPr lang="en-US" dirty="0"/>
+              <a:t>For example, what do you think is going to happen if you use this string as URL??? </a:t>
             </a:r>
             <a:r>
               <a:rPr lang="en-US" b="1" dirty="0" err="1"/>
@@ -11362,11 +10990,7 @@
             </a:r>
             <a:r>
               <a:rPr lang="en-US" b="1" dirty="0"/>
-              <a:t>/html;base64,PHNjcmlwdD5hbGVydCgiV2VsY29tZSB0byBYU1MhIik7PC9zY3JpcHQ</a:t>
-            </a:r>
-            <a:r>
-              <a:rPr lang="en-US" b="1" dirty="0" smtClean="0"/>
-              <a:t>+</a:t>
+              <a:t>/html;base64,PHNjcmlwdD5hbGVydCgiV2VsY29tZSB0byBYU1MhIik7PC9zY3JpcHQ+</a:t>
             </a:r>
           </a:p>
         </p:txBody>
@@ -11417,10 +11041,9 @@
           <a:lstStyle/>
           <a:p>
             <a:r>
-              <a:rPr lang="en-US" dirty="0" smtClean="0"/>
+              <a:rPr lang="en-US" dirty="0"/>
               <a:t>Try it in the address-bar…</a:t>
             </a:r>
-            <a:endParaRPr lang="en-US" dirty="0"/>
           </a:p>
         </p:txBody>
       </p:sp>
@@ -11472,41 +11095,20 @@
           <a:p>
             <a:r>
               <a:rPr lang="en-US" sz="3200" b="1" dirty="0"/>
-              <a:t>PHNjcmlwdD5hbGVydCgiV2VsY29tZSB0byBYU1MhIik7PC9zY3JpcHQ</a:t>
-            </a:r>
-            <a:r>
-              <a:rPr lang="en-US" sz="3200" b="1" dirty="0" smtClean="0"/>
-              <a:t>+   </a:t>
-            </a:r>
-            <a:r>
-              <a:rPr lang="en-US" sz="3200" dirty="0" smtClean="0"/>
+              <a:t>PHNjcmlwdD5hbGVydCgiV2VsY29tZSB0byBYU1MhIik7PC9zY3JpcHQ+   </a:t>
+            </a:r>
+            <a:r>
+              <a:rPr lang="en-US" sz="3200" dirty="0"/>
               <a:t>is the string </a:t>
             </a:r>
             <a:r>
-              <a:rPr lang="en-US" sz="3200" b="1" dirty="0" smtClean="0"/>
-              <a:t>&lt;</a:t>
-            </a:r>
-            <a:r>
               <a:rPr lang="en-US" sz="3200" b="1" dirty="0"/>
-              <a:t>script&gt;alert</a:t>
-            </a:r>
-            <a:r>
-              <a:rPr lang="en-US" sz="3200" b="1" dirty="0" smtClean="0"/>
-              <a:t>(“Welcome to XSS!");&lt;/</a:t>
-            </a:r>
-            <a:r>
-              <a:rPr lang="en-US" sz="3200" b="1" dirty="0"/>
-              <a:t>script</a:t>
-            </a:r>
-            <a:r>
-              <a:rPr lang="en-US" sz="3200" b="1" dirty="0" smtClean="0"/>
-              <a:t>&gt; </a:t>
-            </a:r>
-            <a:r>
-              <a:rPr lang="en-US" sz="3200" dirty="0" smtClean="0"/>
+              <a:t>&lt;script&gt;alert(“Welcome to XSS!");&lt;/script&gt; </a:t>
+            </a:r>
+            <a:r>
+              <a:rPr lang="en-US" sz="3200" dirty="0"/>
               <a:t>, encoded in the Base64 format</a:t>
             </a:r>
-            <a:endParaRPr lang="en-US" sz="3200" dirty="0"/>
           </a:p>
         </p:txBody>
       </p:sp>
@@ -11564,62 +11166,40 @@
           <a:p>
             <a:r>
               <a:rPr lang="en-US" dirty="0"/>
-              <a:t>But “feature” removed from HTML links in browsers in </a:t>
-            </a:r>
-            <a:r>
-              <a:rPr lang="en-US" dirty="0" smtClean="0"/>
-              <a:t>2017 in the “</a:t>
-            </a:r>
-            <a:r>
-              <a:rPr lang="en-US" i="1" dirty="0" smtClean="0"/>
+              <a:t>But “feature” removed from HTML links in browsers in 2017 in the “</a:t>
+            </a:r>
+            <a:r>
+              <a:rPr lang="en-US" i="1" dirty="0"/>
               <a:t>top frame</a:t>
             </a:r>
             <a:r>
-              <a:rPr lang="en-US" dirty="0" smtClean="0"/>
-              <a:t>”, </a:t>
-            </a:r>
-            <a:r>
-              <a:rPr lang="en-US" dirty="0"/>
-              <a:t>due to security concerns</a:t>
-            </a:r>
-            <a:r>
-              <a:rPr lang="en-US" dirty="0" smtClean="0"/>
-              <a:t>…</a:t>
-            </a:r>
-          </a:p>
-          <a:p>
-            <a:r>
-              <a:rPr lang="en-US" dirty="0" smtClean="0"/>
+              <a:rPr lang="en-US" dirty="0"/>
+              <a:t>”, due to security concerns…</a:t>
+            </a:r>
+          </a:p>
+          <a:p>
+            <a:r>
+              <a:rPr lang="en-US" dirty="0"/>
               <a:t>still… good example to see why you should not write your own sanitization functions… so many weird edge cases exist!!!</a:t>
             </a:r>
           </a:p>
           <a:p>
             <a:pPr lvl="1"/>
             <a:r>
-              <a:rPr lang="en-US" dirty="0" err="1" smtClean="0"/>
+              <a:rPr lang="en-US" dirty="0" err="1"/>
               <a:t>eg</a:t>
             </a:r>
             <a:r>
-              <a:rPr lang="en-US" dirty="0" smtClean="0"/>
-              <a:t>, have </a:t>
-            </a:r>
-            <a:r>
-              <a:rPr lang="en-US" dirty="0"/>
-              <a:t>fun looking at </a:t>
+              <a:rPr lang="en-US" dirty="0"/>
+              <a:t>, have fun looking at </a:t>
             </a:r>
             <a:r>
               <a:rPr lang="en-US" dirty="0">
                 <a:hlinkClick r:id="rId2"/>
               </a:rPr>
-              <a:t>https://</a:t>
-            </a:r>
-            <a:r>
-              <a:rPr lang="en-US" dirty="0" smtClean="0">
-                <a:hlinkClick r:id="rId2"/>
-              </a:rPr>
-              <a:t>www.owasp.org/index.php/XSS_Filter_Evasion_Cheat_Sheet</a:t>
-            </a:r>
-            <a:endParaRPr lang="en-US" dirty="0" smtClean="0"/>
+              <a:t>https://www.owasp.org/index.php/XSS_Filter_Evasion_Cheat_Sheet</a:t>
+            </a:r>
+            <a:endParaRPr lang="en-US" dirty="0"/>
           </a:p>
           <a:p>
             <a:pPr lvl="1"/>
@@ -11661,13 +11241,6 @@
   <p:clrMapOvr>
     <a:masterClrMapping/>
   </p:clrMapOvr>
-  <p:timing>
-    <p:tnLst>
-      <p:par>
-        <p:cTn id="1" dur="indefinite" restart="never" nodeType="tmRoot"/>
-      </p:par>
-    </p:tnLst>
-  </p:timing>
 </p:sld>
 </file>
 
@@ -11704,10 +11277,9 @@
           <a:lstStyle/>
           <a:p>
             <a:r>
-              <a:rPr lang="en-US" dirty="0" smtClean="0"/>
+              <a:rPr lang="en-US" dirty="0"/>
               <a:t>User vs Developer</a:t>
             </a:r>
-            <a:endParaRPr lang="en-US" dirty="0"/>
           </a:p>
         </p:txBody>
       </p:sp>
@@ -11732,22 +11304,22 @@
           <a:lstStyle/>
           <a:p>
             <a:r>
-              <a:rPr lang="en-US" i="1" dirty="0" smtClean="0"/>
+              <a:rPr lang="en-US" i="1" dirty="0"/>
               <a:t>As a user</a:t>
             </a:r>
             <a:r>
-              <a:rPr lang="en-US" dirty="0" smtClean="0"/>
+              <a:rPr lang="en-US" dirty="0"/>
               <a:t>: </a:t>
             </a:r>
             <a:r>
-              <a:rPr lang="en-US" b="1" dirty="0" smtClean="0"/>
+              <a:rPr lang="en-US" b="1" dirty="0"/>
               <a:t>ALWAYS UPDATE TO LATEST BROWSER VERSION</a:t>
             </a:r>
           </a:p>
           <a:p>
             <a:pPr lvl="1"/>
             <a:r>
-              <a:rPr lang="en-US" dirty="0" smtClean="0"/>
+              <a:rPr lang="en-US" dirty="0"/>
               <a:t>it will protect you from many known attacks</a:t>
             </a:r>
           </a:p>
@@ -11757,21 +11329,20 @@
           </a:p>
           <a:p>
             <a:r>
-              <a:rPr lang="en-US" i="1" dirty="0" smtClean="0"/>
+              <a:rPr lang="en-US" i="1" dirty="0"/>
               <a:t>As a developer</a:t>
             </a:r>
             <a:r>
-              <a:rPr lang="en-US" dirty="0" smtClean="0"/>
+              <a:rPr lang="en-US" dirty="0"/>
               <a:t>: many of your clients will still use old browsers…</a:t>
             </a:r>
           </a:p>
           <a:p>
             <a:pPr lvl="1"/>
             <a:r>
-              <a:rPr lang="en-US" dirty="0" smtClean="0"/>
+              <a:rPr lang="en-US" dirty="0"/>
               <a:t>so you might still need to add extra layers of protection in your applications, even for attacks that would not be possible on recent browsers </a:t>
             </a:r>
-            <a:endParaRPr lang="en-US" dirty="0"/>
           </a:p>
         </p:txBody>
       </p:sp>
@@ -11785,13 +11356,6 @@
   <p:clrMapOvr>
     <a:masterClrMapping/>
   </p:clrMapOvr>
-  <p:timing>
-    <p:tnLst>
-      <p:par>
-        <p:cTn id="1" dur="indefinite" restart="never" nodeType="tmRoot"/>
-      </p:par>
-    </p:tnLst>
-  </p:timing>
 </p:sld>
 </file>
 
@@ -11833,86 +11397,78 @@
           <a:lstStyle/>
           <a:p>
             <a:r>
-              <a:rPr lang="en-US" dirty="0" smtClean="0"/>
+              <a:rPr lang="en-US" dirty="0"/>
               <a:t>2020: </a:t>
             </a:r>
             <a:r>
-              <a:rPr lang="en-US" b="1" dirty="0" smtClean="0"/>
+              <a:rPr lang="en-US" b="1" dirty="0"/>
               <a:t>Internet Explorer</a:t>
             </a:r>
             <a:r>
-              <a:rPr lang="en-US" dirty="0" smtClean="0"/>
+              <a:rPr lang="en-US" dirty="0"/>
               <a:t> still has a </a:t>
             </a:r>
             <a:r>
-              <a:rPr lang="en-US" b="1" dirty="0" smtClean="0"/>
+              <a:rPr lang="en-US" b="1" dirty="0"/>
               <a:t>1.7%</a:t>
             </a:r>
             <a:r>
-              <a:rPr lang="en-US" dirty="0" smtClean="0"/>
+              <a:rPr lang="en-US" dirty="0"/>
               <a:t> market share</a:t>
             </a:r>
           </a:p>
           <a:p>
             <a:pPr lvl="1"/>
             <a:r>
-              <a:rPr lang="en-US" dirty="0" smtClean="0"/>
+              <a:rPr lang="en-US" dirty="0"/>
               <a:t>2.1% in Norway</a:t>
             </a:r>
           </a:p>
           <a:p>
             <a:pPr lvl="1"/>
             <a:r>
-              <a:rPr lang="en-US" dirty="0" smtClean="0"/>
+              <a:rPr lang="en-US" dirty="0"/>
               <a:t>In “theory” replaced by </a:t>
             </a:r>
             <a:r>
-              <a:rPr lang="en-US" b="1" dirty="0" smtClean="0"/>
+              <a:rPr lang="en-US" b="1" dirty="0"/>
               <a:t>Edge</a:t>
             </a:r>
             <a:r>
-              <a:rPr lang="en-US" dirty="0" smtClean="0"/>
+              <a:rPr lang="en-US" dirty="0"/>
               <a:t> in 2015…</a:t>
             </a:r>
           </a:p>
           <a:p>
             <a:r>
-              <a:rPr lang="en-US" dirty="0" smtClean="0"/>
+              <a:rPr lang="en-US" dirty="0"/>
               <a:t>2019: Edge was rebuilt in Chromium</a:t>
             </a:r>
           </a:p>
           <a:p>
             <a:r>
-              <a:rPr lang="en-US" dirty="0" smtClean="0"/>
+              <a:rPr lang="en-US" dirty="0"/>
               <a:t>Legacy Edge in 2020</a:t>
             </a:r>
           </a:p>
           <a:p>
             <a:pPr lvl="1"/>
             <a:r>
-              <a:rPr lang="en-US" dirty="0" smtClean="0"/>
+              <a:rPr lang="en-US" dirty="0"/>
               <a:t>Global: 2.2%</a:t>
             </a:r>
           </a:p>
           <a:p>
             <a:pPr lvl="1"/>
             <a:r>
-              <a:rPr lang="en-US" dirty="0" smtClean="0"/>
+              <a:rPr lang="en-US" dirty="0"/>
               <a:t>Norway: 3.7%</a:t>
             </a:r>
           </a:p>
           <a:p>
             <a:r>
               <a:rPr lang="en-US" dirty="0"/>
-              <a:t>See https</a:t>
-            </a:r>
-            <a:r>
-              <a:rPr lang="en-US" dirty="0" smtClean="0"/>
-              <a:t>://gs.statcounter.com</a:t>
-            </a:r>
-            <a:r>
-              <a:rPr lang="en-US" dirty="0"/>
-              <a:t>/</a:t>
+              <a:t>See https://gs.statcounter.com/</a:t>
             </a:r>
           </a:p>
         </p:txBody>
@@ -11968,13 +11524,6 @@
   <p:clrMapOvr>
     <a:masterClrMapping/>
   </p:clrMapOvr>
-  <p:timing>
-    <p:tnLst>
-      <p:par>
-        <p:cTn id="1" dur="indefinite" restart="never" nodeType="tmRoot"/>
-      </p:par>
-    </p:tnLst>
-  </p:timing>
 </p:sld>
 </file>
 
@@ -12011,10 +11560,9 @@
           <a:lstStyle/>
           <a:p>
             <a:r>
-              <a:rPr lang="en-US" dirty="0" smtClean="0"/>
+              <a:rPr lang="en-US" dirty="0"/>
               <a:t>Option 2: AJAX Polling</a:t>
             </a:r>
-            <a:endParaRPr lang="en-US" dirty="0"/>
           </a:p>
         </p:txBody>
       </p:sp>
@@ -12039,69 +11587,68 @@
           <a:lstStyle/>
           <a:p>
             <a:r>
-              <a:rPr lang="en-US" dirty="0" smtClean="0"/>
+              <a:rPr lang="en-US" dirty="0"/>
               <a:t>Use AJAX to fetch list of only the new messages to display</a:t>
             </a:r>
           </a:p>
           <a:p>
             <a:r>
-              <a:rPr lang="en-US" dirty="0" smtClean="0"/>
+              <a:rPr lang="en-US" dirty="0"/>
               <a:t>Repeat AJAX calls in a loop, </a:t>
             </a:r>
             <a:r>
-              <a:rPr lang="en-US" dirty="0" err="1" smtClean="0"/>
+              <a:rPr lang="en-US" dirty="0" err="1"/>
               <a:t>eg</a:t>
             </a:r>
             <a:r>
-              <a:rPr lang="en-US" dirty="0" smtClean="0"/>
+              <a:rPr lang="en-US" dirty="0"/>
               <a:t> every X milliseconds</a:t>
             </a:r>
           </a:p>
           <a:p>
             <a:r>
-              <a:rPr lang="en-US" i="1" dirty="0" smtClean="0"/>
+              <a:rPr lang="en-US" i="1" dirty="0"/>
               <a:t>Issue 0</a:t>
             </a:r>
             <a:r>
-              <a:rPr lang="en-US" dirty="0" smtClean="0"/>
+              <a:rPr lang="en-US" dirty="0"/>
               <a:t>: might have to wait up to X </a:t>
             </a:r>
             <a:r>
-              <a:rPr lang="en-US" dirty="0" err="1" smtClean="0"/>
+              <a:rPr lang="en-US" dirty="0" err="1"/>
               <a:t>ms</a:t>
             </a:r>
             <a:r>
-              <a:rPr lang="en-US" dirty="0" smtClean="0"/>
+              <a:rPr lang="en-US" dirty="0"/>
               <a:t> before seeing the new messages from other users</a:t>
             </a:r>
           </a:p>
           <a:p>
             <a:r>
-              <a:rPr lang="en-US" i="1" dirty="0" smtClean="0"/>
+              <a:rPr lang="en-US" i="1" dirty="0"/>
               <a:t>Issue 1</a:t>
             </a:r>
             <a:r>
-              <a:rPr lang="en-US" dirty="0" smtClean="0"/>
+              <a:rPr lang="en-US" dirty="0"/>
               <a:t>: if no new messages, all these AJAX requests are a huge waste of bandwidth</a:t>
             </a:r>
           </a:p>
           <a:p>
             <a:r>
-              <a:rPr lang="en-US" dirty="0" smtClean="0"/>
+              <a:rPr lang="en-US" dirty="0"/>
               <a:t>Choosing X is a tradeoff between Issue 0 and 1</a:t>
             </a:r>
           </a:p>
           <a:p>
             <a:pPr lvl="1"/>
             <a:r>
-              <a:rPr lang="en-US" dirty="0" err="1" smtClean="0"/>
+              <a:rPr lang="en-US" dirty="0" err="1"/>
               <a:t>eg</a:t>
             </a:r>
             <a:r>
-              <a:rPr lang="en-US" dirty="0" smtClean="0"/>
+              <a:rPr lang="en-US" dirty="0"/>
               <a:t>, small X improves usability, but at a huge bandwidth waste cost</a:t>
             </a:r>
-            <a:endParaRPr lang="en-US" dirty="0"/>
           </a:p>
         </p:txBody>
       </p:sp>
@@ -12151,11 +11698,11 @@
           <a:lstStyle/>
           <a:p>
             <a:r>
-              <a:rPr lang="en-US" dirty="0" smtClean="0"/>
+              <a:rPr lang="en-US" dirty="0"/>
               <a:t>Option 3: </a:t>
             </a:r>
             <a:r>
-              <a:rPr lang="en-US" dirty="0" err="1" smtClean="0"/>
+              <a:rPr lang="en-US" dirty="0" err="1"/>
               <a:t>WebSockets</a:t>
             </a:r>
             <a:endParaRPr lang="en-US" dirty="0"/>
@@ -12185,77 +11732,76 @@
           <a:lstStyle/>
           <a:p>
             <a:r>
-              <a:rPr lang="en-US" dirty="0" smtClean="0"/>
+              <a:rPr lang="en-US" dirty="0"/>
               <a:t>Besides HTTP, establish a WS connection</a:t>
             </a:r>
           </a:p>
           <a:p>
             <a:pPr lvl="1"/>
             <a:r>
-              <a:rPr lang="en-US" dirty="0" smtClean="0"/>
+              <a:rPr lang="en-US" dirty="0"/>
               <a:t>most browsers do support WS</a:t>
             </a:r>
           </a:p>
           <a:p>
             <a:r>
-              <a:rPr lang="en-US" dirty="0" smtClean="0"/>
+              <a:rPr lang="en-US" dirty="0"/>
               <a:t>WS enables duplex communications</a:t>
             </a:r>
           </a:p>
           <a:p>
             <a:pPr lvl="1"/>
             <a:r>
-              <a:rPr lang="en-US" dirty="0" smtClean="0"/>
+              <a:rPr lang="en-US" dirty="0"/>
               <a:t>server can decide to send data to browser, which will listens to updates</a:t>
             </a:r>
           </a:p>
           <a:p>
             <a:r>
-              <a:rPr lang="en-US" dirty="0" smtClean="0"/>
+              <a:rPr lang="en-US" dirty="0"/>
               <a:t>Server will keep an active TCP connection for each client</a:t>
             </a:r>
           </a:p>
           <a:p>
             <a:r>
-              <a:rPr lang="en-US" dirty="0" smtClean="0"/>
+              <a:rPr lang="en-US" dirty="0"/>
               <a:t>When new message, server can </a:t>
             </a:r>
             <a:r>
-              <a:rPr lang="en-US" i="1" dirty="0" smtClean="0"/>
+              <a:rPr lang="en-US" i="1" dirty="0"/>
               <a:t>broadcast</a:t>
             </a:r>
             <a:r>
-              <a:rPr lang="en-US" dirty="0" smtClean="0"/>
+              <a:rPr lang="en-US" dirty="0"/>
               <a:t> it to all clients</a:t>
             </a:r>
           </a:p>
           <a:p>
             <a:r>
-              <a:rPr lang="en-US" dirty="0" smtClean="0"/>
+              <a:rPr lang="en-US" dirty="0"/>
               <a:t>Browser just waits for notifications, and update HTML when it receives incoming messages from server</a:t>
             </a:r>
           </a:p>
           <a:p>
             <a:r>
-              <a:rPr lang="en-US" dirty="0" smtClean="0"/>
+              <a:rPr lang="en-US" dirty="0"/>
               <a:t>Server </a:t>
             </a:r>
             <a:r>
-              <a:rPr lang="en-US" i="1" dirty="0" smtClean="0"/>
+              <a:rPr lang="en-US" i="1" dirty="0"/>
               <a:t>pushes</a:t>
             </a:r>
             <a:r>
-              <a:rPr lang="en-US" dirty="0" smtClean="0"/>
+              <a:rPr lang="en-US" dirty="0"/>
               <a:t> data only when available</a:t>
             </a:r>
           </a:p>
           <a:p>
             <a:pPr lvl="1"/>
             <a:r>
-              <a:rPr lang="en-US" dirty="0" smtClean="0"/>
+              <a:rPr lang="en-US" dirty="0"/>
               <a:t>no bandwidth waste</a:t>
             </a:r>
-            <a:endParaRPr lang="en-US" dirty="0"/>
           </a:p>
         </p:txBody>
       </p:sp>
@@ -12305,14 +11851,13 @@
           <a:lstStyle/>
           <a:p>
             <a:r>
-              <a:rPr lang="en-US" dirty="0" err="1" smtClean="0"/>
+              <a:rPr lang="en-US" dirty="0" err="1"/>
               <a:t>WebSocket</a:t>
             </a:r>
             <a:r>
-              <a:rPr lang="en-US" dirty="0" smtClean="0"/>
+              <a:rPr lang="en-US" dirty="0"/>
               <a:t> Protocol</a:t>
             </a:r>
-            <a:endParaRPr lang="en-US" dirty="0"/>
           </a:p>
         </p:txBody>
       </p:sp>
@@ -12337,7 +11882,7 @@
           <a:lstStyle/>
           <a:p>
             <a:r>
-              <a:rPr lang="en-US" dirty="0" smtClean="0"/>
+              <a:rPr lang="en-US" dirty="0"/>
               <a:t>Usually over TCP</a:t>
             </a:r>
           </a:p>
@@ -12352,48 +11897,43 @@
             </a:r>
             <a:r>
               <a:rPr lang="en-US" dirty="0"/>
+              <a:t> HTTP, but </a:t>
+            </a:r>
+            <a:r>
+              <a:rPr lang="en-US" i="1" dirty="0"/>
+              <a:t>first message </a:t>
+            </a:r>
+            <a:r>
+              <a:rPr lang="en-US" dirty="0"/>
+              <a:t>has same syntax as HTTP</a:t>
+            </a:r>
+          </a:p>
+          <a:p>
+            <a:r>
+              <a:rPr lang="en-US" dirty="0"/>
+              <a:t>Note the different protocol in the URL, </a:t>
+            </a:r>
+            <a:r>
+              <a:rPr lang="en-US" dirty="0" err="1"/>
+              <a:t>eg</a:t>
+            </a:r>
+            <a:r>
+              <a:rPr lang="en-US" dirty="0"/>
               <a:t> </a:t>
             </a:r>
             <a:r>
-              <a:rPr lang="en-US" dirty="0" smtClean="0"/>
-              <a:t>HTTP, but </a:t>
-            </a:r>
-            <a:r>
-              <a:rPr lang="en-US" i="1" dirty="0" smtClean="0"/>
-              <a:t>first message </a:t>
-            </a:r>
-            <a:r>
-              <a:rPr lang="en-US" dirty="0" smtClean="0"/>
-              <a:t>has same syntax as HTTP</a:t>
-            </a:r>
-          </a:p>
-          <a:p>
-            <a:r>
-              <a:rPr lang="en-US" dirty="0" smtClean="0"/>
-              <a:t>Note the different protocol in the URL, </a:t>
-            </a:r>
-            <a:r>
-              <a:rPr lang="en-US" dirty="0" err="1" smtClean="0"/>
-              <a:t>eg</a:t>
-            </a:r>
-            <a:r>
-              <a:rPr lang="en-US" dirty="0" smtClean="0"/>
-              <a:t> </a:t>
-            </a:r>
-            <a:r>
-              <a:rPr lang="en-US" b="1" i="1" dirty="0" smtClean="0"/>
+              <a:rPr lang="en-US" b="1" i="1" dirty="0"/>
               <a:t>ws</a:t>
             </a:r>
             <a:r>
-              <a:rPr lang="en-US" i="1" dirty="0" smtClean="0"/>
+              <a:rPr lang="en-US" i="1" dirty="0"/>
               <a:t>://localhost:8080</a:t>
             </a:r>
-            <a:endParaRPr lang="en-US" i="1" dirty="0"/>
           </a:p>
           <a:p>
             <a:pPr lvl="1"/>
             <a:r>
-              <a:rPr lang="en-US" b="1" dirty="0" err="1" smtClean="0"/>
+              <a:rPr lang="en-US" b="1" dirty="0" err="1"/>
               <a:t>wss</a:t>
             </a:r>
             <a:r>
@@ -12401,7 +11941,7 @@
               <a:t> </a:t>
             </a:r>
             <a:r>
-              <a:rPr lang="en-US" dirty="0" smtClean="0"/>
+              <a:rPr lang="en-US" dirty="0"/>
               <a:t>is for encrypted, like HTTPS</a:t>
             </a:r>
             <a:endParaRPr lang="en-US" b="1" dirty="0"/>
@@ -12480,18 +12020,9 @@
           <a:lstStyle/>
           <a:p>
             <a:r>
-              <a:rPr lang="en-US" dirty="0" smtClean="0"/>
-              <a:t>Request ws</a:t>
-            </a:r>
-            <a:r>
-              <a:rPr lang="en-US" dirty="0"/>
-              <a:t>://</a:t>
-            </a:r>
-            <a:r>
-              <a:rPr lang="en-US" dirty="0" smtClean="0"/>
-              <a:t>localhost:8080</a:t>
-            </a:r>
-            <a:endParaRPr lang="en-US" dirty="0"/>
+              <a:rPr lang="en-US" dirty="0"/>
+              <a:t>Request ws://localhost:8080</a:t>
+            </a:r>
           </a:p>
         </p:txBody>
       </p:sp>
@@ -12518,21 +12049,21 @@
           <a:lstStyle/>
           <a:p>
             <a:r>
-              <a:rPr lang="en-US" dirty="0" smtClean="0"/>
+              <a:rPr lang="en-US" dirty="0"/>
               <a:t>When making a request using WS protocol, browser will craft a message with same syntax as HTTP, with following headers</a:t>
             </a:r>
           </a:p>
           <a:p>
             <a:r>
-              <a:rPr lang="en-US" b="1" dirty="0" smtClean="0"/>
+              <a:rPr lang="en-US" b="1" dirty="0"/>
               <a:t>Sec-</a:t>
             </a:r>
             <a:r>
-              <a:rPr lang="en-US" b="1" dirty="0" err="1" smtClean="0"/>
+              <a:rPr lang="en-US" b="1" dirty="0" err="1"/>
               <a:t>WebSocket</a:t>
             </a:r>
             <a:r>
-              <a:rPr lang="en-US" b="1" dirty="0" smtClean="0"/>
+              <a:rPr lang="en-US" b="1" dirty="0"/>
               <a:t>-Extensions</a:t>
             </a:r>
             <a:endParaRPr lang="en-US" dirty="0"/>
@@ -12540,11 +12071,11 @@
           <a:p>
             <a:pPr lvl="1"/>
             <a:r>
-              <a:rPr lang="en-US" dirty="0" smtClean="0"/>
+              <a:rPr lang="en-US" dirty="0"/>
               <a:t>specify some WS extensions to use during the communications, like how to compress the messages, </a:t>
             </a:r>
             <a:r>
-              <a:rPr lang="en-US" dirty="0" err="1" smtClean="0"/>
+              <a:rPr lang="en-US" dirty="0" err="1"/>
               <a:t>eg</a:t>
             </a:r>
             <a:r>
@@ -12552,84 +12083,82 @@
               <a:t>, </a:t>
             </a:r>
             <a:r>
-              <a:rPr lang="en-US" i="1" dirty="0" err="1" smtClean="0"/>
+              <a:rPr lang="en-US" i="1" dirty="0" err="1"/>
               <a:t>permessage</a:t>
             </a:r>
             <a:r>
-              <a:rPr lang="en-US" i="1" dirty="0" smtClean="0"/>
+              <a:rPr lang="en-US" i="1" dirty="0"/>
               <a:t>-deflate</a:t>
             </a:r>
             <a:r>
-              <a:rPr lang="en-US" dirty="0" smtClean="0"/>
+              <a:rPr lang="en-US" dirty="0"/>
               <a:t> tells to use the “</a:t>
             </a:r>
             <a:r>
-              <a:rPr lang="en-US" i="1" dirty="0" smtClean="0"/>
+              <a:rPr lang="en-US" i="1" dirty="0"/>
               <a:t>deflate</a:t>
             </a:r>
             <a:r>
-              <a:rPr lang="en-US" dirty="0" smtClean="0"/>
+              <a:rPr lang="en-US" dirty="0"/>
               <a:t>” compression algorithm</a:t>
             </a:r>
           </a:p>
           <a:p>
             <a:r>
-              <a:rPr lang="en-US" b="1" dirty="0" smtClean="0"/>
+              <a:rPr lang="en-US" b="1" dirty="0"/>
               <a:t>Sec-</a:t>
             </a:r>
             <a:r>
-              <a:rPr lang="en-US" b="1" dirty="0" err="1" smtClean="0"/>
+              <a:rPr lang="en-US" b="1" dirty="0" err="1"/>
               <a:t>WebSocket</a:t>
             </a:r>
             <a:r>
-              <a:rPr lang="en-US" b="1" dirty="0" smtClean="0"/>
+              <a:rPr lang="en-US" b="1" dirty="0"/>
               <a:t>-Key</a:t>
             </a:r>
             <a:r>
-              <a:rPr lang="en-US" dirty="0" smtClean="0"/>
+              <a:rPr lang="en-US" dirty="0"/>
               <a:t> </a:t>
             </a:r>
           </a:p>
           <a:p>
             <a:pPr lvl="1"/>
             <a:r>
-              <a:rPr lang="en-US" dirty="0" smtClean="0"/>
+              <a:rPr lang="en-US" dirty="0"/>
               <a:t>needed to tell the server that this is indeed a WS connection, and not a HTTP one</a:t>
             </a:r>
           </a:p>
           <a:p>
             <a:pPr lvl="1"/>
             <a:r>
-              <a:rPr lang="en-US" dirty="0" smtClean="0"/>
+              <a:rPr lang="en-US" dirty="0"/>
               <a:t>using a random key</a:t>
             </a:r>
-            <a:endParaRPr lang="en-US" dirty="0"/>
-          </a:p>
-          <a:p>
-            <a:r>
-              <a:rPr lang="en-US" b="1" dirty="0" smtClean="0"/>
+          </a:p>
+          <a:p>
+            <a:r>
+              <a:rPr lang="en-US" b="1" dirty="0"/>
               <a:t>Sec-</a:t>
             </a:r>
             <a:r>
-              <a:rPr lang="en-US" b="1" dirty="0" err="1" smtClean="0"/>
+              <a:rPr lang="en-US" b="1" dirty="0" err="1"/>
               <a:t>WebSocket</a:t>
             </a:r>
             <a:r>
-              <a:rPr lang="en-US" b="1" dirty="0" smtClean="0"/>
+              <a:rPr lang="en-US" b="1" dirty="0"/>
               <a:t>-Version</a:t>
             </a:r>
             <a:r>
-              <a:rPr lang="en-US" dirty="0" smtClean="0"/>
+              <a:rPr lang="en-US" dirty="0"/>
               <a:t> </a:t>
             </a:r>
           </a:p>
           <a:p>
             <a:pPr lvl="1"/>
             <a:r>
-              <a:rPr lang="en-US" dirty="0" smtClean="0"/>
+              <a:rPr lang="en-US" dirty="0"/>
               <a:t>tell the server which version of WS protocol the browser is using</a:t>
             </a:r>
-            <a:endParaRPr lang="en-US" dirty="0"/>
           </a:p>
           <a:p>
             <a:r>
@@ -12637,7 +12166,7 @@
               <a:t>Upgrade: </a:t>
             </a:r>
             <a:r>
-              <a:rPr lang="en-US" b="1" dirty="0" err="1" smtClean="0"/>
+              <a:rPr lang="en-US" b="1" dirty="0" err="1"/>
               <a:t>websocket</a:t>
             </a:r>
             <a:endParaRPr lang="en-US" dirty="0"/>
@@ -12645,18 +12174,17 @@
           <a:p>
             <a:pPr lvl="1"/>
             <a:r>
-              <a:rPr lang="en-US" dirty="0" smtClean="0"/>
+              <a:rPr lang="en-US" dirty="0"/>
               <a:t>standard HTTP header, telling that, although this request was handled like HTTP, the client (</a:t>
             </a:r>
             <a:r>
-              <a:rPr lang="en-US" dirty="0" err="1" smtClean="0"/>
+              <a:rPr lang="en-US" dirty="0" err="1"/>
               <a:t>ie</a:t>
             </a:r>
             <a:r>
-              <a:rPr lang="en-US" dirty="0" smtClean="0"/>
+              <a:rPr lang="en-US" dirty="0"/>
               <a:t> browser) wants to switch to a different protocol (WS in this case)</a:t>
             </a:r>
-            <a:endParaRPr lang="en-US" dirty="0"/>
           </a:p>
         </p:txBody>
       </p:sp>
